--- a/Event Scheduler & Calendar presentation.pptx
+++ b/Event Scheduler & Calendar presentation.pptx
@@ -17,12 +17,12 @@
     <p:sldId id="268" r:id="rId8"/>
     <p:sldId id="295" r:id="rId9"/>
     <p:sldId id="286" r:id="rId10"/>
-    <p:sldId id="293" r:id="rId11"/>
-    <p:sldId id="292" r:id="rId12"/>
-    <p:sldId id="294" r:id="rId13"/>
-    <p:sldId id="262" r:id="rId14"/>
-    <p:sldId id="279" r:id="rId15"/>
-    <p:sldId id="260" r:id="rId16"/>
+    <p:sldId id="296" r:id="rId11"/>
+    <p:sldId id="293" r:id="rId12"/>
+    <p:sldId id="292" r:id="rId13"/>
+    <p:sldId id="294" r:id="rId14"/>
+    <p:sldId id="262" r:id="rId15"/>
+    <p:sldId id="279" r:id="rId16"/>
     <p:sldId id="276" r:id="rId17"/>
   </p:sldIdLst>
   <p:sldSz cx="12192000" cy="6858000"/>
@@ -164,7 +164,8 @@
 <file path=ppt/revisionInfo.xml><?xml version="1.0" encoding="utf-8"?>
 <p1510:revInfo xmlns:a="http://schemas.openxmlformats.org/drawingml/2006/main" xmlns:r="http://schemas.openxmlformats.org/officeDocument/2006/relationships" xmlns:p1510="http://schemas.microsoft.com/office/powerpoint/2015/10/main">
   <p1510:revLst>
-    <p1510:client id="{1B7CF42C-3546-4AA8-BDA4-156F062AD507}" v="12" dt="2024-08-03T16:14:00.750"/>
+    <p1510:client id="{1B7CF42C-3546-4AA8-BDA4-156F062AD507}" v="170" dt="2024-08-04T21:55:00.011"/>
+    <p1510:client id="{A9AD4647-3827-EDFD-E7F4-D257A93870BC}" v="192" dt="2024-08-04T21:55:15.273"/>
   </p1510:revLst>
 </p1510:revInfo>
 </file>
@@ -172,17 +173,261 @@
 <file path=ppt/changesInfos/changesInfo1.xml><?xml version="1.0" encoding="utf-8"?>
 <pc:chgInfo xmlns:a="http://schemas.openxmlformats.org/drawingml/2006/main" xmlns:r="http://schemas.openxmlformats.org/officeDocument/2006/relationships" xmlns:ac="http://schemas.microsoft.com/office/drawing/2013/main/command" xmlns:pc="http://schemas.microsoft.com/office/powerpoint/2013/main/command">
   <pc:docChgLst>
-    <pc:chgData name="Nana fouvle Yaaba Nkrumah" userId="eaa3eadf-a028-4f6e-a4c6-eb72b55113c9" providerId="ADAL" clId="{1B7CF42C-3546-4AA8-BDA4-156F062AD507}"/>
-    <pc:docChg chg="undo custSel addSld delSld modSld sldOrd">
-      <pc:chgData name="Nana fouvle Yaaba Nkrumah" userId="eaa3eadf-a028-4f6e-a4c6-eb72b55113c9" providerId="ADAL" clId="{1B7CF42C-3546-4AA8-BDA4-156F062AD507}" dt="2024-08-03T16:41:51.844" v="883" actId="403"/>
+    <pc:chgData name="Nyameye Awurama Ampomaa Obeng-Akuamoah" userId="S::nyameye.akuamoah@ashesi.edu.gh::b0c60fc1-a835-4285-b5b9-ba07bfab920c" providerId="AD" clId="Web-{A9AD4647-3827-EDFD-E7F4-D257A93870BC}"/>
+    <pc:docChg chg="modSld">
+      <pc:chgData name="Nyameye Awurama Ampomaa Obeng-Akuamoah" userId="S::nyameye.akuamoah@ashesi.edu.gh::b0c60fc1-a835-4285-b5b9-ba07bfab920c" providerId="AD" clId="Web-{A9AD4647-3827-EDFD-E7F4-D257A93870BC}" dt="2024-08-04T21:55:13.929" v="164" actId="20577"/>
       <pc:docMkLst>
         <pc:docMk/>
       </pc:docMkLst>
+      <pc:sldChg chg="modSp">
+        <pc:chgData name="Nyameye Awurama Ampomaa Obeng-Akuamoah" userId="S::nyameye.akuamoah@ashesi.edu.gh::b0c60fc1-a835-4285-b5b9-ba07bfab920c" providerId="AD" clId="Web-{A9AD4647-3827-EDFD-E7F4-D257A93870BC}" dt="2024-08-04T21:55:13.929" v="164" actId="20577"/>
+        <pc:sldMkLst>
+          <pc:docMk/>
+          <pc:sldMk cId="1642425379" sldId="256"/>
+        </pc:sldMkLst>
+        <pc:spChg chg="mod">
+          <ac:chgData name="Nyameye Awurama Ampomaa Obeng-Akuamoah" userId="S::nyameye.akuamoah@ashesi.edu.gh::b0c60fc1-a835-4285-b5b9-ba07bfab920c" providerId="AD" clId="Web-{A9AD4647-3827-EDFD-E7F4-D257A93870BC}" dt="2024-08-04T21:55:13.929" v="164" actId="20577"/>
+          <ac:spMkLst>
+            <pc:docMk/>
+            <pc:sldMk cId="1642425379" sldId="256"/>
+            <ac:spMk id="5" creationId="{CA0BD786-6A1E-17AD-93CC-C6C5D687D159}"/>
+          </ac:spMkLst>
+        </pc:spChg>
+      </pc:sldChg>
+      <pc:sldChg chg="modSp">
+        <pc:chgData name="Nyameye Awurama Ampomaa Obeng-Akuamoah" userId="S::nyameye.akuamoah@ashesi.edu.gh::b0c60fc1-a835-4285-b5b9-ba07bfab920c" providerId="AD" clId="Web-{A9AD4647-3827-EDFD-E7F4-D257A93870BC}" dt="2024-08-04T20:59:50.452" v="61" actId="20577"/>
+        <pc:sldMkLst>
+          <pc:docMk/>
+          <pc:sldMk cId="1593920805" sldId="262"/>
+        </pc:sldMkLst>
+        <pc:spChg chg="mod">
+          <ac:chgData name="Nyameye Awurama Ampomaa Obeng-Akuamoah" userId="S::nyameye.akuamoah@ashesi.edu.gh::b0c60fc1-a835-4285-b5b9-ba07bfab920c" providerId="AD" clId="Web-{A9AD4647-3827-EDFD-E7F4-D257A93870BC}" dt="2024-08-04T20:59:50.452" v="61" actId="20577"/>
+          <ac:spMkLst>
+            <pc:docMk/>
+            <pc:sldMk cId="1593920805" sldId="262"/>
+            <ac:spMk id="8" creationId="{87441910-6501-5C60-C05A-BAFF34C25798}"/>
+          </ac:spMkLst>
+        </pc:spChg>
+      </pc:sldChg>
+      <pc:sldChg chg="modSp">
+        <pc:chgData name="Nyameye Awurama Ampomaa Obeng-Akuamoah" userId="S::nyameye.akuamoah@ashesi.edu.gh::b0c60fc1-a835-4285-b5b9-ba07bfab920c" providerId="AD" clId="Web-{A9AD4647-3827-EDFD-E7F4-D257A93870BC}" dt="2024-08-04T21:16:23.283" v="127" actId="20577"/>
+        <pc:sldMkLst>
+          <pc:docMk/>
+          <pc:sldMk cId="1346372204" sldId="264"/>
+        </pc:sldMkLst>
+        <pc:spChg chg="mod">
+          <ac:chgData name="Nyameye Awurama Ampomaa Obeng-Akuamoah" userId="S::nyameye.akuamoah@ashesi.edu.gh::b0c60fc1-a835-4285-b5b9-ba07bfab920c" providerId="AD" clId="Web-{A9AD4647-3827-EDFD-E7F4-D257A93870BC}" dt="2024-08-04T21:13:00.339" v="65" actId="14100"/>
+          <ac:spMkLst>
+            <pc:docMk/>
+            <pc:sldMk cId="1346372204" sldId="264"/>
+            <ac:spMk id="2" creationId="{537E1C88-627C-4655-A4FB-0BB02EDB078A}"/>
+          </ac:spMkLst>
+        </pc:spChg>
+        <pc:spChg chg="mod">
+          <ac:chgData name="Nyameye Awurama Ampomaa Obeng-Akuamoah" userId="S::nyameye.akuamoah@ashesi.edu.gh::b0c60fc1-a835-4285-b5b9-ba07bfab920c" providerId="AD" clId="Web-{A9AD4647-3827-EDFD-E7F4-D257A93870BC}" dt="2024-08-04T21:16:23.283" v="127" actId="20577"/>
+          <ac:spMkLst>
+            <pc:docMk/>
+            <pc:sldMk cId="1346372204" sldId="264"/>
+            <ac:spMk id="3" creationId="{033634FE-ADF0-4BC3-A0A9-447EA9DD096B}"/>
+          </ac:spMkLst>
+        </pc:spChg>
+      </pc:sldChg>
+      <pc:sldChg chg="modSp">
+        <pc:chgData name="Nyameye Awurama Ampomaa Obeng-Akuamoah" userId="S::nyameye.akuamoah@ashesi.edu.gh::b0c60fc1-a835-4285-b5b9-ba07bfab920c" providerId="AD" clId="Web-{A9AD4647-3827-EDFD-E7F4-D257A93870BC}" dt="2024-08-04T21:52:12.573" v="162" actId="20577"/>
+        <pc:sldMkLst>
+          <pc:docMk/>
+          <pc:sldMk cId="4151694508" sldId="268"/>
+        </pc:sldMkLst>
+        <pc:spChg chg="mod">
+          <ac:chgData name="Nyameye Awurama Ampomaa Obeng-Akuamoah" userId="S::nyameye.akuamoah@ashesi.edu.gh::b0c60fc1-a835-4285-b5b9-ba07bfab920c" providerId="AD" clId="Web-{A9AD4647-3827-EDFD-E7F4-D257A93870BC}" dt="2024-08-04T21:17:15.550" v="137" actId="14100"/>
+          <ac:spMkLst>
+            <pc:docMk/>
+            <pc:sldMk cId="4151694508" sldId="268"/>
+            <ac:spMk id="4" creationId="{FAD2AE59-5630-4D5C-83A9-4CDEF4D7DCFB}"/>
+          </ac:spMkLst>
+        </pc:spChg>
+        <pc:spChg chg="mod">
+          <ac:chgData name="Nyameye Awurama Ampomaa Obeng-Akuamoah" userId="S::nyameye.akuamoah@ashesi.edu.gh::b0c60fc1-a835-4285-b5b9-ba07bfab920c" providerId="AD" clId="Web-{A9AD4647-3827-EDFD-E7F4-D257A93870BC}" dt="2024-08-04T21:52:12.573" v="162" actId="20577"/>
+          <ac:spMkLst>
+            <pc:docMk/>
+            <pc:sldMk cId="4151694508" sldId="268"/>
+            <ac:spMk id="6" creationId="{5A6B31B0-7B84-475D-961F-09C0191F91A2}"/>
+          </ac:spMkLst>
+        </pc:spChg>
+      </pc:sldChg>
+      <pc:sldChg chg="modSp">
+        <pc:chgData name="Nyameye Awurama Ampomaa Obeng-Akuamoah" userId="S::nyameye.akuamoah@ashesi.edu.gh::b0c60fc1-a835-4285-b5b9-ba07bfab920c" providerId="AD" clId="Web-{A9AD4647-3827-EDFD-E7F4-D257A93870BC}" dt="2024-08-04T21:51:46.197" v="160" actId="20577"/>
+        <pc:sldMkLst>
+          <pc:docMk/>
+          <pc:sldMk cId="4252466045" sldId="279"/>
+        </pc:sldMkLst>
+        <pc:spChg chg="mod">
+          <ac:chgData name="Nyameye Awurama Ampomaa Obeng-Akuamoah" userId="S::nyameye.akuamoah@ashesi.edu.gh::b0c60fc1-a835-4285-b5b9-ba07bfab920c" providerId="AD" clId="Web-{A9AD4647-3827-EDFD-E7F4-D257A93870BC}" dt="2024-08-04T21:51:46.197" v="160" actId="20577"/>
+          <ac:spMkLst>
+            <pc:docMk/>
+            <pc:sldMk cId="4252466045" sldId="279"/>
+            <ac:spMk id="7" creationId="{3FF2D739-E475-54F8-C832-F04A983D0F24}"/>
+          </ac:spMkLst>
+        </pc:spChg>
+      </pc:sldChg>
+      <pc:sldChg chg="modSp">
+        <pc:chgData name="Nyameye Awurama Ampomaa Obeng-Akuamoah" userId="S::nyameye.akuamoah@ashesi.edu.gh::b0c60fc1-a835-4285-b5b9-ba07bfab920c" providerId="AD" clId="Web-{A9AD4647-3827-EDFD-E7F4-D257A93870BC}" dt="2024-08-04T21:46:33.952" v="158" actId="14100"/>
+        <pc:sldMkLst>
+          <pc:docMk/>
+          <pc:sldMk cId="1418789964" sldId="286"/>
+        </pc:sldMkLst>
+        <pc:spChg chg="mod">
+          <ac:chgData name="Nyameye Awurama Ampomaa Obeng-Akuamoah" userId="S::nyameye.akuamoah@ashesi.edu.gh::b0c60fc1-a835-4285-b5b9-ba07bfab920c" providerId="AD" clId="Web-{A9AD4647-3827-EDFD-E7F4-D257A93870BC}" dt="2024-08-04T21:46:33.952" v="158" actId="14100"/>
+          <ac:spMkLst>
+            <pc:docMk/>
+            <pc:sldMk cId="1418789964" sldId="286"/>
+            <ac:spMk id="5" creationId="{B8ECB8C2-A6EF-8066-983C-1C2B81B55337}"/>
+          </ac:spMkLst>
+        </pc:spChg>
+      </pc:sldChg>
+      <pc:sldChg chg="modSp">
+        <pc:chgData name="Nyameye Awurama Ampomaa Obeng-Akuamoah" userId="S::nyameye.akuamoah@ashesi.edu.gh::b0c60fc1-a835-4285-b5b9-ba07bfab920c" providerId="AD" clId="Web-{A9AD4647-3827-EDFD-E7F4-D257A93870BC}" dt="2024-08-04T20:58:07.418" v="42" actId="14100"/>
+        <pc:sldMkLst>
+          <pc:docMk/>
+          <pc:sldMk cId="2390678392" sldId="292"/>
+        </pc:sldMkLst>
+        <pc:spChg chg="mod">
+          <ac:chgData name="Nyameye Awurama Ampomaa Obeng-Akuamoah" userId="S::nyameye.akuamoah@ashesi.edu.gh::b0c60fc1-a835-4285-b5b9-ba07bfab920c" providerId="AD" clId="Web-{A9AD4647-3827-EDFD-E7F4-D257A93870BC}" dt="2024-08-04T20:58:01.806" v="41" actId="14100"/>
+          <ac:spMkLst>
+            <pc:docMk/>
+            <pc:sldMk cId="2390678392" sldId="292"/>
+            <ac:spMk id="2" creationId="{CC80C883-7528-F9C5-D6FA-15EC059A3021}"/>
+          </ac:spMkLst>
+        </pc:spChg>
+        <pc:spChg chg="mod">
+          <ac:chgData name="Nyameye Awurama Ampomaa Obeng-Akuamoah" userId="S::nyameye.akuamoah@ashesi.edu.gh::b0c60fc1-a835-4285-b5b9-ba07bfab920c" providerId="AD" clId="Web-{A9AD4647-3827-EDFD-E7F4-D257A93870BC}" dt="2024-08-04T20:58:07.418" v="42" actId="14100"/>
+          <ac:spMkLst>
+            <pc:docMk/>
+            <pc:sldMk cId="2390678392" sldId="292"/>
+            <ac:spMk id="6" creationId="{3A7E69BA-FC91-08A5-671F-B53E6E989C6F}"/>
+          </ac:spMkLst>
+        </pc:spChg>
+      </pc:sldChg>
+      <pc:sldChg chg="modSp">
+        <pc:chgData name="Nyameye Awurama Ampomaa Obeng-Akuamoah" userId="S::nyameye.akuamoah@ashesi.edu.gh::b0c60fc1-a835-4285-b5b9-ba07bfab920c" providerId="AD" clId="Web-{A9AD4647-3827-EDFD-E7F4-D257A93870BC}" dt="2024-08-04T20:59:08.639" v="54" actId="20577"/>
+        <pc:sldMkLst>
+          <pc:docMk/>
+          <pc:sldMk cId="229570784" sldId="293"/>
+        </pc:sldMkLst>
+        <pc:spChg chg="mod">
+          <ac:chgData name="Nyameye Awurama Ampomaa Obeng-Akuamoah" userId="S::nyameye.akuamoah@ashesi.edu.gh::b0c60fc1-a835-4285-b5b9-ba07bfab920c" providerId="AD" clId="Web-{A9AD4647-3827-EDFD-E7F4-D257A93870BC}" dt="2024-08-04T20:59:08.639" v="54" actId="20577"/>
+          <ac:spMkLst>
+            <pc:docMk/>
+            <pc:sldMk cId="229570784" sldId="293"/>
+            <ac:spMk id="5" creationId="{B8ECB8C2-A6EF-8066-983C-1C2B81B55337}"/>
+          </ac:spMkLst>
+        </pc:spChg>
+      </pc:sldChg>
+      <pc:sldChg chg="modSp">
+        <pc:chgData name="Nyameye Awurama Ampomaa Obeng-Akuamoah" userId="S::nyameye.akuamoah@ashesi.edu.gh::b0c60fc1-a835-4285-b5b9-ba07bfab920c" providerId="AD" clId="Web-{A9AD4647-3827-EDFD-E7F4-D257A93870BC}" dt="2024-08-04T20:58:53.685" v="50" actId="20577"/>
+        <pc:sldMkLst>
+          <pc:docMk/>
+          <pc:sldMk cId="1129914006" sldId="294"/>
+        </pc:sldMkLst>
+        <pc:spChg chg="mod">
+          <ac:chgData name="Nyameye Awurama Ampomaa Obeng-Akuamoah" userId="S::nyameye.akuamoah@ashesi.edu.gh::b0c60fc1-a835-4285-b5b9-ba07bfab920c" providerId="AD" clId="Web-{A9AD4647-3827-EDFD-E7F4-D257A93870BC}" dt="2024-08-04T20:58:16.106" v="43" actId="14100"/>
+          <ac:spMkLst>
+            <pc:docMk/>
+            <pc:sldMk cId="1129914006" sldId="294"/>
+            <ac:spMk id="2" creationId="{CC80C883-7528-F9C5-D6FA-15EC059A3021}"/>
+          </ac:spMkLst>
+        </pc:spChg>
+        <pc:spChg chg="mod">
+          <ac:chgData name="Nyameye Awurama Ampomaa Obeng-Akuamoah" userId="S::nyameye.akuamoah@ashesi.edu.gh::b0c60fc1-a835-4285-b5b9-ba07bfab920c" providerId="AD" clId="Web-{A9AD4647-3827-EDFD-E7F4-D257A93870BC}" dt="2024-08-04T20:58:53.685" v="50" actId="20577"/>
+          <ac:spMkLst>
+            <pc:docMk/>
+            <pc:sldMk cId="1129914006" sldId="294"/>
+            <ac:spMk id="6" creationId="{3A7E69BA-FC91-08A5-671F-B53E6E989C6F}"/>
+          </ac:spMkLst>
+        </pc:spChg>
+      </pc:sldChg>
+      <pc:sldChg chg="modSp">
+        <pc:chgData name="Nyameye Awurama Ampomaa Obeng-Akuamoah" userId="S::nyameye.akuamoah@ashesi.edu.gh::b0c60fc1-a835-4285-b5b9-ba07bfab920c" providerId="AD" clId="Web-{A9AD4647-3827-EDFD-E7F4-D257A93870BC}" dt="2024-08-04T21:18:08.880" v="146" actId="14100"/>
+        <pc:sldMkLst>
+          <pc:docMk/>
+          <pc:sldMk cId="2905730526" sldId="295"/>
+        </pc:sldMkLst>
+        <pc:spChg chg="mod">
+          <ac:chgData name="Nyameye Awurama Ampomaa Obeng-Akuamoah" userId="S::nyameye.akuamoah@ashesi.edu.gh::b0c60fc1-a835-4285-b5b9-ba07bfab920c" providerId="AD" clId="Web-{A9AD4647-3827-EDFD-E7F4-D257A93870BC}" dt="2024-08-04T21:18:08.880" v="146" actId="14100"/>
+          <ac:spMkLst>
+            <pc:docMk/>
+            <pc:sldMk cId="2905730526" sldId="295"/>
+            <ac:spMk id="2" creationId="{45EDC05B-2C3B-6467-2FD9-041BEE3E9FCC}"/>
+          </ac:spMkLst>
+        </pc:spChg>
+        <pc:spChg chg="mod">
+          <ac:chgData name="Nyameye Awurama Ampomaa Obeng-Akuamoah" userId="S::nyameye.akuamoah@ashesi.edu.gh::b0c60fc1-a835-4285-b5b9-ba07bfab920c" providerId="AD" clId="Web-{A9AD4647-3827-EDFD-E7F4-D257A93870BC}" dt="2024-08-04T21:18:02.645" v="145" actId="20577"/>
+          <ac:spMkLst>
+            <pc:docMk/>
+            <pc:sldMk cId="2905730526" sldId="295"/>
+            <ac:spMk id="4" creationId="{E0EE1F09-0AE8-EC65-8B89-96081367C229}"/>
+          </ac:spMkLst>
+        </pc:spChg>
+      </pc:sldChg>
+      <pc:sldChg chg="modSp">
+        <pc:chgData name="Nyameye Awurama Ampomaa Obeng-Akuamoah" userId="S::nyameye.akuamoah@ashesi.edu.gh::b0c60fc1-a835-4285-b5b9-ba07bfab920c" providerId="AD" clId="Web-{A9AD4647-3827-EDFD-E7F4-D257A93870BC}" dt="2024-08-04T21:46:09.373" v="151" actId="20577"/>
+        <pc:sldMkLst>
+          <pc:docMk/>
+          <pc:sldMk cId="3065395102" sldId="296"/>
+        </pc:sldMkLst>
+        <pc:spChg chg="mod">
+          <ac:chgData name="Nyameye Awurama Ampomaa Obeng-Akuamoah" userId="S::nyameye.akuamoah@ashesi.edu.gh::b0c60fc1-a835-4285-b5b9-ba07bfab920c" providerId="AD" clId="Web-{A9AD4647-3827-EDFD-E7F4-D257A93870BC}" dt="2024-08-04T21:46:09.373" v="151" actId="20577"/>
+          <ac:spMkLst>
+            <pc:docMk/>
+            <pc:sldMk cId="3065395102" sldId="296"/>
+            <ac:spMk id="5" creationId="{B8ECB8C2-A6EF-8066-983C-1C2B81B55337}"/>
+          </ac:spMkLst>
+        </pc:spChg>
+      </pc:sldChg>
+    </pc:docChg>
+  </pc:docChgLst>
+  <pc:docChgLst>
+    <pc:chgData name="Nana fouvle Yaaba Nkrumah" userId="eaa3eadf-a028-4f6e-a4c6-eb72b55113c9" providerId="ADAL" clId="{1B7CF42C-3546-4AA8-BDA4-156F062AD507}"/>
+    <pc:docChg chg="undo custSel addSld delSld modSld sldOrd">
+      <pc:chgData name="Nana fouvle Yaaba Nkrumah" userId="eaa3eadf-a028-4f6e-a4c6-eb72b55113c9" providerId="ADAL" clId="{1B7CF42C-3546-4AA8-BDA4-156F062AD507}" dt="2024-08-04T21:55:00.011" v="1117" actId="20577"/>
+      <pc:docMkLst>
+        <pc:docMk/>
+      </pc:docMkLst>
+      <pc:sldChg chg="addSp modSp mod">
+        <pc:chgData name="Nana fouvle Yaaba Nkrumah" userId="eaa3eadf-a028-4f6e-a4c6-eb72b55113c9" providerId="ADAL" clId="{1B7CF42C-3546-4AA8-BDA4-156F062AD507}" dt="2024-08-04T18:55:43.961" v="905" actId="1076"/>
+        <pc:sldMkLst>
+          <pc:docMk/>
+          <pc:sldMk cId="1642425379" sldId="256"/>
+        </pc:sldMkLst>
+        <pc:spChg chg="add mod">
+          <ac:chgData name="Nana fouvle Yaaba Nkrumah" userId="eaa3eadf-a028-4f6e-a4c6-eb72b55113c9" providerId="ADAL" clId="{1B7CF42C-3546-4AA8-BDA4-156F062AD507}" dt="2024-08-04T18:55:40.528" v="904" actId="6549"/>
+          <ac:spMkLst>
+            <pc:docMk/>
+            <pc:sldMk cId="1642425379" sldId="256"/>
+            <ac:spMk id="3" creationId="{424A8B84-7568-C64F-E217-50DBDD785097}"/>
+          </ac:spMkLst>
+        </pc:spChg>
+        <pc:spChg chg="add mod">
+          <ac:chgData name="Nana fouvle Yaaba Nkrumah" userId="eaa3eadf-a028-4f6e-a4c6-eb72b55113c9" providerId="ADAL" clId="{1B7CF42C-3546-4AA8-BDA4-156F062AD507}" dt="2024-08-04T18:55:43.961" v="905" actId="1076"/>
+          <ac:spMkLst>
+            <pc:docMk/>
+            <pc:sldMk cId="1642425379" sldId="256"/>
+            <ac:spMk id="5" creationId="{CA0BD786-6A1E-17AD-93CC-C6C5D687D159}"/>
+          </ac:spMkLst>
+        </pc:spChg>
+      </pc:sldChg>
       <pc:sldChg chg="del">
         <pc:chgData name="Nana fouvle Yaaba Nkrumah" userId="eaa3eadf-a028-4f6e-a4c6-eb72b55113c9" providerId="ADAL" clId="{1B7CF42C-3546-4AA8-BDA4-156F062AD507}" dt="2024-08-02T23:04:36.802" v="174" actId="2696"/>
         <pc:sldMkLst>
           <pc:docMk/>
           <pc:sldMk cId="707789176" sldId="258"/>
+        </pc:sldMkLst>
+      </pc:sldChg>
+      <pc:sldChg chg="del">
+        <pc:chgData name="Nana fouvle Yaaba Nkrumah" userId="eaa3eadf-a028-4f6e-a4c6-eb72b55113c9" providerId="ADAL" clId="{1B7CF42C-3546-4AA8-BDA4-156F062AD507}" dt="2024-08-04T18:54:42.763" v="884" actId="2696"/>
+        <pc:sldMkLst>
+          <pc:docMk/>
+          <pc:sldMk cId="566997565" sldId="260"/>
         </pc:sldMkLst>
       </pc:sldChg>
       <pc:sldChg chg="addSp delSp modSp mod">
@@ -225,6 +470,36 @@
         </pc:picChg>
       </pc:sldChg>
       <pc:sldChg chg="modSp mod">
+        <pc:chgData name="Nana fouvle Yaaba Nkrumah" userId="eaa3eadf-a028-4f6e-a4c6-eb72b55113c9" providerId="ADAL" clId="{1B7CF42C-3546-4AA8-BDA4-156F062AD507}" dt="2024-08-04T21:10:26.678" v="964" actId="20577"/>
+        <pc:sldMkLst>
+          <pc:docMk/>
+          <pc:sldMk cId="1346372204" sldId="264"/>
+        </pc:sldMkLst>
+        <pc:spChg chg="mod">
+          <ac:chgData name="Nana fouvle Yaaba Nkrumah" userId="eaa3eadf-a028-4f6e-a4c6-eb72b55113c9" providerId="ADAL" clId="{1B7CF42C-3546-4AA8-BDA4-156F062AD507}" dt="2024-08-04T21:10:26.678" v="964" actId="20577"/>
+          <ac:spMkLst>
+            <pc:docMk/>
+            <pc:sldMk cId="1346372204" sldId="264"/>
+            <ac:spMk id="3" creationId="{033634FE-ADF0-4BC3-A0A9-447EA9DD096B}"/>
+          </ac:spMkLst>
+        </pc:spChg>
+      </pc:sldChg>
+      <pc:sldChg chg="delSp modSp mod">
+        <pc:chgData name="Nana fouvle Yaaba Nkrumah" userId="eaa3eadf-a028-4f6e-a4c6-eb72b55113c9" providerId="ADAL" clId="{1B7CF42C-3546-4AA8-BDA4-156F062AD507}" dt="2024-08-04T18:54:57.998" v="887" actId="21"/>
+        <pc:sldMkLst>
+          <pc:docMk/>
+          <pc:sldMk cId="2436493926" sldId="276"/>
+        </pc:sldMkLst>
+        <pc:spChg chg="del mod">
+          <ac:chgData name="Nana fouvle Yaaba Nkrumah" userId="eaa3eadf-a028-4f6e-a4c6-eb72b55113c9" providerId="ADAL" clId="{1B7CF42C-3546-4AA8-BDA4-156F062AD507}" dt="2024-08-04T18:54:57.998" v="887" actId="21"/>
+          <ac:spMkLst>
+            <pc:docMk/>
+            <pc:sldMk cId="2436493926" sldId="276"/>
+            <ac:spMk id="3" creationId="{24AFFC60-19C3-4901-93F7-7AAF4C09F8C6}"/>
+          </ac:spMkLst>
+        </pc:spChg>
+      </pc:sldChg>
+      <pc:sldChg chg="modSp mod">
         <pc:chgData name="Nana fouvle Yaaba Nkrumah" userId="eaa3eadf-a028-4f6e-a4c6-eb72b55113c9" providerId="ADAL" clId="{1B7CF42C-3546-4AA8-BDA4-156F062AD507}" dt="2024-08-03T16:11:25.399" v="342" actId="20577"/>
         <pc:sldMkLst>
           <pc:docMk/>
@@ -239,8 +514,47 @@
           </ac:spMkLst>
         </pc:spChg>
       </pc:sldChg>
+      <pc:sldChg chg="addSp delSp modSp mod">
+        <pc:chgData name="Nana fouvle Yaaba Nkrumah" userId="eaa3eadf-a028-4f6e-a4c6-eb72b55113c9" providerId="ADAL" clId="{1B7CF42C-3546-4AA8-BDA4-156F062AD507}" dt="2024-08-04T21:55:00.011" v="1117" actId="20577"/>
+        <pc:sldMkLst>
+          <pc:docMk/>
+          <pc:sldMk cId="4252466045" sldId="279"/>
+        </pc:sldMkLst>
+        <pc:spChg chg="add del mod">
+          <ac:chgData name="Nana fouvle Yaaba Nkrumah" userId="eaa3eadf-a028-4f6e-a4c6-eb72b55113c9" providerId="ADAL" clId="{1B7CF42C-3546-4AA8-BDA4-156F062AD507}" dt="2024-08-04T18:56:19.973" v="939" actId="478"/>
+          <ac:spMkLst>
+            <pc:docMk/>
+            <pc:sldMk cId="4252466045" sldId="279"/>
+            <ac:spMk id="3" creationId="{17855014-532A-7032-B184-9ED1FF7EEC15}"/>
+          </ac:spMkLst>
+        </pc:spChg>
+        <pc:spChg chg="mod">
+          <ac:chgData name="Nana fouvle Yaaba Nkrumah" userId="eaa3eadf-a028-4f6e-a4c6-eb72b55113c9" providerId="ADAL" clId="{1B7CF42C-3546-4AA8-BDA4-156F062AD507}" dt="2024-08-04T21:55:00.011" v="1117" actId="20577"/>
+          <ac:spMkLst>
+            <pc:docMk/>
+            <pc:sldMk cId="4252466045" sldId="279"/>
+            <ac:spMk id="7" creationId="{3FF2D739-E475-54F8-C832-F04A983D0F24}"/>
+          </ac:spMkLst>
+        </pc:spChg>
+        <pc:spChg chg="del">
+          <ac:chgData name="Nana fouvle Yaaba Nkrumah" userId="eaa3eadf-a028-4f6e-a4c6-eb72b55113c9" providerId="ADAL" clId="{1B7CF42C-3546-4AA8-BDA4-156F062AD507}" dt="2024-08-04T18:56:16.570" v="938" actId="478"/>
+          <ac:spMkLst>
+            <pc:docMk/>
+            <pc:sldMk cId="4252466045" sldId="279"/>
+            <ac:spMk id="8" creationId="{8E323639-65E1-FDBD-1BE3-374BB39C1971}"/>
+          </ac:spMkLst>
+        </pc:spChg>
+        <pc:spChg chg="mod">
+          <ac:chgData name="Nana fouvle Yaaba Nkrumah" userId="eaa3eadf-a028-4f6e-a4c6-eb72b55113c9" providerId="ADAL" clId="{1B7CF42C-3546-4AA8-BDA4-156F062AD507}" dt="2024-08-04T18:56:05.041" v="937" actId="20577"/>
+          <ac:spMkLst>
+            <pc:docMk/>
+            <pc:sldMk cId="4252466045" sldId="279"/>
+            <ac:spMk id="23" creationId="{5FB75C3E-5885-49DD-8190-BB1E8C511A7E}"/>
+          </ac:spMkLst>
+        </pc:spChg>
+      </pc:sldChg>
       <pc:sldChg chg="addSp delSp modSp mod ord">
-        <pc:chgData name="Nana fouvle Yaaba Nkrumah" userId="eaa3eadf-a028-4f6e-a4c6-eb72b55113c9" providerId="ADAL" clId="{1B7CF42C-3546-4AA8-BDA4-156F062AD507}" dt="2024-08-02T22:52:55.083" v="125"/>
+        <pc:chgData name="Nana fouvle Yaaba Nkrumah" userId="eaa3eadf-a028-4f6e-a4c6-eb72b55113c9" providerId="ADAL" clId="{1B7CF42C-3546-4AA8-BDA4-156F062AD507}" dt="2024-08-04T21:21:08.693" v="977" actId="403"/>
         <pc:sldMkLst>
           <pc:docMk/>
           <pc:sldMk cId="1418789964" sldId="286"/>
@@ -262,7 +576,7 @@
           </ac:spMkLst>
         </pc:spChg>
         <pc:spChg chg="add mod">
-          <ac:chgData name="Nana fouvle Yaaba Nkrumah" userId="eaa3eadf-a028-4f6e-a4c6-eb72b55113c9" providerId="ADAL" clId="{1B7CF42C-3546-4AA8-BDA4-156F062AD507}" dt="2024-08-02T22:52:55.083" v="125"/>
+          <ac:chgData name="Nana fouvle Yaaba Nkrumah" userId="eaa3eadf-a028-4f6e-a4c6-eb72b55113c9" providerId="ADAL" clId="{1B7CF42C-3546-4AA8-BDA4-156F062AD507}" dt="2024-08-04T21:21:08.693" v="977" actId="403"/>
           <ac:spMkLst>
             <pc:docMk/>
             <pc:sldMk cId="1418789964" sldId="286"/>
@@ -424,6 +738,21 @@
           </ac:spMkLst>
         </pc:spChg>
       </pc:sldChg>
+      <pc:sldChg chg="modSp add mod">
+        <pc:chgData name="Nana fouvle Yaaba Nkrumah" userId="eaa3eadf-a028-4f6e-a4c6-eb72b55113c9" providerId="ADAL" clId="{1B7CF42C-3546-4AA8-BDA4-156F062AD507}" dt="2024-08-04T21:21:31.384" v="986" actId="1076"/>
+        <pc:sldMkLst>
+          <pc:docMk/>
+          <pc:sldMk cId="3065395102" sldId="296"/>
+        </pc:sldMkLst>
+        <pc:spChg chg="mod">
+          <ac:chgData name="Nana fouvle Yaaba Nkrumah" userId="eaa3eadf-a028-4f6e-a4c6-eb72b55113c9" providerId="ADAL" clId="{1B7CF42C-3546-4AA8-BDA4-156F062AD507}" dt="2024-08-04T21:21:31.384" v="986" actId="1076"/>
+          <ac:spMkLst>
+            <pc:docMk/>
+            <pc:sldMk cId="3065395102" sldId="296"/>
+            <ac:spMk id="5" creationId="{B8ECB8C2-A6EF-8066-983C-1C2B81B55337}"/>
+          </ac:spMkLst>
+        </pc:spChg>
+      </pc:sldChg>
     </pc:docChg>
   </pc:docChgLst>
 </pc:chgInfo>
@@ -484,7 +813,7 @@
             </a:lvl1pPr>
           </a:lstStyle>
           <a:p>
-            <a:endParaRPr lang="en-US" dirty="0"/>
+            <a:endParaRPr lang="en-US"/>
           </a:p>
         </p:txBody>
       </p:sp>
@@ -523,9 +852,9 @@
           <a:p>
             <a:fld id="{058ABBF3-49A8-4B3F-9773-22E67695BB12}" type="datetimeFigureOut">
               <a:rPr lang="en-US" smtClean="0"/>
-              <a:t>8/3/2024</a:t>
+              <a:t>8/4/2024</a:t>
             </a:fld>
-            <a:endParaRPr lang="en-US" dirty="0"/>
+            <a:endParaRPr lang="en-US"/>
           </a:p>
         </p:txBody>
       </p:sp>
@@ -562,7 +891,7 @@
             </a:lvl1pPr>
           </a:lstStyle>
           <a:p>
-            <a:endParaRPr lang="en-US" dirty="0"/>
+            <a:endParaRPr lang="en-US"/>
           </a:p>
         </p:txBody>
       </p:sp>
@@ -603,7 +932,7 @@
               <a:rPr lang="en-US" smtClean="0"/>
               <a:t>‹#›</a:t>
             </a:fld>
-            <a:endParaRPr lang="en-US" dirty="0"/>
+            <a:endParaRPr lang="en-US"/>
           </a:p>
         </p:txBody>
       </p:sp>
@@ -667,7 +996,7 @@
             </a:lvl1pPr>
           </a:lstStyle>
           <a:p>
-            <a:endParaRPr lang="en-US" dirty="0"/>
+            <a:endParaRPr lang="en-US"/>
           </a:p>
         </p:txBody>
       </p:sp>
@@ -700,9 +1029,9 @@
           <a:p>
             <a:fld id="{F44AAC2B-A50D-4386-849A-6B59FB991B4C}" type="datetimeFigureOut">
               <a:rPr lang="en-US" smtClean="0"/>
-              <a:t>8/3/2024</a:t>
+              <a:t>8/4/2024</a:t>
             </a:fld>
-            <a:endParaRPr lang="en-US" dirty="0"/>
+            <a:endParaRPr lang="en-US"/>
           </a:p>
         </p:txBody>
       </p:sp>
@@ -735,7 +1064,7 @@
           <a:bodyPr vert="horz" lIns="91440" tIns="45720" rIns="91440" bIns="45720" rtlCol="0" anchor="ctr"/>
           <a:lstStyle/>
           <a:p>
-            <a:endParaRPr lang="en-US" dirty="0"/>
+            <a:endParaRPr lang="en-US"/>
           </a:p>
         </p:txBody>
       </p:sp>
@@ -825,7 +1154,7 @@
             </a:lvl1pPr>
           </a:lstStyle>
           <a:p>
-            <a:endParaRPr lang="en-US" dirty="0"/>
+            <a:endParaRPr lang="en-US"/>
           </a:p>
         </p:txBody>
       </p:sp>
@@ -860,7 +1189,7 @@
               <a:rPr lang="en-US" smtClean="0"/>
               <a:t>‹#›</a:t>
             </a:fld>
-            <a:endParaRPr lang="en-US" dirty="0"/>
+            <a:endParaRPr lang="en-US"/>
           </a:p>
         </p:txBody>
       </p:sp>
@@ -1034,7 +1363,7 @@
               <a:rPr lang="en-US" smtClean="0"/>
               <a:t>1</a:t>
             </a:fld>
-            <a:endParaRPr lang="en-US" dirty="0"/>
+            <a:endParaRPr lang="en-US"/>
           </a:p>
         </p:txBody>
       </p:sp>
@@ -1095,7 +1424,7 @@
           <a:bodyPr/>
           <a:lstStyle/>
           <a:p>
-            <a:endParaRPr lang="en-US" dirty="0"/>
+            <a:endParaRPr lang="en-US"/>
           </a:p>
         </p:txBody>
       </p:sp>
@@ -1118,14 +1447,14 @@
               <a:rPr lang="en-US" smtClean="0"/>
               <a:t>11</a:t>
             </a:fld>
-            <a:endParaRPr lang="en-US" dirty="0"/>
+            <a:endParaRPr lang="en-US"/>
           </a:p>
         </p:txBody>
       </p:sp>
     </p:spTree>
     <p:extLst>
       <p:ext uri="{BB962C8B-B14F-4D97-AF65-F5344CB8AC3E}">
-        <p14:creationId xmlns:p14="http://schemas.microsoft.com/office/powerpoint/2010/main" val="1648291474"/>
+        <p14:creationId xmlns:p14="http://schemas.microsoft.com/office/powerpoint/2010/main" val="1306333081"/>
       </p:ext>
     </p:extLst>
   </p:cSld>
@@ -1202,14 +1531,14 @@
               <a:rPr lang="en-US" smtClean="0"/>
               <a:t>12</a:t>
             </a:fld>
-            <a:endParaRPr lang="en-US" dirty="0"/>
+            <a:endParaRPr lang="en-US"/>
           </a:p>
         </p:txBody>
       </p:sp>
     </p:spTree>
     <p:extLst>
       <p:ext uri="{BB962C8B-B14F-4D97-AF65-F5344CB8AC3E}">
-        <p14:creationId xmlns:p14="http://schemas.microsoft.com/office/powerpoint/2010/main" val="3110401346"/>
+        <p14:creationId xmlns:p14="http://schemas.microsoft.com/office/powerpoint/2010/main" val="1648291474"/>
       </p:ext>
     </p:extLst>
   </p:cSld>
@@ -1286,7 +1615,7 @@
               <a:rPr lang="en-US" smtClean="0"/>
               <a:t>13</a:t>
             </a:fld>
-            <a:endParaRPr lang="en-US" dirty="0"/>
+            <a:endParaRPr lang="en-US"/>
           </a:p>
         </p:txBody>
       </p:sp>
@@ -1370,7 +1699,7 @@
               <a:rPr lang="en-US" smtClean="0"/>
               <a:t>2</a:t>
             </a:fld>
-            <a:endParaRPr lang="en-US" dirty="0"/>
+            <a:endParaRPr lang="en-US"/>
           </a:p>
         </p:txBody>
       </p:sp>
@@ -1454,7 +1783,7 @@
               <a:rPr lang="en-US" smtClean="0"/>
               <a:t>3</a:t>
             </a:fld>
-            <a:endParaRPr lang="en-US" dirty="0"/>
+            <a:endParaRPr lang="en-US"/>
           </a:p>
         </p:txBody>
       </p:sp>
@@ -1538,7 +1867,7 @@
               <a:rPr lang="en-US" smtClean="0"/>
               <a:t>4</a:t>
             </a:fld>
-            <a:endParaRPr lang="en-US" dirty="0"/>
+            <a:endParaRPr lang="en-US"/>
           </a:p>
         </p:txBody>
       </p:sp>
@@ -1622,7 +1951,7 @@
               <a:rPr lang="en-US" smtClean="0"/>
               <a:t>6</a:t>
             </a:fld>
-            <a:endParaRPr lang="en-US" dirty="0"/>
+            <a:endParaRPr lang="en-US"/>
           </a:p>
         </p:txBody>
       </p:sp>
@@ -1706,14 +2035,14 @@
               <a:rPr lang="en-US" smtClean="0"/>
               <a:t>7</a:t>
             </a:fld>
-            <a:endParaRPr lang="en-US" dirty="0"/>
+            <a:endParaRPr lang="en-US"/>
           </a:p>
         </p:txBody>
       </p:sp>
     </p:spTree>
     <p:extLst>
       <p:ext uri="{BB962C8B-B14F-4D97-AF65-F5344CB8AC3E}">
-        <p14:creationId xmlns:p14="http://schemas.microsoft.com/office/powerpoint/2010/main" val="3194517028"/>
+        <p14:creationId xmlns:p14="http://schemas.microsoft.com/office/powerpoint/2010/main" val="2291291601"/>
       </p:ext>
     </p:extLst>
   </p:cSld>
@@ -1790,14 +2119,14 @@
               <a:rPr lang="en-US" smtClean="0"/>
               <a:t>8</a:t>
             </a:fld>
-            <a:endParaRPr lang="en-US" dirty="0"/>
+            <a:endParaRPr lang="en-US"/>
           </a:p>
         </p:txBody>
       </p:sp>
     </p:spTree>
     <p:extLst>
       <p:ext uri="{BB962C8B-B14F-4D97-AF65-F5344CB8AC3E}">
-        <p14:creationId xmlns:p14="http://schemas.microsoft.com/office/powerpoint/2010/main" val="2371032428"/>
+        <p14:creationId xmlns:p14="http://schemas.microsoft.com/office/powerpoint/2010/main" val="3194517028"/>
       </p:ext>
     </p:extLst>
   </p:cSld>
@@ -1874,14 +2203,14 @@
               <a:rPr lang="en-US" smtClean="0"/>
               <a:t>9</a:t>
             </a:fld>
-            <a:endParaRPr lang="en-US" dirty="0"/>
+            <a:endParaRPr lang="en-US"/>
           </a:p>
         </p:txBody>
       </p:sp>
     </p:spTree>
     <p:extLst>
       <p:ext uri="{BB962C8B-B14F-4D97-AF65-F5344CB8AC3E}">
-        <p14:creationId xmlns:p14="http://schemas.microsoft.com/office/powerpoint/2010/main" val="655613229"/>
+        <p14:creationId xmlns:p14="http://schemas.microsoft.com/office/powerpoint/2010/main" val="2371032428"/>
       </p:ext>
     </p:extLst>
   </p:cSld>
@@ -1958,14 +2287,14 @@
               <a:rPr lang="en-US" smtClean="0"/>
               <a:t>10</a:t>
             </a:fld>
-            <a:endParaRPr lang="en-US" dirty="0"/>
+            <a:endParaRPr lang="en-US"/>
           </a:p>
         </p:txBody>
       </p:sp>
     </p:spTree>
     <p:extLst>
       <p:ext uri="{BB962C8B-B14F-4D97-AF65-F5344CB8AC3E}">
-        <p14:creationId xmlns:p14="http://schemas.microsoft.com/office/powerpoint/2010/main" val="1306333081"/>
+        <p14:creationId xmlns:p14="http://schemas.microsoft.com/office/powerpoint/2010/main" val="655613229"/>
       </p:ext>
     </p:extLst>
   </p:cSld>
@@ -2071,7 +2400,7 @@
             <a:lstStyle/>
             <a:p>
               <a:pPr algn="ctr"/>
-              <a:endParaRPr lang="en-US" dirty="0"/>
+              <a:endParaRPr lang="en-US"/>
             </a:p>
           </p:txBody>
         </p:sp>
@@ -2176,7 +2505,7 @@
             <a:lstStyle/>
             <a:p>
               <a:pPr algn="ctr"/>
-              <a:endParaRPr lang="en-US" dirty="0"/>
+              <a:endParaRPr lang="en-US"/>
             </a:p>
           </p:txBody>
         </p:sp>
@@ -2228,7 +2557,7 @@
             <a:lstStyle/>
             <a:p>
               <a:pPr algn="ctr"/>
-              <a:endParaRPr lang="en-US" dirty="0"/>
+              <a:endParaRPr lang="en-US"/>
             </a:p>
           </p:txBody>
         </p:sp>
@@ -2280,7 +2609,7 @@
             <a:lstStyle/>
             <a:p>
               <a:pPr algn="ctr"/>
-              <a:endParaRPr lang="en-US" dirty="0"/>
+              <a:endParaRPr lang="en-US"/>
             </a:p>
           </p:txBody>
         </p:sp>
@@ -2385,7 +2714,7 @@
             <a:lstStyle/>
             <a:p>
               <a:pPr algn="ctr"/>
-              <a:endParaRPr lang="en-US" dirty="0"/>
+              <a:endParaRPr lang="en-US"/>
             </a:p>
           </p:txBody>
         </p:sp>
@@ -2598,7 +2927,7 @@
                             <a:p>
                               <a:pPr algn="ctr"/>
                               <a:r>
-                                <a:rPr lang="en-US" dirty="0"/>
+                                <a:rPr lang="en-US"/>
                                 <a:t> </a:t>
                               </a:r>
                             </a:p>
@@ -2653,7 +2982,7 @@
                             <a:p>
                               <a:pPr algn="ctr"/>
                               <a:r>
-                                <a:rPr lang="en-US" dirty="0"/>
+                                <a:rPr lang="en-US"/>
                                 <a:t> </a:t>
                               </a:r>
                             </a:p>
@@ -2709,7 +3038,7 @@
                           <a:p>
                             <a:pPr algn="ctr"/>
                             <a:r>
-                              <a:rPr lang="en-US" dirty="0"/>
+                              <a:rPr lang="en-US"/>
                               <a:t> </a:t>
                             </a:r>
                           </a:p>
@@ -2765,7 +3094,7 @@
                         <a:p>
                           <a:pPr algn="ctr"/>
                           <a:r>
-                            <a:rPr lang="en-US" dirty="0"/>
+                            <a:rPr lang="en-US"/>
                             <a:t> </a:t>
                           </a:r>
                         </a:p>
@@ -2821,7 +3150,7 @@
                       <a:p>
                         <a:pPr algn="ctr"/>
                         <a:r>
-                          <a:rPr lang="en-US" dirty="0"/>
+                          <a:rPr lang="en-US"/>
                           <a:t> </a:t>
                         </a:r>
                       </a:p>
@@ -2877,7 +3206,7 @@
                     <a:p>
                       <a:pPr algn="ctr"/>
                       <a:r>
-                        <a:rPr lang="en-US" dirty="0"/>
+                        <a:rPr lang="en-US"/>
                         <a:t> </a:t>
                       </a:r>
                     </a:p>
@@ -2933,7 +3262,7 @@
                   <a:p>
                     <a:pPr algn="ctr"/>
                     <a:r>
-                      <a:rPr lang="en-US" dirty="0"/>
+                      <a:rPr lang="en-US"/>
                       <a:t> </a:t>
                     </a:r>
                   </a:p>
@@ -2989,7 +3318,7 @@
                 <a:p>
                   <a:pPr algn="ctr"/>
                   <a:r>
-                    <a:rPr lang="en-US" dirty="0"/>
+                    <a:rPr lang="en-US"/>
                     <a:t> </a:t>
                   </a:r>
                 </a:p>
@@ -3044,7 +3373,7 @@
                 <a:p>
                   <a:pPr algn="ctr"/>
                   <a:r>
-                    <a:rPr lang="en-US" dirty="0"/>
+                    <a:rPr lang="en-US"/>
                     <a:t> </a:t>
                   </a:r>
                 </a:p>
@@ -3099,7 +3428,7 @@
                 <a:p>
                   <a:pPr algn="ctr"/>
                   <a:r>
-                    <a:rPr lang="en-US" dirty="0"/>
+                    <a:rPr lang="en-US"/>
                     <a:t> </a:t>
                   </a:r>
                 </a:p>
@@ -3154,7 +3483,7 @@
                 <a:p>
                   <a:pPr algn="ctr"/>
                   <a:r>
-                    <a:rPr lang="en-US" dirty="0"/>
+                    <a:rPr lang="en-US"/>
                     <a:t> </a:t>
                   </a:r>
                 </a:p>
@@ -3209,7 +3538,7 @@
                 <a:p>
                   <a:pPr algn="ctr"/>
                   <a:r>
-                    <a:rPr lang="en-US" dirty="0"/>
+                    <a:rPr lang="en-US"/>
                     <a:t> </a:t>
                   </a:r>
                 </a:p>
@@ -3265,7 +3594,7 @@
               <a:p>
                 <a:pPr algn="ctr"/>
                 <a:r>
-                  <a:rPr lang="en-US" dirty="0"/>
+                  <a:rPr lang="en-US"/>
                   <a:t> </a:t>
                 </a:r>
               </a:p>
@@ -3380,7 +3709,7 @@
             <a:lstStyle/>
             <a:p>
               <a:pPr algn="ctr"/>
-              <a:endParaRPr lang="en-US" dirty="0"/>
+              <a:endParaRPr lang="en-US"/>
             </a:p>
           </p:txBody>
         </p:sp>
@@ -3485,7 +3814,7 @@
             <a:lstStyle/>
             <a:p>
               <a:pPr algn="ctr"/>
-              <a:endParaRPr lang="en-US" dirty="0"/>
+              <a:endParaRPr lang="en-US"/>
             </a:p>
           </p:txBody>
         </p:sp>
@@ -3537,7 +3866,7 @@
             <a:lstStyle/>
             <a:p>
               <a:pPr algn="ctr"/>
-              <a:endParaRPr lang="en-US" dirty="0"/>
+              <a:endParaRPr lang="en-US"/>
             </a:p>
           </p:txBody>
         </p:sp>
@@ -3589,7 +3918,7 @@
             <a:lstStyle/>
             <a:p>
               <a:pPr algn="ctr"/>
-              <a:endParaRPr lang="en-US" dirty="0"/>
+              <a:endParaRPr lang="en-US"/>
             </a:p>
           </p:txBody>
         </p:sp>
@@ -3744,7 +4073,7 @@
           </a:lstStyle>
           <a:p>
             <a:r>
-              <a:rPr lang="en-US" dirty="0"/>
+              <a:rPr lang="en-US"/>
               <a:t>Click to add title</a:t>
             </a:r>
           </a:p>
@@ -3854,7 +4183,7 @@
           </a:lstStyle>
           <a:p>
             <a:r>
-              <a:rPr lang="en-US" dirty="0"/>
+              <a:rPr lang="en-US"/>
               <a:t>CLICK TO ADD TITLE</a:t>
             </a:r>
           </a:p>
@@ -3964,7 +4293,7 @@
           <a:lstStyle/>
           <a:p>
             <a:pPr algn="ctr"/>
-            <a:endParaRPr lang="en-US" dirty="0"/>
+            <a:endParaRPr lang="en-US"/>
           </a:p>
         </p:txBody>
       </p:sp>
@@ -4044,35 +4373,35 @@
           <a:p>
             <a:pPr lvl="0"/>
             <a:r>
-              <a:rPr lang="en-US" dirty="0"/>
+              <a:rPr lang="en-US"/>
               <a:t>Click to add text </a:t>
             </a:r>
           </a:p>
           <a:p>
             <a:pPr marL="685800" lvl="1" indent="-228600"/>
             <a:r>
-              <a:rPr lang="en-US" dirty="0"/>
+              <a:rPr lang="en-US"/>
               <a:t>Second level</a:t>
             </a:r>
           </a:p>
           <a:p>
             <a:pPr marL="1143000" lvl="2" indent="-228600"/>
             <a:r>
-              <a:rPr lang="en-US" dirty="0"/>
+              <a:rPr lang="en-US"/>
               <a:t>Third level</a:t>
             </a:r>
           </a:p>
           <a:p>
             <a:pPr marL="1600200" lvl="3" indent="-228600"/>
             <a:r>
-              <a:rPr lang="en-US" dirty="0"/>
+              <a:rPr lang="en-US"/>
               <a:t>Fourth level</a:t>
             </a:r>
           </a:p>
           <a:p>
             <a:pPr marL="2057400" lvl="4" indent="-228600"/>
             <a:r>
-              <a:rPr lang="en-US" dirty="0"/>
+              <a:rPr lang="en-US"/>
               <a:t>Fifth level</a:t>
             </a:r>
           </a:p>
@@ -4109,7 +4438,7 @@
           </a:lstStyle>
           <a:p>
             <a:r>
-              <a:rPr lang="en-US" dirty="0"/>
+              <a:rPr lang="en-US"/>
               <a:t>Click icon to insert table</a:t>
             </a:r>
           </a:p>
@@ -4153,7 +4482,6 @@
               <a:rPr lang="en-US"/>
               <a:t>12/11/2023</a:t>
             </a:r>
-            <a:endParaRPr lang="en-US" dirty="0"/>
           </a:p>
         </p:txBody>
       </p:sp>
@@ -4195,7 +4523,6 @@
               <a:rPr lang="en-US"/>
               <a:t>Presentation title</a:t>
             </a:r>
-            <a:endParaRPr lang="en-US" dirty="0"/>
           </a:p>
         </p:txBody>
       </p:sp>
@@ -4238,7 +4565,7 @@
               <a:pPr/>
               <a:t>‹#›</a:t>
             </a:fld>
-            <a:endParaRPr lang="en-US" dirty="0"/>
+            <a:endParaRPr lang="en-US"/>
           </a:p>
         </p:txBody>
       </p:sp>
@@ -4315,7 +4642,7 @@
           </a:lstStyle>
           <a:p>
             <a:r>
-              <a:rPr lang="en-US" dirty="0"/>
+              <a:rPr lang="en-US"/>
               <a:t>CLICK TO ADD TITLE</a:t>
             </a:r>
           </a:p>
@@ -4392,7 +4719,7 @@
             <a:lstStyle/>
             <a:p>
               <a:pPr algn="ctr"/>
-              <a:endParaRPr lang="en-US" dirty="0"/>
+              <a:endParaRPr lang="en-US"/>
             </a:p>
           </p:txBody>
         </p:sp>
@@ -4444,7 +4771,7 @@
             <a:lstStyle/>
             <a:p>
               <a:pPr algn="ctr"/>
-              <a:endParaRPr lang="en-US" dirty="0"/>
+              <a:endParaRPr lang="en-US"/>
             </a:p>
           </p:txBody>
         </p:sp>
@@ -4496,7 +4823,7 @@
             <a:lstStyle/>
             <a:p>
               <a:pPr algn="ctr"/>
-              <a:endParaRPr lang="en-US" dirty="0"/>
+              <a:endParaRPr lang="en-US"/>
             </a:p>
           </p:txBody>
         </p:sp>
@@ -4548,7 +4875,7 @@
             <a:lstStyle/>
             <a:p>
               <a:pPr algn="ctr"/>
-              <a:endParaRPr lang="en-US" dirty="0"/>
+              <a:endParaRPr lang="en-US"/>
             </a:p>
           </p:txBody>
         </p:sp>
@@ -4660,7 +4987,7 @@
             <a:lstStyle/>
             <a:p>
               <a:pPr algn="ctr"/>
-              <a:endParaRPr lang="en-US" dirty="0"/>
+              <a:endParaRPr lang="en-US"/>
             </a:p>
           </p:txBody>
         </p:sp>
@@ -4838,35 +5165,35 @@
           <a:p>
             <a:pPr lvl="0"/>
             <a:r>
-              <a:rPr lang="en-US" dirty="0"/>
+              <a:rPr lang="en-US"/>
               <a:t>Click to add content</a:t>
             </a:r>
           </a:p>
           <a:p>
             <a:pPr lvl="1"/>
             <a:r>
-              <a:rPr lang="en-US" dirty="0"/>
+              <a:rPr lang="en-US"/>
               <a:t>Second level</a:t>
             </a:r>
           </a:p>
           <a:p>
             <a:pPr lvl="2"/>
             <a:r>
-              <a:rPr lang="en-US" dirty="0"/>
+              <a:rPr lang="en-US"/>
               <a:t>Third level</a:t>
             </a:r>
           </a:p>
           <a:p>
             <a:pPr lvl="3"/>
             <a:r>
-              <a:rPr lang="en-US" dirty="0"/>
+              <a:rPr lang="en-US"/>
               <a:t>Fourth level</a:t>
             </a:r>
           </a:p>
           <a:p>
             <a:pPr lvl="4"/>
             <a:r>
-              <a:rPr lang="en-US" dirty="0"/>
+              <a:rPr lang="en-US"/>
               <a:t>Fifth level</a:t>
             </a:r>
           </a:p>
@@ -4963,35 +5290,35 @@
           <a:p>
             <a:pPr lvl="0"/>
             <a:r>
-              <a:rPr lang="en-US" dirty="0"/>
+              <a:rPr lang="en-US"/>
               <a:t>Click to add text </a:t>
             </a:r>
           </a:p>
           <a:p>
             <a:pPr lvl="1"/>
             <a:r>
-              <a:rPr lang="en-US" dirty="0"/>
+              <a:rPr lang="en-US"/>
               <a:t>Second level</a:t>
             </a:r>
           </a:p>
           <a:p>
             <a:pPr lvl="2"/>
             <a:r>
-              <a:rPr lang="en-US" dirty="0"/>
+              <a:rPr lang="en-US"/>
               <a:t>Third level</a:t>
             </a:r>
           </a:p>
           <a:p>
             <a:pPr lvl="3"/>
             <a:r>
-              <a:rPr lang="en-US" dirty="0"/>
+              <a:rPr lang="en-US"/>
               <a:t>Fourth level</a:t>
             </a:r>
           </a:p>
           <a:p>
             <a:pPr lvl="4"/>
             <a:r>
-              <a:rPr lang="en-US" dirty="0"/>
+              <a:rPr lang="en-US"/>
               <a:t>Fifth level</a:t>
             </a:r>
           </a:p>
@@ -5035,7 +5362,6 @@
               <a:rPr lang="en-US"/>
               <a:t>12/11/2023</a:t>
             </a:r>
-            <a:endParaRPr lang="en-US" dirty="0"/>
           </a:p>
         </p:txBody>
       </p:sp>
@@ -5077,7 +5403,6 @@
               <a:rPr lang="en-US"/>
               <a:t>Presentation title</a:t>
             </a:r>
-            <a:endParaRPr lang="en-US" dirty="0"/>
           </a:p>
         </p:txBody>
       </p:sp>
@@ -5120,7 +5445,7 @@
               <a:pPr/>
               <a:t>‹#›</a:t>
             </a:fld>
-            <a:endParaRPr lang="en-US" dirty="0"/>
+            <a:endParaRPr lang="en-US"/>
           </a:p>
         </p:txBody>
       </p:sp>
@@ -5208,7 +5533,7 @@
           </a:lstStyle>
           <a:p>
             <a:r>
-              <a:rPr lang="en-US" dirty="0"/>
+              <a:rPr lang="en-US"/>
               <a:t>CLICK TO ADD TITLE</a:t>
             </a:r>
           </a:p>
@@ -5262,12 +5587,12 @@
               <a:defRPr/>
             </a:pPr>
             <a:r>
-              <a:rPr lang="en-US" dirty="0"/>
+              <a:rPr lang="en-US"/>
               <a:t>Click icon to insert table</a:t>
             </a:r>
           </a:p>
           <a:p>
-            <a:endParaRPr lang="en-US" dirty="0"/>
+            <a:endParaRPr lang="en-US"/>
           </a:p>
         </p:txBody>
       </p:sp>
@@ -5375,7 +5700,7 @@
           <a:lstStyle/>
           <a:p>
             <a:pPr algn="ctr"/>
-            <a:endParaRPr lang="en-US" dirty="0"/>
+            <a:endParaRPr lang="en-US"/>
           </a:p>
         </p:txBody>
       </p:sp>
@@ -5417,7 +5742,6 @@
               <a:rPr lang="en-US"/>
               <a:t>12/11/2023</a:t>
             </a:r>
-            <a:endParaRPr lang="en-US" dirty="0"/>
           </a:p>
         </p:txBody>
       </p:sp>
@@ -5459,7 +5783,6 @@
               <a:rPr lang="en-US"/>
               <a:t>Presentation title</a:t>
             </a:r>
-            <a:endParaRPr lang="en-US" dirty="0"/>
           </a:p>
         </p:txBody>
       </p:sp>
@@ -5502,7 +5825,7 @@
               <a:pPr/>
               <a:t>‹#›</a:t>
             </a:fld>
-            <a:endParaRPr lang="en-US" dirty="0"/>
+            <a:endParaRPr lang="en-US"/>
           </a:p>
         </p:txBody>
       </p:sp>
@@ -5615,7 +5938,7 @@
             <a:lstStyle/>
             <a:p>
               <a:pPr algn="ctr"/>
-              <a:endParaRPr lang="en-US" dirty="0"/>
+              <a:endParaRPr lang="en-US"/>
             </a:p>
           </p:txBody>
         </p:sp>
@@ -5720,7 +6043,7 @@
             <a:lstStyle/>
             <a:p>
               <a:pPr algn="ctr"/>
-              <a:endParaRPr lang="en-US" dirty="0"/>
+              <a:endParaRPr lang="en-US"/>
             </a:p>
           </p:txBody>
         </p:sp>
@@ -5772,7 +6095,7 @@
             <a:lstStyle/>
             <a:p>
               <a:pPr algn="ctr"/>
-              <a:endParaRPr lang="en-US" dirty="0"/>
+              <a:endParaRPr lang="en-US"/>
             </a:p>
           </p:txBody>
         </p:sp>
@@ -5824,7 +6147,7 @@
             <a:lstStyle/>
             <a:p>
               <a:pPr algn="ctr"/>
-              <a:endParaRPr lang="en-US" dirty="0"/>
+              <a:endParaRPr lang="en-US"/>
             </a:p>
           </p:txBody>
         </p:sp>
@@ -5929,7 +6252,7 @@
             <a:lstStyle/>
             <a:p>
               <a:pPr algn="ctr"/>
-              <a:endParaRPr lang="en-US" dirty="0"/>
+              <a:endParaRPr lang="en-US"/>
             </a:p>
           </p:txBody>
         </p:sp>
@@ -6142,7 +6465,7 @@
                             <a:p>
                               <a:pPr algn="ctr"/>
                               <a:r>
-                                <a:rPr lang="en-US" dirty="0"/>
+                                <a:rPr lang="en-US"/>
                                 <a:t> </a:t>
                               </a:r>
                             </a:p>
@@ -6197,7 +6520,7 @@
                             <a:p>
                               <a:pPr algn="ctr"/>
                               <a:r>
-                                <a:rPr lang="en-US" dirty="0"/>
+                                <a:rPr lang="en-US"/>
                                 <a:t> </a:t>
                               </a:r>
                             </a:p>
@@ -6253,7 +6576,7 @@
                           <a:p>
                             <a:pPr algn="ctr"/>
                             <a:r>
-                              <a:rPr lang="en-US" dirty="0"/>
+                              <a:rPr lang="en-US"/>
                               <a:t> </a:t>
                             </a:r>
                           </a:p>
@@ -6309,7 +6632,7 @@
                         <a:p>
                           <a:pPr algn="ctr"/>
                           <a:r>
-                            <a:rPr lang="en-US" dirty="0"/>
+                            <a:rPr lang="en-US"/>
                             <a:t> </a:t>
                           </a:r>
                         </a:p>
@@ -6365,7 +6688,7 @@
                       <a:p>
                         <a:pPr algn="ctr"/>
                         <a:r>
-                          <a:rPr lang="en-US" dirty="0"/>
+                          <a:rPr lang="en-US"/>
                           <a:t> </a:t>
                         </a:r>
                       </a:p>
@@ -6421,7 +6744,7 @@
                     <a:p>
                       <a:pPr algn="ctr"/>
                       <a:r>
-                        <a:rPr lang="en-US" dirty="0"/>
+                        <a:rPr lang="en-US"/>
                         <a:t> </a:t>
                       </a:r>
                     </a:p>
@@ -6477,7 +6800,7 @@
                   <a:p>
                     <a:pPr algn="ctr"/>
                     <a:r>
-                      <a:rPr lang="en-US" dirty="0"/>
+                      <a:rPr lang="en-US"/>
                       <a:t> </a:t>
                     </a:r>
                   </a:p>
@@ -6533,7 +6856,7 @@
                 <a:p>
                   <a:pPr algn="ctr"/>
                   <a:r>
-                    <a:rPr lang="en-US" dirty="0"/>
+                    <a:rPr lang="en-US"/>
                     <a:t> </a:t>
                   </a:r>
                 </a:p>
@@ -6588,7 +6911,7 @@
                 <a:p>
                   <a:pPr algn="ctr"/>
                   <a:r>
-                    <a:rPr lang="en-US" dirty="0"/>
+                    <a:rPr lang="en-US"/>
                     <a:t> </a:t>
                   </a:r>
                 </a:p>
@@ -6643,7 +6966,7 @@
                 <a:p>
                   <a:pPr algn="ctr"/>
                   <a:r>
-                    <a:rPr lang="en-US" dirty="0"/>
+                    <a:rPr lang="en-US"/>
                     <a:t> </a:t>
                   </a:r>
                 </a:p>
@@ -6698,7 +7021,7 @@
                 <a:p>
                   <a:pPr algn="ctr"/>
                   <a:r>
-                    <a:rPr lang="en-US" dirty="0"/>
+                    <a:rPr lang="en-US"/>
                     <a:t> </a:t>
                   </a:r>
                 </a:p>
@@ -6753,7 +7076,7 @@
                 <a:p>
                   <a:pPr algn="ctr"/>
                   <a:r>
-                    <a:rPr lang="en-US" dirty="0"/>
+                    <a:rPr lang="en-US"/>
                     <a:t> </a:t>
                   </a:r>
                 </a:p>
@@ -6809,7 +7132,7 @@
               <a:p>
                 <a:pPr algn="ctr"/>
                 <a:r>
-                  <a:rPr lang="en-US" dirty="0"/>
+                  <a:rPr lang="en-US"/>
                   <a:t> </a:t>
                 </a:r>
               </a:p>
@@ -6924,7 +7247,7 @@
             <a:lstStyle/>
             <a:p>
               <a:pPr algn="ctr"/>
-              <a:endParaRPr lang="en-US" dirty="0"/>
+              <a:endParaRPr lang="en-US"/>
             </a:p>
           </p:txBody>
         </p:sp>
@@ -7029,7 +7352,7 @@
             <a:lstStyle/>
             <a:p>
               <a:pPr algn="ctr"/>
-              <a:endParaRPr lang="en-US" dirty="0"/>
+              <a:endParaRPr lang="en-US"/>
             </a:p>
           </p:txBody>
         </p:sp>
@@ -7081,7 +7404,7 @@
             <a:lstStyle/>
             <a:p>
               <a:pPr algn="ctr"/>
-              <a:endParaRPr lang="en-US" dirty="0"/>
+              <a:endParaRPr lang="en-US"/>
             </a:p>
           </p:txBody>
         </p:sp>
@@ -7133,7 +7456,7 @@
             <a:lstStyle/>
             <a:p>
               <a:pPr algn="ctr"/>
-              <a:endParaRPr lang="en-US" dirty="0"/>
+              <a:endParaRPr lang="en-US"/>
             </a:p>
           </p:txBody>
         </p:sp>
@@ -7290,7 +7613,7 @@
           </a:lstStyle>
           <a:p>
             <a:r>
-              <a:rPr lang="en-US" dirty="0"/>
+              <a:rPr lang="en-US"/>
               <a:t>Click to add title</a:t>
             </a:r>
           </a:p>
@@ -7372,7 +7695,7 @@
           </a:lstStyle>
           <a:p>
             <a:r>
-              <a:rPr lang="en-US" dirty="0"/>
+              <a:rPr lang="en-US"/>
               <a:t>Click to add subtitle</a:t>
             </a:r>
           </a:p>
@@ -7482,7 +7805,7 @@
           </a:lstStyle>
           <a:p>
             <a:r>
-              <a:rPr lang="en-US" dirty="0"/>
+              <a:rPr lang="en-US"/>
               <a:t>CLICK TO ADD TITLE</a:t>
             </a:r>
           </a:p>
@@ -7557,35 +7880,35 @@
           <a:p>
             <a:pPr lvl="0"/>
             <a:r>
-              <a:rPr lang="en-US" dirty="0"/>
+              <a:rPr lang="en-US"/>
               <a:t>Click to add content</a:t>
             </a:r>
           </a:p>
           <a:p>
             <a:pPr lvl="1"/>
             <a:r>
-              <a:rPr lang="en-US" dirty="0"/>
+              <a:rPr lang="en-US"/>
               <a:t>Second level</a:t>
             </a:r>
           </a:p>
           <a:p>
             <a:pPr lvl="2"/>
             <a:r>
-              <a:rPr lang="en-US" dirty="0"/>
+              <a:rPr lang="en-US"/>
               <a:t>Third level</a:t>
             </a:r>
           </a:p>
           <a:p>
             <a:pPr lvl="3"/>
             <a:r>
-              <a:rPr lang="en-US" dirty="0"/>
+              <a:rPr lang="en-US"/>
               <a:t>Fourth level</a:t>
             </a:r>
           </a:p>
           <a:p>
             <a:pPr lvl="4"/>
             <a:r>
-              <a:rPr lang="en-US" dirty="0"/>
+              <a:rPr lang="en-US"/>
               <a:t>Fifth level</a:t>
             </a:r>
           </a:p>
@@ -7662,7 +7985,7 @@
             <a:lstStyle/>
             <a:p>
               <a:pPr algn="ctr"/>
-              <a:endParaRPr lang="en-US" dirty="0"/>
+              <a:endParaRPr lang="en-US"/>
             </a:p>
           </p:txBody>
         </p:sp>
@@ -7767,7 +8090,7 @@
             <a:lstStyle/>
             <a:p>
               <a:pPr algn="ctr"/>
-              <a:endParaRPr lang="en-US" dirty="0"/>
+              <a:endParaRPr lang="en-US"/>
             </a:p>
           </p:txBody>
         </p:sp>
@@ -7819,7 +8142,7 @@
             <a:lstStyle/>
             <a:p>
               <a:pPr algn="ctr"/>
-              <a:endParaRPr lang="en-US" dirty="0"/>
+              <a:endParaRPr lang="en-US"/>
             </a:p>
           </p:txBody>
         </p:sp>
@@ -7943,7 +8266,7 @@
             <a:lstStyle/>
             <a:p>
               <a:pPr algn="ctr"/>
-              <a:endParaRPr lang="en-US" dirty="0"/>
+              <a:endParaRPr lang="en-US"/>
             </a:p>
           </p:txBody>
         </p:sp>
@@ -7995,7 +8318,7 @@
             <a:lstStyle/>
             <a:p>
               <a:pPr algn="ctr"/>
-              <a:endParaRPr lang="en-US" dirty="0"/>
+              <a:endParaRPr lang="en-US"/>
             </a:p>
           </p:txBody>
         </p:sp>
@@ -8244,7 +8567,7 @@
                             <a:p>
                               <a:pPr algn="ctr"/>
                               <a:r>
-                                <a:rPr lang="en-US" dirty="0"/>
+                                <a:rPr lang="en-US"/>
                                 <a:t> </a:t>
                               </a:r>
                             </a:p>
@@ -8299,7 +8622,7 @@
                             <a:p>
                               <a:pPr algn="ctr"/>
                               <a:r>
-                                <a:rPr lang="en-US" dirty="0"/>
+                                <a:rPr lang="en-US"/>
                                 <a:t> </a:t>
                               </a:r>
                             </a:p>
@@ -8355,7 +8678,7 @@
                           <a:p>
                             <a:pPr algn="ctr"/>
                             <a:r>
-                              <a:rPr lang="en-US" dirty="0"/>
+                              <a:rPr lang="en-US"/>
                               <a:t> </a:t>
                             </a:r>
                           </a:p>
@@ -8411,7 +8734,7 @@
                         <a:p>
                           <a:pPr algn="ctr"/>
                           <a:r>
-                            <a:rPr lang="en-US" dirty="0"/>
+                            <a:rPr lang="en-US"/>
                             <a:t> </a:t>
                           </a:r>
                         </a:p>
@@ -8467,7 +8790,7 @@
                       <a:p>
                         <a:pPr algn="ctr"/>
                         <a:r>
-                          <a:rPr lang="en-US" dirty="0"/>
+                          <a:rPr lang="en-US"/>
                           <a:t> </a:t>
                         </a:r>
                       </a:p>
@@ -8523,7 +8846,7 @@
                     <a:p>
                       <a:pPr algn="ctr"/>
                       <a:r>
-                        <a:rPr lang="en-US" dirty="0"/>
+                        <a:rPr lang="en-US"/>
                         <a:t> </a:t>
                       </a:r>
                     </a:p>
@@ -8579,7 +8902,7 @@
                   <a:p>
                     <a:pPr algn="ctr"/>
                     <a:r>
-                      <a:rPr lang="en-US" dirty="0"/>
+                      <a:rPr lang="en-US"/>
                       <a:t> </a:t>
                     </a:r>
                   </a:p>
@@ -8635,7 +8958,7 @@
                 <a:p>
                   <a:pPr algn="ctr"/>
                   <a:r>
-                    <a:rPr lang="en-US" dirty="0"/>
+                    <a:rPr lang="en-US"/>
                     <a:t> </a:t>
                   </a:r>
                 </a:p>
@@ -8690,7 +9013,7 @@
                 <a:p>
                   <a:pPr algn="ctr"/>
                   <a:r>
-                    <a:rPr lang="en-US" dirty="0"/>
+                    <a:rPr lang="en-US"/>
                     <a:t> </a:t>
                   </a:r>
                 </a:p>
@@ -8745,7 +9068,7 @@
                 <a:p>
                   <a:pPr algn="ctr"/>
                   <a:r>
-                    <a:rPr lang="en-US" dirty="0"/>
+                    <a:rPr lang="en-US"/>
                     <a:t> </a:t>
                   </a:r>
                 </a:p>
@@ -8800,7 +9123,7 @@
                 <a:p>
                   <a:pPr algn="ctr"/>
                   <a:r>
-                    <a:rPr lang="en-US" dirty="0"/>
+                    <a:rPr lang="en-US"/>
                     <a:t> </a:t>
                   </a:r>
                 </a:p>
@@ -8855,7 +9178,7 @@
                 <a:p>
                   <a:pPr algn="ctr"/>
                   <a:r>
-                    <a:rPr lang="en-US" dirty="0"/>
+                    <a:rPr lang="en-US"/>
                     <a:t> </a:t>
                   </a:r>
                 </a:p>
@@ -8911,7 +9234,7 @@
               <a:p>
                 <a:pPr algn="ctr"/>
                 <a:r>
-                  <a:rPr lang="en-US" dirty="0"/>
+                  <a:rPr lang="en-US"/>
                   <a:t> </a:t>
                 </a:r>
               </a:p>
@@ -8963,7 +9286,7 @@
             <a:lstStyle/>
             <a:p>
               <a:pPr algn="ctr"/>
-              <a:endParaRPr lang="en-US" dirty="0"/>
+              <a:endParaRPr lang="en-US"/>
             </a:p>
           </p:txBody>
         </p:sp>
@@ -9075,7 +9398,7 @@
             <a:lstStyle/>
             <a:p>
               <a:pPr algn="ctr"/>
-              <a:endParaRPr lang="en-US" dirty="0"/>
+              <a:endParaRPr lang="en-US"/>
             </a:p>
           </p:txBody>
         </p:sp>
@@ -9170,7 +9493,7 @@
             <a:lstStyle/>
             <a:p>
               <a:pPr algn="ctr"/>
-              <a:endParaRPr lang="en-US" dirty="0"/>
+              <a:endParaRPr lang="en-US"/>
             </a:p>
           </p:txBody>
         </p:sp>
@@ -9213,7 +9536,6 @@
               <a:rPr lang="en-US"/>
               <a:t>Presentation title</a:t>
             </a:r>
-            <a:endParaRPr lang="en-US" dirty="0"/>
           </a:p>
         </p:txBody>
       </p:sp>
@@ -9256,7 +9578,7 @@
               <a:pPr/>
               <a:t>‹#›</a:t>
             </a:fld>
-            <a:endParaRPr lang="en-US" dirty="0"/>
+            <a:endParaRPr lang="en-US"/>
           </a:p>
         </p:txBody>
       </p:sp>
@@ -9298,7 +9620,6 @@
               <a:rPr lang="en-US"/>
               <a:t>12/11/2023</a:t>
             </a:r>
-            <a:endParaRPr lang="en-US" dirty="0"/>
           </a:p>
         </p:txBody>
       </p:sp>
@@ -9398,7 +9719,7 @@
           </a:lstStyle>
           <a:p>
             <a:r>
-              <a:rPr lang="en-US" dirty="0"/>
+              <a:rPr lang="en-US"/>
               <a:t>Click to add title</a:t>
             </a:r>
           </a:p>
@@ -9511,7 +9832,7 @@
           </a:lstStyle>
           <a:p>
             <a:r>
-              <a:rPr lang="en-US" dirty="0"/>
+              <a:rPr lang="en-US"/>
               <a:t>Click icon to insert picture</a:t>
             </a:r>
           </a:p>
@@ -9590,7 +9911,7 @@
             <a:lstStyle/>
             <a:p>
               <a:pPr algn="ctr"/>
-              <a:endParaRPr lang="en-US" dirty="0"/>
+              <a:endParaRPr lang="en-US"/>
             </a:p>
           </p:txBody>
         </p:sp>
@@ -9695,7 +10016,7 @@
             <a:lstStyle/>
             <a:p>
               <a:pPr algn="ctr"/>
-              <a:endParaRPr lang="en-US" dirty="0"/>
+              <a:endParaRPr lang="en-US"/>
             </a:p>
           </p:txBody>
         </p:sp>
@@ -9747,7 +10068,7 @@
             <a:lstStyle/>
             <a:p>
               <a:pPr algn="ctr"/>
-              <a:endParaRPr lang="en-US" dirty="0"/>
+              <a:endParaRPr lang="en-US"/>
             </a:p>
           </p:txBody>
         </p:sp>
@@ -9835,7 +10156,7 @@
             <a:lstStyle/>
             <a:p>
               <a:pPr algn="ctr"/>
-              <a:endParaRPr lang="en-US" dirty="0"/>
+              <a:endParaRPr lang="en-US"/>
             </a:p>
           </p:txBody>
         </p:sp>
@@ -9982,7 +10303,7 @@
           </a:lstStyle>
           <a:p>
             <a:r>
-              <a:rPr lang="en-US" dirty="0"/>
+              <a:rPr lang="en-US"/>
               <a:t>Click to add title</a:t>
             </a:r>
           </a:p>
@@ -10064,7 +10385,7 @@
           </a:lstStyle>
           <a:p>
             <a:r>
-              <a:rPr lang="en-US" dirty="0"/>
+              <a:rPr lang="en-US"/>
               <a:t>Click to add subtitle</a:t>
             </a:r>
           </a:p>
@@ -10141,7 +10462,7 @@
             <a:lstStyle/>
             <a:p>
               <a:pPr algn="ctr"/>
-              <a:endParaRPr lang="en-US" dirty="0"/>
+              <a:endParaRPr lang="en-US"/>
             </a:p>
           </p:txBody>
         </p:sp>
@@ -10246,7 +10567,7 @@
             <a:lstStyle/>
             <a:p>
               <a:pPr algn="ctr"/>
-              <a:endParaRPr lang="en-US" dirty="0"/>
+              <a:endParaRPr lang="en-US"/>
             </a:p>
           </p:txBody>
         </p:sp>
@@ -10298,7 +10619,7 @@
             <a:lstStyle/>
             <a:p>
               <a:pPr algn="ctr"/>
-              <a:endParaRPr lang="en-US" dirty="0"/>
+              <a:endParaRPr lang="en-US"/>
             </a:p>
           </p:txBody>
         </p:sp>
@@ -10547,7 +10868,7 @@
                             <a:p>
                               <a:pPr algn="ctr"/>
                               <a:r>
-                                <a:rPr lang="en-US" dirty="0"/>
+                                <a:rPr lang="en-US"/>
                                 <a:t> </a:t>
                               </a:r>
                             </a:p>
@@ -10602,7 +10923,7 @@
                             <a:p>
                               <a:pPr algn="ctr"/>
                               <a:r>
-                                <a:rPr lang="en-US" dirty="0"/>
+                                <a:rPr lang="en-US"/>
                                 <a:t> </a:t>
                               </a:r>
                             </a:p>
@@ -10658,7 +10979,7 @@
                           <a:p>
                             <a:pPr algn="ctr"/>
                             <a:r>
-                              <a:rPr lang="en-US" dirty="0"/>
+                              <a:rPr lang="en-US"/>
                               <a:t> </a:t>
                             </a:r>
                           </a:p>
@@ -10714,7 +11035,7 @@
                         <a:p>
                           <a:pPr algn="ctr"/>
                           <a:r>
-                            <a:rPr lang="en-US" dirty="0"/>
+                            <a:rPr lang="en-US"/>
                             <a:t> </a:t>
                           </a:r>
                         </a:p>
@@ -10770,7 +11091,7 @@
                       <a:p>
                         <a:pPr algn="ctr"/>
                         <a:r>
-                          <a:rPr lang="en-US" dirty="0"/>
+                          <a:rPr lang="en-US"/>
                           <a:t> </a:t>
                         </a:r>
                       </a:p>
@@ -10826,7 +11147,7 @@
                     <a:p>
                       <a:pPr algn="ctr"/>
                       <a:r>
-                        <a:rPr lang="en-US" dirty="0"/>
+                        <a:rPr lang="en-US"/>
                         <a:t> </a:t>
                       </a:r>
                     </a:p>
@@ -10882,7 +11203,7 @@
                   <a:p>
                     <a:pPr algn="ctr"/>
                     <a:r>
-                      <a:rPr lang="en-US" dirty="0"/>
+                      <a:rPr lang="en-US"/>
                       <a:t> </a:t>
                     </a:r>
                   </a:p>
@@ -10938,7 +11259,7 @@
                 <a:p>
                   <a:pPr algn="ctr"/>
                   <a:r>
-                    <a:rPr lang="en-US" dirty="0"/>
+                    <a:rPr lang="en-US"/>
                     <a:t> </a:t>
                   </a:r>
                 </a:p>
@@ -10993,7 +11314,7 @@
                 <a:p>
                   <a:pPr algn="ctr"/>
                   <a:r>
-                    <a:rPr lang="en-US" dirty="0"/>
+                    <a:rPr lang="en-US"/>
                     <a:t> </a:t>
                   </a:r>
                 </a:p>
@@ -11048,7 +11369,7 @@
                 <a:p>
                   <a:pPr algn="ctr"/>
                   <a:r>
-                    <a:rPr lang="en-US" dirty="0"/>
+                    <a:rPr lang="en-US"/>
                     <a:t> </a:t>
                   </a:r>
                 </a:p>
@@ -11103,7 +11424,7 @@
                 <a:p>
                   <a:pPr algn="ctr"/>
                   <a:r>
-                    <a:rPr lang="en-US" dirty="0"/>
+                    <a:rPr lang="en-US"/>
                     <a:t> </a:t>
                   </a:r>
                 </a:p>
@@ -11158,7 +11479,7 @@
                 <a:p>
                   <a:pPr algn="ctr"/>
                   <a:r>
-                    <a:rPr lang="en-US" dirty="0"/>
+                    <a:rPr lang="en-US"/>
                     <a:t> </a:t>
                   </a:r>
                 </a:p>
@@ -11214,7 +11535,7 @@
               <a:p>
                 <a:pPr algn="ctr"/>
                 <a:r>
-                  <a:rPr lang="en-US" dirty="0"/>
+                  <a:rPr lang="en-US"/>
                   <a:t> </a:t>
                 </a:r>
               </a:p>
@@ -11266,7 +11587,7 @@
             <a:lstStyle/>
             <a:p>
               <a:pPr algn="ctr"/>
-              <a:endParaRPr lang="en-US" dirty="0"/>
+              <a:endParaRPr lang="en-US"/>
             </a:p>
           </p:txBody>
         </p:sp>
@@ -11378,7 +11699,7 @@
             <a:lstStyle/>
             <a:p>
               <a:pPr algn="ctr"/>
-              <a:endParaRPr lang="en-US" dirty="0"/>
+              <a:endParaRPr lang="en-US"/>
             </a:p>
           </p:txBody>
         </p:sp>
@@ -11491,7 +11812,7 @@
           </a:lstStyle>
           <a:p>
             <a:r>
-              <a:rPr lang="en-US" dirty="0"/>
+              <a:rPr lang="en-US"/>
               <a:t>Click icon to insert picture</a:t>
             </a:r>
           </a:p>
@@ -11601,7 +11922,7 @@
           </a:lstStyle>
           <a:p>
             <a:r>
-              <a:rPr lang="en-US" dirty="0"/>
+              <a:rPr lang="en-US"/>
               <a:t>CLICK TO ADD TITLE</a:t>
             </a:r>
           </a:p>
@@ -11678,7 +11999,7 @@
             <a:lstStyle/>
             <a:p>
               <a:pPr algn="ctr"/>
-              <a:endParaRPr lang="en-US" dirty="0"/>
+              <a:endParaRPr lang="en-US"/>
             </a:p>
           </p:txBody>
         </p:sp>
@@ -11783,7 +12104,7 @@
             <a:lstStyle/>
             <a:p>
               <a:pPr algn="ctr"/>
-              <a:endParaRPr lang="en-US" dirty="0"/>
+              <a:endParaRPr lang="en-US"/>
             </a:p>
           </p:txBody>
         </p:sp>
@@ -11835,7 +12156,7 @@
             <a:lstStyle/>
             <a:p>
               <a:pPr algn="ctr"/>
-              <a:endParaRPr lang="en-US" dirty="0"/>
+              <a:endParaRPr lang="en-US"/>
             </a:p>
           </p:txBody>
         </p:sp>
@@ -11923,7 +12244,7 @@
             <a:lstStyle/>
             <a:p>
               <a:pPr algn="ctr"/>
-              <a:endParaRPr lang="en-US" dirty="0"/>
+              <a:endParaRPr lang="en-US"/>
             </a:p>
           </p:txBody>
         </p:sp>
@@ -11975,7 +12296,7 @@
             <a:lstStyle/>
             <a:p>
               <a:pPr algn="ctr"/>
-              <a:endParaRPr lang="en-US" dirty="0"/>
+              <a:endParaRPr lang="en-US"/>
             </a:p>
           </p:txBody>
         </p:sp>
@@ -12027,7 +12348,7 @@
             <a:lstStyle/>
             <a:p>
               <a:pPr algn="ctr"/>
-              <a:endParaRPr lang="en-US" dirty="0"/>
+              <a:endParaRPr lang="en-US"/>
             </a:p>
           </p:txBody>
         </p:sp>
@@ -12151,7 +12472,7 @@
             <a:lstStyle/>
             <a:p>
               <a:pPr algn="ctr"/>
-              <a:endParaRPr lang="en-US" dirty="0"/>
+              <a:endParaRPr lang="en-US"/>
             </a:p>
           </p:txBody>
         </p:sp>
@@ -12400,7 +12721,7 @@
                             <a:p>
                               <a:pPr algn="ctr"/>
                               <a:r>
-                                <a:rPr lang="en-US" dirty="0"/>
+                                <a:rPr lang="en-US"/>
                                 <a:t> </a:t>
                               </a:r>
                             </a:p>
@@ -12455,7 +12776,7 @@
                             <a:p>
                               <a:pPr algn="ctr"/>
                               <a:r>
-                                <a:rPr lang="en-US" dirty="0"/>
+                                <a:rPr lang="en-US"/>
                                 <a:t> </a:t>
                               </a:r>
                             </a:p>
@@ -12511,7 +12832,7 @@
                           <a:p>
                             <a:pPr algn="ctr"/>
                             <a:r>
-                              <a:rPr lang="en-US" dirty="0"/>
+                              <a:rPr lang="en-US"/>
                               <a:t> </a:t>
                             </a:r>
                           </a:p>
@@ -12567,7 +12888,7 @@
                         <a:p>
                           <a:pPr algn="ctr"/>
                           <a:r>
-                            <a:rPr lang="en-US" dirty="0"/>
+                            <a:rPr lang="en-US"/>
                             <a:t> </a:t>
                           </a:r>
                         </a:p>
@@ -12623,7 +12944,7 @@
                       <a:p>
                         <a:pPr algn="ctr"/>
                         <a:r>
-                          <a:rPr lang="en-US" dirty="0"/>
+                          <a:rPr lang="en-US"/>
                           <a:t> </a:t>
                         </a:r>
                       </a:p>
@@ -12679,7 +13000,7 @@
                     <a:p>
                       <a:pPr algn="ctr"/>
                       <a:r>
-                        <a:rPr lang="en-US" dirty="0"/>
+                        <a:rPr lang="en-US"/>
                         <a:t> </a:t>
                       </a:r>
                     </a:p>
@@ -12735,7 +13056,7 @@
                   <a:p>
                     <a:pPr algn="ctr"/>
                     <a:r>
-                      <a:rPr lang="en-US" dirty="0"/>
+                      <a:rPr lang="en-US"/>
                       <a:t> </a:t>
                     </a:r>
                   </a:p>
@@ -12791,7 +13112,7 @@
                 <a:p>
                   <a:pPr algn="ctr"/>
                   <a:r>
-                    <a:rPr lang="en-US" dirty="0"/>
+                    <a:rPr lang="en-US"/>
                     <a:t> </a:t>
                   </a:r>
                 </a:p>
@@ -12846,7 +13167,7 @@
                 <a:p>
                   <a:pPr algn="ctr"/>
                   <a:r>
-                    <a:rPr lang="en-US" dirty="0"/>
+                    <a:rPr lang="en-US"/>
                     <a:t> </a:t>
                   </a:r>
                 </a:p>
@@ -12901,7 +13222,7 @@
                 <a:p>
                   <a:pPr algn="ctr"/>
                   <a:r>
-                    <a:rPr lang="en-US" dirty="0"/>
+                    <a:rPr lang="en-US"/>
                     <a:t> </a:t>
                   </a:r>
                 </a:p>
@@ -12956,7 +13277,7 @@
                 <a:p>
                   <a:pPr algn="ctr"/>
                   <a:r>
-                    <a:rPr lang="en-US" dirty="0"/>
+                    <a:rPr lang="en-US"/>
                     <a:t> </a:t>
                   </a:r>
                 </a:p>
@@ -13011,7 +13332,7 @@
                 <a:p>
                   <a:pPr algn="ctr"/>
                   <a:r>
-                    <a:rPr lang="en-US" dirty="0"/>
+                    <a:rPr lang="en-US"/>
                     <a:t> </a:t>
                   </a:r>
                 </a:p>
@@ -13067,7 +13388,7 @@
               <a:p>
                 <a:pPr algn="ctr"/>
                 <a:r>
-                  <a:rPr lang="en-US" dirty="0"/>
+                  <a:rPr lang="en-US"/>
                   <a:t> </a:t>
                 </a:r>
               </a:p>
@@ -13122,7 +13443,7 @@
             <a:lstStyle/>
             <a:p>
               <a:pPr algn="ctr"/>
-              <a:endParaRPr lang="en-US" dirty="0"/>
+              <a:endParaRPr lang="en-US"/>
             </a:p>
           </p:txBody>
         </p:sp>
@@ -13234,7 +13555,7 @@
             <a:lstStyle/>
             <a:p>
               <a:pPr algn="ctr"/>
-              <a:endParaRPr lang="en-US" dirty="0"/>
+              <a:endParaRPr lang="en-US"/>
             </a:p>
           </p:txBody>
         </p:sp>
@@ -13329,7 +13650,7 @@
             <a:lstStyle/>
             <a:p>
               <a:pPr algn="ctr"/>
-              <a:endParaRPr lang="en-US" dirty="0"/>
+              <a:endParaRPr lang="en-US"/>
             </a:p>
           </p:txBody>
         </p:sp>
@@ -13372,7 +13693,6 @@
               <a:rPr lang="en-US"/>
               <a:t>12/11/2023</a:t>
             </a:r>
-            <a:endParaRPr lang="en-US" dirty="0"/>
           </a:p>
         </p:txBody>
       </p:sp>
@@ -13414,7 +13734,6 @@
               <a:rPr lang="en-US"/>
               <a:t>Presentation title</a:t>
             </a:r>
-            <a:endParaRPr lang="en-US" dirty="0"/>
           </a:p>
         </p:txBody>
       </p:sp>
@@ -13457,7 +13776,7 @@
               <a:pPr/>
               <a:t>‹#›</a:t>
             </a:fld>
-            <a:endParaRPr lang="en-US" dirty="0"/>
+            <a:endParaRPr lang="en-US"/>
           </a:p>
         </p:txBody>
       </p:sp>
@@ -13544,35 +13863,35 @@
           <a:p>
             <a:pPr lvl="0"/>
             <a:r>
-              <a:rPr lang="en-US" dirty="0"/>
+              <a:rPr lang="en-US"/>
               <a:t>Click to add content</a:t>
             </a:r>
           </a:p>
           <a:p>
             <a:pPr lvl="1"/>
             <a:r>
-              <a:rPr lang="en-US" dirty="0"/>
+              <a:rPr lang="en-US"/>
               <a:t>Second level</a:t>
             </a:r>
           </a:p>
           <a:p>
             <a:pPr lvl="2"/>
             <a:r>
-              <a:rPr lang="en-US" dirty="0"/>
+              <a:rPr lang="en-US"/>
               <a:t>Third level</a:t>
             </a:r>
           </a:p>
           <a:p>
             <a:pPr lvl="3"/>
             <a:r>
-              <a:rPr lang="en-US" dirty="0"/>
+              <a:rPr lang="en-US"/>
               <a:t>Fourth level</a:t>
             </a:r>
           </a:p>
           <a:p>
             <a:pPr lvl="4"/>
             <a:r>
-              <a:rPr lang="en-US" dirty="0"/>
+              <a:rPr lang="en-US"/>
               <a:t>Fifth level</a:t>
             </a:r>
           </a:p>
@@ -13713,7 +14032,7 @@
             <a:lstStyle/>
             <a:p>
               <a:pPr algn="ctr"/>
-              <a:endParaRPr lang="en-US" dirty="0"/>
+              <a:endParaRPr lang="en-US"/>
             </a:p>
           </p:txBody>
         </p:sp>
@@ -13801,7 +14120,7 @@
             <a:lstStyle/>
             <a:p>
               <a:pPr algn="ctr"/>
-              <a:endParaRPr lang="en-US" dirty="0"/>
+              <a:endParaRPr lang="en-US"/>
             </a:p>
           </p:txBody>
         </p:sp>
@@ -13853,7 +14172,7 @@
             <a:lstStyle/>
             <a:p>
               <a:pPr algn="ctr"/>
-              <a:endParaRPr lang="en-US" dirty="0"/>
+              <a:endParaRPr lang="en-US"/>
             </a:p>
           </p:txBody>
         </p:sp>
@@ -13958,7 +14277,7 @@
             <a:lstStyle/>
             <a:p>
               <a:pPr algn="ctr"/>
-              <a:endParaRPr lang="en-US" dirty="0"/>
+              <a:endParaRPr lang="en-US"/>
             </a:p>
           </p:txBody>
         </p:sp>
@@ -14135,7 +14454,7 @@
             <a:lstStyle/>
             <a:p>
               <a:pPr algn="ctr"/>
-              <a:endParaRPr lang="en-US" dirty="0"/>
+              <a:endParaRPr lang="en-US"/>
             </a:p>
           </p:txBody>
         </p:sp>
@@ -14420,7 +14739,7 @@
                             <a:p>
                               <a:pPr algn="ctr"/>
                               <a:r>
-                                <a:rPr lang="en-US" dirty="0"/>
+                                <a:rPr lang="en-US"/>
                                 <a:t> </a:t>
                               </a:r>
                             </a:p>
@@ -14475,7 +14794,7 @@
                             <a:p>
                               <a:pPr algn="ctr"/>
                               <a:r>
-                                <a:rPr lang="en-US" dirty="0"/>
+                                <a:rPr lang="en-US"/>
                                 <a:t> </a:t>
                               </a:r>
                             </a:p>
@@ -14531,7 +14850,7 @@
                           <a:p>
                             <a:pPr algn="ctr"/>
                             <a:r>
-                              <a:rPr lang="en-US" dirty="0"/>
+                              <a:rPr lang="en-US"/>
                               <a:t> </a:t>
                             </a:r>
                           </a:p>
@@ -14587,7 +14906,7 @@
                         <a:p>
                           <a:pPr algn="ctr"/>
                           <a:r>
-                            <a:rPr lang="en-US" dirty="0"/>
+                            <a:rPr lang="en-US"/>
                             <a:t> </a:t>
                           </a:r>
                         </a:p>
@@ -14643,7 +14962,7 @@
                       <a:p>
                         <a:pPr algn="ctr"/>
                         <a:r>
-                          <a:rPr lang="en-US" dirty="0"/>
+                          <a:rPr lang="en-US"/>
                           <a:t> </a:t>
                         </a:r>
                       </a:p>
@@ -14699,7 +15018,7 @@
                     <a:p>
                       <a:pPr algn="ctr"/>
                       <a:r>
-                        <a:rPr lang="en-US" dirty="0"/>
+                        <a:rPr lang="en-US"/>
                         <a:t> </a:t>
                       </a:r>
                     </a:p>
@@ -14755,7 +15074,7 @@
                   <a:p>
                     <a:pPr algn="ctr"/>
                     <a:r>
-                      <a:rPr lang="en-US" dirty="0"/>
+                      <a:rPr lang="en-US"/>
                       <a:t> </a:t>
                     </a:r>
                   </a:p>
@@ -14811,7 +15130,7 @@
                 <a:p>
                   <a:pPr algn="ctr"/>
                   <a:r>
-                    <a:rPr lang="en-US" dirty="0"/>
+                    <a:rPr lang="en-US"/>
                     <a:t> </a:t>
                   </a:r>
                 </a:p>
@@ -14866,7 +15185,7 @@
                 <a:p>
                   <a:pPr algn="ctr"/>
                   <a:r>
-                    <a:rPr lang="en-US" dirty="0"/>
+                    <a:rPr lang="en-US"/>
                     <a:t> </a:t>
                   </a:r>
                 </a:p>
@@ -14921,7 +15240,7 @@
                 <a:p>
                   <a:pPr algn="ctr"/>
                   <a:r>
-                    <a:rPr lang="en-US" dirty="0"/>
+                    <a:rPr lang="en-US"/>
                     <a:t> </a:t>
                   </a:r>
                 </a:p>
@@ -14976,7 +15295,7 @@
                 <a:p>
                   <a:pPr algn="ctr"/>
                   <a:r>
-                    <a:rPr lang="en-US" dirty="0"/>
+                    <a:rPr lang="en-US"/>
                     <a:t> </a:t>
                   </a:r>
                 </a:p>
@@ -15031,7 +15350,7 @@
                 <a:p>
                   <a:pPr algn="ctr"/>
                   <a:r>
-                    <a:rPr lang="en-US" dirty="0"/>
+                    <a:rPr lang="en-US"/>
                     <a:t> </a:t>
                   </a:r>
                 </a:p>
@@ -15087,7 +15406,7 @@
               <a:p>
                 <a:pPr algn="ctr"/>
                 <a:r>
-                  <a:rPr lang="en-US" dirty="0"/>
+                  <a:rPr lang="en-US"/>
                   <a:t> </a:t>
                 </a:r>
               </a:p>
@@ -15199,7 +15518,7 @@
             <a:lstStyle/>
             <a:p>
               <a:pPr algn="ctr"/>
-              <a:endParaRPr lang="en-US" dirty="0"/>
+              <a:endParaRPr lang="en-US"/>
             </a:p>
           </p:txBody>
         </p:sp>
@@ -15251,7 +15570,7 @@
             <a:lstStyle/>
             <a:p>
               <a:pPr algn="ctr"/>
-              <a:endParaRPr lang="en-US" dirty="0"/>
+              <a:endParaRPr lang="en-US"/>
             </a:p>
           </p:txBody>
         </p:sp>
@@ -15303,7 +15622,7 @@
             <a:lstStyle/>
             <a:p>
               <a:pPr algn="ctr"/>
-              <a:endParaRPr lang="en-US" dirty="0"/>
+              <a:endParaRPr lang="en-US"/>
             </a:p>
           </p:txBody>
         </p:sp>
@@ -15388,7 +15707,7 @@
           </a:lstStyle>
           <a:p>
             <a:r>
-              <a:rPr lang="en-US" dirty="0"/>
+              <a:rPr lang="en-US"/>
               <a:t>Click to ADD TITLE</a:t>
             </a:r>
           </a:p>
@@ -15470,7 +15789,7 @@
           </a:lstStyle>
           <a:p>
             <a:r>
-              <a:rPr lang="en-US" dirty="0"/>
+              <a:rPr lang="en-US"/>
               <a:t>Click to add subtitle</a:t>
             </a:r>
           </a:p>
@@ -15514,7 +15833,6 @@
               <a:rPr lang="en-US"/>
               <a:t>12/11/2023</a:t>
             </a:r>
-            <a:endParaRPr lang="en-US" dirty="0"/>
           </a:p>
         </p:txBody>
       </p:sp>
@@ -15556,7 +15874,6 @@
               <a:rPr lang="en-US"/>
               <a:t>Presentation title</a:t>
             </a:r>
-            <a:endParaRPr lang="en-US" dirty="0"/>
           </a:p>
         </p:txBody>
       </p:sp>
@@ -15599,7 +15916,7 @@
               <a:pPr/>
               <a:t>‹#›</a:t>
             </a:fld>
-            <a:endParaRPr lang="en-US" dirty="0"/>
+            <a:endParaRPr lang="en-US"/>
           </a:p>
         </p:txBody>
       </p:sp>
@@ -15702,7 +16019,7 @@
           </a:lstStyle>
           <a:p>
             <a:r>
-              <a:rPr lang="en-US" dirty="0"/>
+              <a:rPr lang="en-US"/>
               <a:t>CLICK TO ADD TITLE</a:t>
             </a:r>
           </a:p>
@@ -15779,7 +16096,7 @@
             <a:lstStyle/>
             <a:p>
               <a:pPr algn="ctr"/>
-              <a:endParaRPr lang="en-US" dirty="0"/>
+              <a:endParaRPr lang="en-US"/>
             </a:p>
           </p:txBody>
         </p:sp>
@@ -15831,7 +16148,7 @@
             <a:lstStyle/>
             <a:p>
               <a:pPr algn="ctr"/>
-              <a:endParaRPr lang="en-US" dirty="0"/>
+              <a:endParaRPr lang="en-US"/>
             </a:p>
           </p:txBody>
         </p:sp>
@@ -15883,7 +16200,7 @@
             <a:lstStyle/>
             <a:p>
               <a:pPr algn="ctr"/>
-              <a:endParaRPr lang="en-US" dirty="0"/>
+              <a:endParaRPr lang="en-US"/>
             </a:p>
           </p:txBody>
         </p:sp>
@@ -15971,7 +16288,7 @@
             <a:lstStyle/>
             <a:p>
               <a:pPr algn="ctr"/>
-              <a:endParaRPr lang="en-US" dirty="0"/>
+              <a:endParaRPr lang="en-US"/>
             </a:p>
           </p:txBody>
         </p:sp>
@@ -16116,7 +16433,7 @@
             <a:lstStyle/>
             <a:p>
               <a:pPr algn="ctr"/>
-              <a:endParaRPr lang="en-US" dirty="0"/>
+              <a:endParaRPr lang="en-US"/>
             </a:p>
           </p:txBody>
         </p:sp>
@@ -16198,7 +16515,6 @@
               <a:rPr lang="en-US"/>
               <a:t>12/11/2023</a:t>
             </a:r>
-            <a:endParaRPr lang="en-US" dirty="0"/>
           </a:p>
         </p:txBody>
       </p:sp>
@@ -16243,7 +16559,6 @@
               <a:rPr lang="en-US"/>
               <a:t>Presentation title</a:t>
             </a:r>
-            <a:endParaRPr lang="en-US" dirty="0"/>
           </a:p>
         </p:txBody>
       </p:sp>
@@ -16286,7 +16601,7 @@
               <a:pPr/>
               <a:t>‹#›</a:t>
             </a:fld>
-            <a:endParaRPr lang="en-US" dirty="0"/>
+            <a:endParaRPr lang="en-US"/>
           </a:p>
         </p:txBody>
       </p:sp>
@@ -16353,35 +16668,35 @@
           <a:p>
             <a:pPr lvl="0"/>
             <a:r>
-              <a:rPr lang="en-US" dirty="0"/>
+              <a:rPr lang="en-US"/>
               <a:t>Click to add content</a:t>
             </a:r>
           </a:p>
           <a:p>
             <a:pPr lvl="1"/>
             <a:r>
-              <a:rPr lang="en-US" dirty="0"/>
+              <a:rPr lang="en-US"/>
               <a:t>Second level</a:t>
             </a:r>
           </a:p>
           <a:p>
             <a:pPr lvl="2"/>
             <a:r>
-              <a:rPr lang="en-US" dirty="0"/>
+              <a:rPr lang="en-US"/>
               <a:t>Third level</a:t>
             </a:r>
           </a:p>
           <a:p>
             <a:pPr lvl="3"/>
             <a:r>
-              <a:rPr lang="en-US" dirty="0"/>
+              <a:rPr lang="en-US"/>
               <a:t>Fourth level</a:t>
             </a:r>
           </a:p>
           <a:p>
             <a:pPr lvl="4"/>
             <a:r>
-              <a:rPr lang="en-US" dirty="0"/>
+              <a:rPr lang="en-US"/>
               <a:t>Fifth level</a:t>
             </a:r>
           </a:p>
@@ -16450,35 +16765,35 @@
           <a:p>
             <a:pPr lvl="0"/>
             <a:r>
-              <a:rPr lang="en-US" dirty="0"/>
+              <a:rPr lang="en-US"/>
               <a:t>Click to add content</a:t>
             </a:r>
           </a:p>
           <a:p>
             <a:pPr lvl="1"/>
             <a:r>
-              <a:rPr lang="en-US" dirty="0"/>
+              <a:rPr lang="en-US"/>
               <a:t>Second level</a:t>
             </a:r>
           </a:p>
           <a:p>
             <a:pPr lvl="2"/>
             <a:r>
-              <a:rPr lang="en-US" dirty="0"/>
+              <a:rPr lang="en-US"/>
               <a:t>Third level</a:t>
             </a:r>
           </a:p>
           <a:p>
             <a:pPr lvl="3"/>
             <a:r>
-              <a:rPr lang="en-US" dirty="0"/>
+              <a:rPr lang="en-US"/>
               <a:t>Fourth level</a:t>
             </a:r>
           </a:p>
           <a:p>
             <a:pPr lvl="4"/>
             <a:r>
-              <a:rPr lang="en-US" dirty="0"/>
+              <a:rPr lang="en-US"/>
               <a:t>Fifth level</a:t>
             </a:r>
           </a:p>
@@ -16668,7 +16983,7 @@
           <a:lstStyle/>
           <a:p>
             <a:pPr algn="ctr"/>
-            <a:endParaRPr lang="en-US" dirty="0"/>
+            <a:endParaRPr lang="en-US"/>
           </a:p>
         </p:txBody>
       </p:sp>
@@ -16815,7 +17130,7 @@
           <a:lstStyle/>
           <a:p>
             <a:pPr algn="ctr"/>
-            <a:endParaRPr lang="en-US" dirty="0"/>
+            <a:endParaRPr lang="en-US"/>
           </a:p>
         </p:txBody>
       </p:sp>
@@ -17021,7 +17336,7 @@
             <a:lstStyle/>
             <a:p>
               <a:pPr algn="ctr"/>
-              <a:endParaRPr lang="en-US" dirty="0"/>
+              <a:endParaRPr lang="en-US"/>
             </a:p>
           </p:txBody>
         </p:sp>
@@ -17126,7 +17441,7 @@
             <a:lstStyle/>
             <a:p>
               <a:pPr algn="ctr"/>
-              <a:endParaRPr lang="en-US" dirty="0"/>
+              <a:endParaRPr lang="en-US"/>
             </a:p>
           </p:txBody>
         </p:sp>
@@ -17239,7 +17554,7 @@
             <a:lstStyle/>
             <a:p>
               <a:pPr algn="ctr"/>
-              <a:endParaRPr lang="en-US" dirty="0"/>
+              <a:endParaRPr lang="en-US"/>
             </a:p>
           </p:txBody>
         </p:sp>
@@ -17352,7 +17667,7 @@
             <a:lstStyle/>
             <a:p>
               <a:pPr algn="ctr"/>
-              <a:endParaRPr lang="en-US" dirty="0"/>
+              <a:endParaRPr lang="en-US"/>
             </a:p>
           </p:txBody>
         </p:sp>
@@ -17457,7 +17772,7 @@
             <a:lstStyle/>
             <a:p>
               <a:pPr algn="ctr"/>
-              <a:endParaRPr lang="en-US" dirty="0"/>
+              <a:endParaRPr lang="en-US"/>
             </a:p>
           </p:txBody>
         </p:sp>
@@ -17562,7 +17877,7 @@
             <a:lstStyle/>
             <a:p>
               <a:pPr algn="ctr"/>
-              <a:endParaRPr lang="en-US" dirty="0"/>
+              <a:endParaRPr lang="en-US"/>
             </a:p>
           </p:txBody>
         </p:sp>
@@ -17675,7 +17990,7 @@
             <a:lstStyle/>
             <a:p>
               <a:pPr algn="ctr"/>
-              <a:endParaRPr lang="en-US" dirty="0"/>
+              <a:endParaRPr lang="en-US"/>
             </a:p>
           </p:txBody>
         </p:sp>
@@ -17780,7 +18095,7 @@
             <a:lstStyle/>
             <a:p>
               <a:pPr algn="ctr"/>
-              <a:endParaRPr lang="en-US" dirty="0"/>
+              <a:endParaRPr lang="en-US"/>
             </a:p>
           </p:txBody>
         </p:sp>
@@ -17885,7 +18200,7 @@
             <a:lstStyle/>
             <a:p>
               <a:pPr algn="ctr"/>
-              <a:endParaRPr lang="en-US" dirty="0"/>
+              <a:endParaRPr lang="en-US"/>
             </a:p>
           </p:txBody>
         </p:sp>
@@ -17990,7 +18305,7 @@
             <a:lstStyle/>
             <a:p>
               <a:pPr algn="ctr"/>
-              <a:endParaRPr lang="en-US" dirty="0"/>
+              <a:endParaRPr lang="en-US"/>
             </a:p>
           </p:txBody>
         </p:sp>
@@ -18103,7 +18418,7 @@
             <a:lstStyle/>
             <a:p>
               <a:pPr algn="ctr"/>
-              <a:endParaRPr lang="en-US" dirty="0"/>
+              <a:endParaRPr lang="en-US"/>
             </a:p>
           </p:txBody>
         </p:sp>
@@ -18208,7 +18523,7 @@
             <a:lstStyle/>
             <a:p>
               <a:pPr algn="ctr"/>
-              <a:endParaRPr lang="en-US" dirty="0"/>
+              <a:endParaRPr lang="en-US"/>
             </a:p>
           </p:txBody>
         </p:sp>
@@ -18313,7 +18628,7 @@
             <a:lstStyle/>
             <a:p>
               <a:pPr algn="ctr"/>
-              <a:endParaRPr lang="en-US" dirty="0"/>
+              <a:endParaRPr lang="en-US"/>
             </a:p>
           </p:txBody>
         </p:sp>
@@ -18426,7 +18741,7 @@
             <a:lstStyle/>
             <a:p>
               <a:pPr algn="ctr"/>
-              <a:endParaRPr lang="en-US" dirty="0"/>
+              <a:endParaRPr lang="en-US"/>
             </a:p>
           </p:txBody>
         </p:sp>
@@ -18539,7 +18854,7 @@
             <a:lstStyle/>
             <a:p>
               <a:pPr algn="ctr"/>
-              <a:endParaRPr lang="en-US" dirty="0"/>
+              <a:endParaRPr lang="en-US"/>
             </a:p>
           </p:txBody>
         </p:sp>
@@ -18644,7 +18959,7 @@
             <a:lstStyle/>
             <a:p>
               <a:pPr algn="ctr"/>
-              <a:endParaRPr lang="en-US" dirty="0"/>
+              <a:endParaRPr lang="en-US"/>
             </a:p>
           </p:txBody>
         </p:sp>
@@ -18749,7 +19064,7 @@
             <a:lstStyle/>
             <a:p>
               <a:pPr algn="ctr"/>
-              <a:endParaRPr lang="en-US" dirty="0"/>
+              <a:endParaRPr lang="en-US"/>
             </a:p>
           </p:txBody>
         </p:sp>
@@ -18850,7 +19165,7 @@
           <a:lstStyle/>
           <a:p>
             <a:pPr algn="ctr"/>
-            <a:endParaRPr lang="en-US" dirty="0"/>
+            <a:endParaRPr lang="en-US"/>
           </a:p>
         </p:txBody>
       </p:sp>
@@ -18958,7 +19273,7 @@
           <a:lstStyle/>
           <a:p>
             <a:pPr algn="ctr"/>
-            <a:endParaRPr lang="en-US" dirty="0"/>
+            <a:endParaRPr lang="en-US"/>
           </a:p>
         </p:txBody>
       </p:sp>
@@ -18997,7 +19312,7 @@
           </a:lstStyle>
           <a:p>
             <a:r>
-              <a:rPr lang="en-US" dirty="0"/>
+              <a:rPr lang="en-US"/>
               <a:t>CLICK TO ADD TITLE</a:t>
             </a:r>
           </a:p>
@@ -19066,21 +19381,21 @@
           <a:p>
             <a:pPr lvl="0"/>
             <a:r>
-              <a:rPr lang="en-US" dirty="0"/>
+              <a:rPr lang="en-US"/>
               <a:t>Click to add content</a:t>
             </a:r>
           </a:p>
           <a:p>
             <a:pPr lvl="1"/>
             <a:r>
-              <a:rPr lang="en-US" dirty="0"/>
+              <a:rPr lang="en-US"/>
               <a:t>Second level</a:t>
             </a:r>
           </a:p>
           <a:p>
             <a:pPr lvl="2"/>
             <a:r>
-              <a:rPr lang="en-US" dirty="0"/>
+              <a:rPr lang="en-US"/>
               <a:t>Third level</a:t>
             </a:r>
           </a:p>
@@ -19148,35 +19463,35 @@
           <a:p>
             <a:pPr lvl="0"/>
             <a:r>
-              <a:rPr lang="en-US" dirty="0"/>
+              <a:rPr lang="en-US"/>
               <a:t>Click to add content</a:t>
             </a:r>
           </a:p>
           <a:p>
             <a:pPr lvl="1"/>
             <a:r>
-              <a:rPr lang="en-US" dirty="0"/>
+              <a:rPr lang="en-US"/>
               <a:t>Second level</a:t>
             </a:r>
           </a:p>
           <a:p>
             <a:pPr lvl="2"/>
             <a:r>
-              <a:rPr lang="en-US" dirty="0"/>
+              <a:rPr lang="en-US"/>
               <a:t>Third level</a:t>
             </a:r>
           </a:p>
           <a:p>
             <a:pPr lvl="3"/>
             <a:r>
-              <a:rPr lang="en-US" dirty="0"/>
+              <a:rPr lang="en-US"/>
               <a:t>Fourth level</a:t>
             </a:r>
           </a:p>
           <a:p>
             <a:pPr lvl="4"/>
             <a:r>
-              <a:rPr lang="en-US" dirty="0"/>
+              <a:rPr lang="en-US"/>
               <a:t>Fifth level</a:t>
             </a:r>
           </a:p>
@@ -19223,7 +19538,6 @@
               <a:rPr lang="en-US"/>
               <a:t>12/11/2023</a:t>
             </a:r>
-            <a:endParaRPr lang="en-US" dirty="0"/>
           </a:p>
         </p:txBody>
       </p:sp>
@@ -19268,7 +19582,6 @@
               <a:rPr lang="en-US"/>
               <a:t>Presentation title</a:t>
             </a:r>
-            <a:endParaRPr lang="en-US" dirty="0"/>
           </a:p>
         </p:txBody>
       </p:sp>
@@ -19314,7 +19627,7 @@
               <a:pPr/>
               <a:t>‹#›</a:t>
             </a:fld>
-            <a:endParaRPr lang="en-US" dirty="0"/>
+            <a:endParaRPr lang="en-US"/>
           </a:p>
         </p:txBody>
       </p:sp>
@@ -19412,7 +19725,7 @@
           </a:lstStyle>
           <a:p>
             <a:r>
-              <a:rPr lang="en-US" dirty="0"/>
+              <a:rPr lang="en-US"/>
               <a:t>CLICK TO ADD TITLE</a:t>
             </a:r>
           </a:p>
@@ -19526,7 +19839,7 @@
           </a:lstStyle>
           <a:p>
             <a:r>
-              <a:rPr lang="en-US" dirty="0"/>
+              <a:rPr lang="en-US"/>
               <a:t>Click icon to insert picture</a:t>
             </a:r>
           </a:p>
@@ -19583,7 +19896,7 @@
           <a:lstStyle/>
           <a:p>
             <a:pPr algn="ctr"/>
-            <a:endParaRPr lang="en-US" dirty="0"/>
+            <a:endParaRPr lang="en-US"/>
           </a:p>
         </p:txBody>
       </p:sp>
@@ -19709,35 +20022,35 @@
           <a:p>
             <a:pPr lvl="0"/>
             <a:r>
-              <a:rPr lang="en-US" dirty="0"/>
+              <a:rPr lang="en-US"/>
               <a:t>Click to add content</a:t>
             </a:r>
           </a:p>
           <a:p>
             <a:pPr lvl="1"/>
             <a:r>
-              <a:rPr lang="en-US" dirty="0"/>
+              <a:rPr lang="en-US"/>
               <a:t>Second level</a:t>
             </a:r>
           </a:p>
           <a:p>
             <a:pPr lvl="2"/>
             <a:r>
-              <a:rPr lang="en-US" dirty="0"/>
+              <a:rPr lang="en-US"/>
               <a:t>Third level</a:t>
             </a:r>
           </a:p>
           <a:p>
             <a:pPr lvl="3"/>
             <a:r>
-              <a:rPr lang="en-US" dirty="0"/>
+              <a:rPr lang="en-US"/>
               <a:t>Fourth level</a:t>
             </a:r>
           </a:p>
           <a:p>
             <a:pPr lvl="4"/>
             <a:r>
-              <a:rPr lang="en-US" dirty="0"/>
+              <a:rPr lang="en-US"/>
               <a:t>Fifth level</a:t>
             </a:r>
           </a:p>
@@ -19781,7 +20094,6 @@
               <a:rPr lang="en-US"/>
               <a:t>12/11/2023</a:t>
             </a:r>
-            <a:endParaRPr lang="en-US" dirty="0"/>
           </a:p>
         </p:txBody>
       </p:sp>
@@ -19823,7 +20135,6 @@
               <a:rPr lang="en-US"/>
               <a:t>Presentation title</a:t>
             </a:r>
-            <a:endParaRPr lang="en-US" dirty="0"/>
           </a:p>
         </p:txBody>
       </p:sp>
@@ -19866,7 +20177,7 @@
               <a:pPr/>
               <a:t>‹#›</a:t>
             </a:fld>
-            <a:endParaRPr lang="en-US" dirty="0"/>
+            <a:endParaRPr lang="en-US"/>
           </a:p>
         </p:txBody>
       </p:sp>
@@ -19944,7 +20255,7 @@
             <a:lstStyle/>
             <a:p>
               <a:pPr algn="ctr"/>
-              <a:endParaRPr lang="en-US" dirty="0"/>
+              <a:endParaRPr lang="en-US"/>
             </a:p>
           </p:txBody>
         </p:sp>
@@ -19999,7 +20310,7 @@
             <a:lstStyle/>
             <a:p>
               <a:pPr algn="ctr"/>
-              <a:endParaRPr lang="en-US" dirty="0"/>
+              <a:endParaRPr lang="en-US"/>
             </a:p>
           </p:txBody>
         </p:sp>
@@ -20054,7 +20365,7 @@
             <a:lstStyle/>
             <a:p>
               <a:pPr algn="ctr"/>
-              <a:endParaRPr lang="en-US" dirty="0"/>
+              <a:endParaRPr lang="en-US"/>
             </a:p>
           </p:txBody>
         </p:sp>
@@ -20148,7 +20459,7 @@
             <a:lstStyle/>
             <a:p>
               <a:pPr algn="ctr"/>
-              <a:endParaRPr lang="en-US" dirty="0"/>
+              <a:endParaRPr lang="en-US"/>
             </a:p>
           </p:txBody>
         </p:sp>
@@ -20263,7 +20574,7 @@
             <a:lstStyle/>
             <a:p>
               <a:pPr algn="ctr"/>
-              <a:endParaRPr lang="en-US" dirty="0"/>
+              <a:endParaRPr lang="en-US"/>
             </a:p>
           </p:txBody>
         </p:sp>
@@ -20411,7 +20722,7 @@
           <a:lstStyle/>
           <a:p>
             <a:pPr algn="ctr"/>
-            <a:endParaRPr lang="en-US" dirty="0"/>
+            <a:endParaRPr lang="en-US"/>
           </a:p>
         </p:txBody>
       </p:sp>
@@ -20506,7 +20817,6 @@
               <a:rPr lang="en-US"/>
               <a:t>Click to edit Master title style</a:t>
             </a:r>
-            <a:endParaRPr lang="en-US" dirty="0"/>
           </a:p>
         </p:txBody>
       </p:sp>
@@ -20574,7 +20884,6 @@
               <a:rPr lang="en-US"/>
               <a:t>Fifth level</a:t>
             </a:r>
-            <a:endParaRPr lang="en-US" dirty="0"/>
           </a:p>
         </p:txBody>
       </p:sp>
@@ -20621,7 +20930,6 @@
               <a:rPr lang="en-US"/>
               <a:t>12/11/2023</a:t>
             </a:r>
-            <a:endParaRPr lang="en-US" dirty="0"/>
           </a:p>
         </p:txBody>
       </p:sp>
@@ -20668,7 +20976,6 @@
               <a:rPr lang="en-US"/>
               <a:t>Presentation title</a:t>
             </a:r>
-            <a:endParaRPr lang="en-US" dirty="0"/>
           </a:p>
         </p:txBody>
       </p:sp>
@@ -20716,7 +21023,7 @@
               <a:pPr/>
               <a:t>‹#›</a:t>
             </a:fld>
-            <a:endParaRPr lang="en-US" dirty="0"/>
+            <a:endParaRPr lang="en-US"/>
           </a:p>
         </p:txBody>
       </p:sp>
@@ -21144,8 +21451,268 @@
           <a:lstStyle/>
           <a:p>
             <a:r>
-              <a:rPr lang="en-US" dirty="0"/>
+              <a:rPr lang="en-US"/>
               <a:t>Event Scheduler &amp; Calendar</a:t>
+            </a:r>
+          </a:p>
+        </p:txBody>
+      </p:sp>
+      <p:sp>
+        <p:nvSpPr>
+          <p:cNvPr id="3" name="Subtitle 2">
+            <a:extLst>
+              <a:ext uri="{FF2B5EF4-FFF2-40B4-BE49-F238E27FC236}">
+                <a16:creationId xmlns:a16="http://schemas.microsoft.com/office/drawing/2014/main" id="{424A8B84-7568-C64F-E217-50DBDD785097}"/>
+              </a:ext>
+            </a:extLst>
+          </p:cNvPr>
+          <p:cNvSpPr txBox="1">
+            <a:spLocks/>
+          </p:cNvSpPr>
+          <p:nvPr/>
+        </p:nvSpPr>
+        <p:spPr>
+          <a:xfrm>
+            <a:off x="4938713" y="3300413"/>
+            <a:ext cx="6338887" cy="2668587"/>
+          </a:xfrm>
+          <a:prstGeom prst="rect">
+            <a:avLst/>
+          </a:prstGeom>
+        </p:spPr>
+        <p:txBody>
+          <a:bodyPr>
+            <a:normAutofit/>
+          </a:bodyPr>
+          <a:lstStyle>
+            <a:lvl1pPr marL="228600" indent="-228600" algn="l" defTabSz="914400" rtl="0" eaLnBrk="1" latinLnBrk="0" hangingPunct="1">
+              <a:lnSpc>
+                <a:spcPct val="100000"/>
+              </a:lnSpc>
+              <a:spcBef>
+                <a:spcPts val="0"/>
+              </a:spcBef>
+              <a:spcAft>
+                <a:spcPts val="1200"/>
+              </a:spcAft>
+              <a:buFont typeface="Arial" panose="020B0604020202020204" pitchFamily="34" charset="0"/>
+              <a:buChar char="•"/>
+              <a:defRPr sz="2800" kern="1200">
+                <a:solidFill>
+                  <a:schemeClr val="tx1"/>
+                </a:solidFill>
+                <a:latin typeface="+mn-lt"/>
+                <a:ea typeface="+mn-ea"/>
+                <a:cs typeface="+mn-cs"/>
+              </a:defRPr>
+            </a:lvl1pPr>
+            <a:lvl2pPr marL="685800" indent="-228600" algn="l" defTabSz="914400" rtl="0" eaLnBrk="1" latinLnBrk="0" hangingPunct="1">
+              <a:lnSpc>
+                <a:spcPct val="100000"/>
+              </a:lnSpc>
+              <a:spcBef>
+                <a:spcPts val="0"/>
+              </a:spcBef>
+              <a:spcAft>
+                <a:spcPts val="1200"/>
+              </a:spcAft>
+              <a:buFont typeface="Arial" panose="020B0604020202020204" pitchFamily="34" charset="0"/>
+              <a:buChar char="•"/>
+              <a:defRPr sz="2400" kern="1200">
+                <a:solidFill>
+                  <a:schemeClr val="tx1"/>
+                </a:solidFill>
+                <a:latin typeface="+mn-lt"/>
+                <a:ea typeface="+mn-ea"/>
+                <a:cs typeface="+mn-cs"/>
+              </a:defRPr>
+            </a:lvl2pPr>
+            <a:lvl3pPr marL="1143000" indent="-228600" algn="l" defTabSz="914400" rtl="0" eaLnBrk="1" latinLnBrk="0" hangingPunct="1">
+              <a:lnSpc>
+                <a:spcPct val="100000"/>
+              </a:lnSpc>
+              <a:spcBef>
+                <a:spcPts val="0"/>
+              </a:spcBef>
+              <a:spcAft>
+                <a:spcPts val="1200"/>
+              </a:spcAft>
+              <a:buFont typeface="Arial" panose="020B0604020202020204" pitchFamily="34" charset="0"/>
+              <a:buChar char="•"/>
+              <a:defRPr sz="2000" kern="1200">
+                <a:solidFill>
+                  <a:schemeClr val="tx1"/>
+                </a:solidFill>
+                <a:latin typeface="+mn-lt"/>
+                <a:ea typeface="+mn-ea"/>
+                <a:cs typeface="+mn-cs"/>
+              </a:defRPr>
+            </a:lvl3pPr>
+            <a:lvl4pPr marL="1600200" indent="-228600" algn="l" defTabSz="914400" rtl="0" eaLnBrk="1" latinLnBrk="0" hangingPunct="1">
+              <a:lnSpc>
+                <a:spcPct val="100000"/>
+              </a:lnSpc>
+              <a:spcBef>
+                <a:spcPts val="0"/>
+              </a:spcBef>
+              <a:spcAft>
+                <a:spcPts val="1200"/>
+              </a:spcAft>
+              <a:buFont typeface="Arial" panose="020B0604020202020204" pitchFamily="34" charset="0"/>
+              <a:buChar char="•"/>
+              <a:defRPr sz="1800" kern="1200">
+                <a:solidFill>
+                  <a:schemeClr val="tx1"/>
+                </a:solidFill>
+                <a:latin typeface="+mn-lt"/>
+                <a:ea typeface="+mn-ea"/>
+                <a:cs typeface="+mn-cs"/>
+              </a:defRPr>
+            </a:lvl4pPr>
+            <a:lvl5pPr marL="2057400" indent="-228600" algn="l" defTabSz="914400" rtl="0" eaLnBrk="1" latinLnBrk="0" hangingPunct="1">
+              <a:lnSpc>
+                <a:spcPct val="100000"/>
+              </a:lnSpc>
+              <a:spcBef>
+                <a:spcPts val="0"/>
+              </a:spcBef>
+              <a:spcAft>
+                <a:spcPts val="1200"/>
+              </a:spcAft>
+              <a:buFont typeface="Arial" panose="020B0604020202020204" pitchFamily="34" charset="0"/>
+              <a:buChar char="•"/>
+              <a:defRPr sz="1800" kern="1200">
+                <a:solidFill>
+                  <a:schemeClr val="tx1"/>
+                </a:solidFill>
+                <a:latin typeface="+mn-lt"/>
+                <a:ea typeface="+mn-ea"/>
+                <a:cs typeface="+mn-cs"/>
+              </a:defRPr>
+            </a:lvl5pPr>
+            <a:lvl6pPr marL="2514600" indent="-228600" algn="l" defTabSz="914400" rtl="0" eaLnBrk="1" latinLnBrk="0" hangingPunct="1">
+              <a:lnSpc>
+                <a:spcPct val="90000"/>
+              </a:lnSpc>
+              <a:spcBef>
+                <a:spcPts val="500"/>
+              </a:spcBef>
+              <a:buFont typeface="Arial" panose="020B0604020202020204" pitchFamily="34" charset="0"/>
+              <a:buChar char="•"/>
+              <a:defRPr sz="1800" kern="1200">
+                <a:solidFill>
+                  <a:schemeClr val="tx1"/>
+                </a:solidFill>
+                <a:latin typeface="+mn-lt"/>
+                <a:ea typeface="+mn-ea"/>
+                <a:cs typeface="+mn-cs"/>
+              </a:defRPr>
+            </a:lvl6pPr>
+            <a:lvl7pPr marL="2971800" indent="-228600" algn="l" defTabSz="914400" rtl="0" eaLnBrk="1" latinLnBrk="0" hangingPunct="1">
+              <a:lnSpc>
+                <a:spcPct val="90000"/>
+              </a:lnSpc>
+              <a:spcBef>
+                <a:spcPts val="500"/>
+              </a:spcBef>
+              <a:buFont typeface="Arial" panose="020B0604020202020204" pitchFamily="34" charset="0"/>
+              <a:buChar char="•"/>
+              <a:defRPr sz="1800" kern="1200">
+                <a:solidFill>
+                  <a:schemeClr val="tx1"/>
+                </a:solidFill>
+                <a:latin typeface="+mn-lt"/>
+                <a:ea typeface="+mn-ea"/>
+                <a:cs typeface="+mn-cs"/>
+              </a:defRPr>
+            </a:lvl7pPr>
+            <a:lvl8pPr marL="3429000" indent="-228600" algn="l" defTabSz="914400" rtl="0" eaLnBrk="1" latinLnBrk="0" hangingPunct="1">
+              <a:lnSpc>
+                <a:spcPct val="90000"/>
+              </a:lnSpc>
+              <a:spcBef>
+                <a:spcPts val="500"/>
+              </a:spcBef>
+              <a:buFont typeface="Arial" panose="020B0604020202020204" pitchFamily="34" charset="0"/>
+              <a:buChar char="•"/>
+              <a:defRPr sz="1800" kern="1200">
+                <a:solidFill>
+                  <a:schemeClr val="tx1"/>
+                </a:solidFill>
+                <a:latin typeface="+mn-lt"/>
+                <a:ea typeface="+mn-ea"/>
+                <a:cs typeface="+mn-cs"/>
+              </a:defRPr>
+            </a:lvl8pPr>
+            <a:lvl9pPr marL="3886200" indent="-228600" algn="l" defTabSz="914400" rtl="0" eaLnBrk="1" latinLnBrk="0" hangingPunct="1">
+              <a:lnSpc>
+                <a:spcPct val="90000"/>
+              </a:lnSpc>
+              <a:spcBef>
+                <a:spcPts val="500"/>
+              </a:spcBef>
+              <a:buFont typeface="Arial" panose="020B0604020202020204" pitchFamily="34" charset="0"/>
+              <a:buChar char="•"/>
+              <a:defRPr sz="1800" kern="1200">
+                <a:solidFill>
+                  <a:schemeClr val="tx1"/>
+                </a:solidFill>
+                <a:latin typeface="+mn-lt"/>
+                <a:ea typeface="+mn-ea"/>
+                <a:cs typeface="+mn-cs"/>
+              </a:defRPr>
+            </a:lvl9pPr>
+          </a:lstStyle>
+          <a:p>
+            <a:pPr marL="0" indent="0">
+              <a:buNone/>
+            </a:pPr>
+            <a:endParaRPr lang="en-US">
+              <a:solidFill>
+                <a:schemeClr val="bg1"/>
+              </a:solidFill>
+            </a:endParaRPr>
+          </a:p>
+        </p:txBody>
+      </p:sp>
+      <p:sp>
+        <p:nvSpPr>
+          <p:cNvPr id="5" name="TextBox 4">
+            <a:extLst>
+              <a:ext uri="{FF2B5EF4-FFF2-40B4-BE49-F238E27FC236}">
+                <a16:creationId xmlns:a16="http://schemas.microsoft.com/office/drawing/2014/main" id="{CA0BD786-6A1E-17AD-93CC-C6C5D687D159}"/>
+              </a:ext>
+            </a:extLst>
+          </p:cNvPr>
+          <p:cNvSpPr txBox="1"/>
+          <p:nvPr/>
+        </p:nvSpPr>
+        <p:spPr>
+          <a:xfrm>
+            <a:off x="7843567" y="3899182"/>
+            <a:ext cx="6094562" cy="400110"/>
+          </a:xfrm>
+          <a:prstGeom prst="rect">
+            <a:avLst/>
+          </a:prstGeom>
+          <a:noFill/>
+        </p:spPr>
+        <p:txBody>
+          <a:bodyPr wrap="square" lIns="91440" tIns="45720" rIns="91440" bIns="45720" anchor="t">
+            <a:spAutoFit/>
+          </a:bodyPr>
+          <a:lstStyle/>
+          <a:p>
+            <a:pPr marL="0" indent="0">
+              <a:buNone/>
+            </a:pPr>
+            <a:r>
+              <a:rPr lang="en-US" sz="2000">
+                <a:solidFill>
+                  <a:schemeClr val="bg1"/>
+                </a:solidFill>
+              </a:rPr>
+              <a:t>Group 14</a:t>
             </a:r>
           </a:p>
         </p:txBody>
@@ -21164,6 +21731,209 @@
 </file>
 
 <file path=ppt/slides/slide10.xml><?xml version="1.0" encoding="utf-8"?>
+<p:sld xmlns:a="http://schemas.openxmlformats.org/drawingml/2006/main" xmlns:r="http://schemas.openxmlformats.org/officeDocument/2006/relationships" xmlns:p="http://schemas.openxmlformats.org/presentationml/2006/main">
+  <p:cSld>
+    <p:spTree>
+      <p:nvGrpSpPr>
+        <p:cNvPr id="1" name=""/>
+        <p:cNvGrpSpPr/>
+        <p:nvPr/>
+      </p:nvGrpSpPr>
+      <p:grpSpPr>
+        <a:xfrm>
+          <a:off x="0" y="0"/>
+          <a:ext cx="0" cy="0"/>
+          <a:chOff x="0" y="0"/>
+          <a:chExt cx="0" cy="0"/>
+        </a:xfrm>
+      </p:grpSpPr>
+      <p:sp>
+        <p:nvSpPr>
+          <p:cNvPr id="2" name="Title 1">
+            <a:extLst>
+              <a:ext uri="{FF2B5EF4-FFF2-40B4-BE49-F238E27FC236}">
+                <a16:creationId xmlns:a16="http://schemas.microsoft.com/office/drawing/2014/main" id="{CC80C883-7528-F9C5-D6FA-15EC059A3021}"/>
+              </a:ext>
+            </a:extLst>
+          </p:cNvPr>
+          <p:cNvSpPr>
+            <a:spLocks noGrp="1"/>
+          </p:cNvSpPr>
+          <p:nvPr>
+            <p:ph type="title"/>
+          </p:nvPr>
+        </p:nvSpPr>
+        <p:spPr>
+          <a:xfrm>
+            <a:off x="762000" y="347703"/>
+            <a:ext cx="10668000" cy="1873972"/>
+          </a:xfrm>
+        </p:spPr>
+        <p:txBody>
+          <a:bodyPr/>
+          <a:lstStyle/>
+          <a:p>
+            <a:r>
+              <a:rPr lang="en-US"/>
+              <a:t>Key functionalities</a:t>
+            </a:r>
+          </a:p>
+        </p:txBody>
+      </p:sp>
+      <p:sp>
+        <p:nvSpPr>
+          <p:cNvPr id="6" name="Text Placeholder 5">
+            <a:extLst>
+              <a:ext uri="{FF2B5EF4-FFF2-40B4-BE49-F238E27FC236}">
+                <a16:creationId xmlns:a16="http://schemas.microsoft.com/office/drawing/2014/main" id="{3A7E69BA-FC91-08A5-671F-B53E6E989C6F}"/>
+              </a:ext>
+            </a:extLst>
+          </p:cNvPr>
+          <p:cNvSpPr>
+            <a:spLocks noGrp="1"/>
+          </p:cNvSpPr>
+          <p:nvPr>
+            <p:ph type="body" sz="quarter" idx="13"/>
+          </p:nvPr>
+        </p:nvSpPr>
+        <p:spPr>
+          <a:xfrm>
+            <a:off x="408295" y="1294391"/>
+            <a:ext cx="11378241" cy="5328948"/>
+          </a:xfrm>
+        </p:spPr>
+        <p:txBody>
+          <a:bodyPr vert="horz" lIns="91440" tIns="45720" rIns="91440" bIns="45720" rtlCol="0" anchor="t">
+            <a:noAutofit/>
+          </a:bodyPr>
+          <a:lstStyle/>
+          <a:p>
+            <a:r>
+              <a:rPr lang="en-US" b="1"/>
+              <a:t>Collection Management</a:t>
+            </a:r>
+          </a:p>
+          <a:p>
+            <a:pPr lvl="1"/>
+            <a:r>
+              <a:rPr lang="en-US"/>
+              <a:t> Maintain unique event collection</a:t>
+            </a:r>
+          </a:p>
+          <a:p>
+            <a:pPr lvl="1"/>
+            <a:r>
+              <a:rPr lang="en-US"/>
+              <a:t>Perform bulk operations</a:t>
+            </a:r>
+          </a:p>
+          <a:p>
+            <a:r>
+              <a:rPr lang="en-US" b="1"/>
+              <a:t>Date and Time Handling</a:t>
+            </a:r>
+          </a:p>
+          <a:p>
+            <a:pPr lvl="1"/>
+            <a:r>
+              <a:rPr lang="en-US"/>
+              <a:t>Precise event timing</a:t>
+            </a:r>
+          </a:p>
+          <a:p>
+            <a:pPr lvl="1"/>
+            <a:r>
+              <a:rPr lang="en-US"/>
+              <a:t>Date-based operations</a:t>
+            </a:r>
+          </a:p>
+          <a:p>
+            <a:r>
+              <a:rPr lang="en-US" b="1"/>
+              <a:t>Organizer Tracking</a:t>
+            </a:r>
+            <a:endParaRPr lang="en-US"/>
+          </a:p>
+          <a:p>
+            <a:pPr lvl="1"/>
+            <a:r>
+              <a:rPr lang="en-US"/>
+              <a:t> Track event organizers</a:t>
+            </a:r>
+          </a:p>
+          <a:p>
+            <a:pPr lvl="1"/>
+            <a:r>
+              <a:rPr lang="en-US"/>
+              <a:t>Organizer statistics</a:t>
+            </a:r>
+          </a:p>
+          <a:p>
+            <a:r>
+              <a:rPr lang="en-US" b="1"/>
+              <a:t>Flexible Attribute Manipulation</a:t>
+            </a:r>
+          </a:p>
+          <a:p>
+            <a:pPr lvl="1"/>
+            <a:r>
+              <a:rPr lang="en-US"/>
+              <a:t> Dynamic attribute modification</a:t>
+            </a:r>
+          </a:p>
+          <a:p>
+            <a:pPr lvl="1"/>
+            <a:r>
+              <a:rPr lang="en-US"/>
+              <a:t>Support various data types</a:t>
+            </a:r>
+          </a:p>
+        </p:txBody>
+      </p:sp>
+      <p:sp>
+        <p:nvSpPr>
+          <p:cNvPr id="3" name="Slide Number Placeholder 2">
+            <a:extLst>
+              <a:ext uri="{FF2B5EF4-FFF2-40B4-BE49-F238E27FC236}">
+                <a16:creationId xmlns:a16="http://schemas.microsoft.com/office/drawing/2014/main" id="{8D3FE259-B742-148B-88EA-EAE84226FE5A}"/>
+              </a:ext>
+            </a:extLst>
+          </p:cNvPr>
+          <p:cNvSpPr>
+            <a:spLocks noGrp="1"/>
+          </p:cNvSpPr>
+          <p:nvPr>
+            <p:ph type="sldNum" sz="quarter" idx="12"/>
+          </p:nvPr>
+        </p:nvSpPr>
+        <p:spPr/>
+        <p:txBody>
+          <a:bodyPr/>
+          <a:lstStyle/>
+          <a:p>
+            <a:fld id="{B5CEABB6-07DC-46E8-9B57-56EC44A396E5}" type="slidenum">
+              <a:rPr lang="en-US" smtClean="0"/>
+              <a:pPr/>
+              <a:t>10</a:t>
+            </a:fld>
+            <a:endParaRPr lang="en-US"/>
+          </a:p>
+        </p:txBody>
+      </p:sp>
+    </p:spTree>
+    <p:extLst>
+      <p:ext uri="{BB962C8B-B14F-4D97-AF65-F5344CB8AC3E}">
+        <p14:creationId xmlns:p14="http://schemas.microsoft.com/office/powerpoint/2010/main" val="1129914006"/>
+      </p:ext>
+    </p:extLst>
+  </p:cSld>
+  <p:clrMapOvr>
+    <a:masterClrMapping/>
+  </p:clrMapOvr>
+</p:sld>
+</file>
+
+<file path=ppt/slides/slide11.xml><?xml version="1.0" encoding="utf-8"?>
 <p:sld xmlns:a="http://schemas.openxmlformats.org/drawingml/2006/main" xmlns:r="http://schemas.openxmlformats.org/officeDocument/2006/relationships" xmlns:p="http://schemas.openxmlformats.org/presentationml/2006/main">
   <p:cSld>
     <p:spTree>
@@ -21207,7 +21977,7 @@
           <a:lstStyle/>
           <a:p>
             <a:r>
-              <a:rPr lang="en-US" dirty="0"/>
+              <a:rPr lang="en-US"/>
               <a:t>Demonstration of cli commands</a:t>
             </a:r>
           </a:p>
@@ -21236,156 +22006,156 @@
           </a:xfrm>
         </p:spPr>
         <p:txBody>
-          <a:bodyPr>
+          <a:bodyPr vert="horz" lIns="91440" tIns="45720" rIns="91440" bIns="45720" rtlCol="0" anchor="t">
             <a:noAutofit/>
           </a:bodyPr>
           <a:lstStyle/>
           <a:p>
             <a:r>
-              <a:rPr lang="en-US" sz="2000" dirty="0"/>
+              <a:rPr lang="en-US" sz="2400"/>
               <a:t>Using the READ ME document you type out strings as a command </a:t>
             </a:r>
           </a:p>
           <a:p>
             <a:pPr lvl="1"/>
             <a:r>
-              <a:rPr lang="en-US" sz="2000" dirty="0"/>
+              <a:rPr lang="en-US" sz="2400"/>
               <a:t>To create an event use: </a:t>
             </a:r>
             <a:r>
-              <a:rPr lang="en-US" sz="2000" dirty="0" err="1"/>
+              <a:rPr lang="en-US" sz="2400" err="1"/>
               <a:t>create_event</a:t>
             </a:r>
             <a:r>
-              <a:rPr lang="en-US" sz="2000" dirty="0"/>
+              <a:rPr lang="en-US" sz="2400"/>
               <a:t> &lt;title&gt; &lt;date&gt; &lt;time&gt; &lt;location&gt; &lt;description&gt;</a:t>
             </a:r>
           </a:p>
           <a:p>
             <a:pPr lvl="1"/>
             <a:r>
-              <a:rPr lang="en-US" sz="2000" dirty="0"/>
+              <a:rPr lang="en-US" sz="2400"/>
               <a:t>To modify an event use: </a:t>
             </a:r>
             <a:r>
-              <a:rPr lang="en-US" sz="2000" dirty="0" err="1"/>
+              <a:rPr lang="en-US" sz="2400" err="1"/>
               <a:t>modify_event</a:t>
             </a:r>
             <a:r>
-              <a:rPr lang="en-US" sz="2000" dirty="0"/>
+              <a:rPr lang="en-US" sz="2400"/>
               <a:t> &lt;</a:t>
             </a:r>
             <a:r>
-              <a:rPr lang="en-US" sz="2000" dirty="0" err="1"/>
+              <a:rPr lang="en-US" sz="2400" err="1"/>
               <a:t>event_id</a:t>
             </a:r>
             <a:r>
-              <a:rPr lang="en-US" sz="2000" dirty="0"/>
+              <a:rPr lang="en-US" sz="2400"/>
               <a:t>&gt; &lt;attribute&gt; &lt;</a:t>
             </a:r>
             <a:r>
-              <a:rPr lang="en-US" sz="2000" dirty="0" err="1"/>
+              <a:rPr lang="en-US" sz="2400" err="1"/>
               <a:t>new_value</a:t>
             </a:r>
             <a:r>
-              <a:rPr lang="en-US" sz="2000" dirty="0"/>
+              <a:rPr lang="en-US" sz="2400"/>
               <a:t>&gt;</a:t>
             </a:r>
           </a:p>
           <a:p>
             <a:pPr lvl="1"/>
             <a:r>
-              <a:rPr lang="en-US" sz="2000" dirty="0"/>
+              <a:rPr lang="en-US" sz="2400"/>
               <a:t>To delete an event use: </a:t>
             </a:r>
             <a:r>
-              <a:rPr lang="en-US" sz="2000" dirty="0" err="1"/>
+              <a:rPr lang="en-US" sz="2400" err="1"/>
               <a:t>delete_event</a:t>
             </a:r>
             <a:r>
-              <a:rPr lang="en-US" sz="2000" dirty="0"/>
+              <a:rPr lang="en-US" sz="2400"/>
               <a:t> &lt;</a:t>
             </a:r>
             <a:r>
-              <a:rPr lang="en-US" sz="2000" dirty="0" err="1"/>
+              <a:rPr lang="en-US" sz="2400" err="1"/>
               <a:t>event_id</a:t>
             </a:r>
             <a:r>
-              <a:rPr lang="en-US" sz="2000" dirty="0"/>
+              <a:rPr lang="en-US" sz="2400"/>
               <a:t>&gt;</a:t>
             </a:r>
           </a:p>
           <a:p>
             <a:pPr lvl="1"/>
             <a:r>
-              <a:rPr lang="en-US" sz="2000" dirty="0"/>
+              <a:rPr lang="en-US" sz="2400"/>
               <a:t>To view events use: </a:t>
             </a:r>
             <a:r>
-              <a:rPr lang="en-US" sz="2000" dirty="0" err="1"/>
+              <a:rPr lang="en-US" sz="2400" err="1"/>
               <a:t>view_events</a:t>
             </a:r>
             <a:r>
-              <a:rPr lang="en-US" sz="2000" dirty="0"/>
+              <a:rPr lang="en-US" sz="2400"/>
               <a:t> &lt;filter&gt;</a:t>
             </a:r>
           </a:p>
           <a:p>
             <a:pPr lvl="1"/>
             <a:r>
-              <a:rPr lang="en-US" sz="2000" dirty="0"/>
+              <a:rPr lang="en-US" sz="2400"/>
               <a:t>To search events use: </a:t>
             </a:r>
             <a:r>
-              <a:rPr lang="en-US" sz="2000" dirty="0" err="1"/>
+              <a:rPr lang="en-US" sz="2400" err="1"/>
               <a:t>search_event</a:t>
             </a:r>
             <a:r>
-              <a:rPr lang="en-US" sz="2000" dirty="0"/>
+              <a:rPr lang="en-US" sz="2400"/>
               <a:t> &lt;attribute&gt; &lt;value&gt;</a:t>
             </a:r>
           </a:p>
           <a:p>
             <a:pPr lvl="1"/>
             <a:r>
-              <a:rPr lang="en-US" sz="2000" dirty="0"/>
+              <a:rPr lang="en-US" sz="2400"/>
               <a:t>To sort event on an attribute: </a:t>
             </a:r>
             <a:r>
-              <a:rPr lang="en-US" sz="2000" dirty="0" err="1"/>
+              <a:rPr lang="en-US" sz="2400" err="1"/>
               <a:t>sort_events</a:t>
             </a:r>
             <a:r>
-              <a:rPr lang="en-US" sz="2000" dirty="0"/>
+              <a:rPr lang="en-US" sz="2400"/>
               <a:t> &lt;attribute&gt;</a:t>
             </a:r>
           </a:p>
           <a:p>
             <a:pPr lvl="1"/>
             <a:r>
-              <a:rPr lang="en-US" sz="2000" dirty="0"/>
+              <a:rPr lang="en-US" sz="2400"/>
               <a:t>To generate a summary: </a:t>
             </a:r>
             <a:r>
-              <a:rPr lang="en-US" sz="2000" dirty="0" err="1"/>
+              <a:rPr lang="en-US" sz="2400" err="1"/>
               <a:t>generate_summary</a:t>
             </a:r>
             <a:r>
-              <a:rPr lang="en-US" sz="2000" dirty="0"/>
+              <a:rPr lang="en-US" sz="2400"/>
               <a:t> &lt;</a:t>
             </a:r>
             <a:r>
-              <a:rPr lang="en-US" sz="2000" dirty="0" err="1"/>
+              <a:rPr lang="en-US" sz="2400" err="1"/>
               <a:t>date_range</a:t>
             </a:r>
             <a:r>
-              <a:rPr lang="en-US" sz="2000" dirty="0"/>
+              <a:rPr lang="en-US" sz="2400"/>
               <a:t>&gt;</a:t>
             </a:r>
           </a:p>
           <a:p>
             <a:pPr lvl="1"/>
-            <a:endParaRPr lang="en-US" sz="2000" dirty="0"/>
+            <a:endParaRPr lang="en-US" sz="2000"/>
           </a:p>
         </p:txBody>
       </p:sp>
@@ -21440,7 +22210,7 @@
           <a:lstStyle/>
           <a:p>
             <a:pPr algn="ctr"/>
-            <a:endParaRPr lang="en-US" dirty="0"/>
+            <a:endParaRPr lang="en-US"/>
           </a:p>
         </p:txBody>
       </p:sp>
@@ -21514,9 +22284,9 @@
             <a:fld id="{B5CEABB6-07DC-46E8-9B57-56EC44A396E5}" type="slidenum">
               <a:rPr lang="en-US" smtClean="0"/>
               <a:pPr/>
-              <a:t>10</a:t>
+              <a:t>11</a:t>
             </a:fld>
-            <a:endParaRPr lang="en-US" dirty="0"/>
+            <a:endParaRPr lang="en-US"/>
           </a:p>
         </p:txBody>
       </p:sp>
@@ -21533,7 +22303,7 @@
 </p:sld>
 </file>
 
-<file path=ppt/slides/slide11.xml><?xml version="1.0" encoding="utf-8"?>
+<file path=ppt/slides/slide12.xml><?xml version="1.0" encoding="utf-8"?>
 <p:sld xmlns:a="http://schemas.openxmlformats.org/drawingml/2006/main" xmlns:r="http://schemas.openxmlformats.org/officeDocument/2006/relationships" xmlns:p="http://schemas.openxmlformats.org/presentationml/2006/main">
   <p:cSld>
     <p:spTree>
@@ -21579,8 +22349,8 @@
           <a:lstStyle/>
           <a:p>
             <a:r>
-              <a:rPr lang="en-US" dirty="0"/>
-              <a:t>Final tips &amp; takeaways​</a:t>
+              <a:rPr lang="en-US"/>
+              <a:t>Team contributions and roles</a:t>
             </a:r>
           </a:p>
         </p:txBody>
@@ -21608,119 +22378,30 @@
           </a:xfrm>
         </p:spPr>
         <p:txBody>
-          <a:bodyPr>
+          <a:bodyPr vert="horz" lIns="91440" tIns="45720" rIns="91440" bIns="45720" rtlCol="0" anchor="t">
             <a:normAutofit/>
           </a:bodyPr>
           <a:lstStyle/>
           <a:p>
             <a:r>
-              <a:rPr lang="en-US" dirty="0"/>
-              <a:t>Consistent rehearsal​</a:t>
+              <a:rPr lang="en-US" err="1"/>
+              <a:t>Nyameye</a:t>
             </a:r>
-          </a:p>
-          <a:p>
-            <a:pPr lvl="1"/>
             <a:r>
-              <a:rPr lang="en-US" dirty="0"/>
-              <a:t>Practice makes perfect, so strengthen your familiarity with the presentation​</a:t>
+              <a:rPr lang="en-US"/>
+              <a:t>- Event Summary class and report</a:t>
             </a:r>
           </a:p>
           <a:p>
             <a:r>
-              <a:rPr lang="en-US" dirty="0"/>
-              <a:t>Refine delivery style​</a:t>
+              <a:rPr lang="en-US"/>
+              <a:t>Kiki- Main class, report</a:t>
             </a:r>
           </a:p>
           <a:p>
-            <a:pPr lvl="1"/>
             <a:r>
-              <a:rPr lang="en-US" dirty="0"/>
-              <a:t>Pacing, tone, and emphasis​</a:t>
-            </a:r>
-          </a:p>
-          <a:p>
-            <a:r>
-              <a:rPr lang="en-US" dirty="0"/>
-              <a:t>Timing and transitions​</a:t>
-            </a:r>
-          </a:p>
-          <a:p>
-            <a:pPr lvl="1"/>
-            <a:r>
-              <a:rPr lang="en-US" dirty="0"/>
-              <a:t>Aim for seamless, professional delivery​</a:t>
-            </a:r>
-          </a:p>
-          <a:p>
-            <a:r>
-              <a:rPr lang="en-US" dirty="0"/>
-              <a:t>Practice audience</a:t>
-            </a:r>
-          </a:p>
-          <a:p>
-            <a:pPr lvl="1"/>
-            <a:r>
-              <a:rPr lang="en-US" dirty="0"/>
-              <a:t>Enlist colleagues to listen &amp; provide feedback​</a:t>
-            </a:r>
-          </a:p>
-        </p:txBody>
-      </p:sp>
-      <p:sp>
-        <p:nvSpPr>
-          <p:cNvPr id="8" name="Text Placeholder 7">
-            <a:extLst>
-              <a:ext uri="{FF2B5EF4-FFF2-40B4-BE49-F238E27FC236}">
-                <a16:creationId xmlns:a16="http://schemas.microsoft.com/office/drawing/2014/main" id="{8E323639-65E1-FDBD-1BE3-374BB39C1971}"/>
-              </a:ext>
-            </a:extLst>
-          </p:cNvPr>
-          <p:cNvSpPr>
-            <a:spLocks noGrp="1"/>
-          </p:cNvSpPr>
-          <p:nvPr>
-            <p:ph type="body" sz="quarter" idx="14"/>
-          </p:nvPr>
-        </p:nvSpPr>
-        <p:spPr>
-          <a:xfrm>
-            <a:off x="8372723" y="2481940"/>
-            <a:ext cx="3046391" cy="3759200"/>
-          </a:xfrm>
-        </p:spPr>
-        <p:txBody>
-          <a:bodyPr>
-            <a:normAutofit/>
-          </a:bodyPr>
-          <a:lstStyle/>
-          <a:p>
-            <a:r>
-              <a:rPr lang="en-US" dirty="0"/>
-              <a:t>Seek feedback​</a:t>
-            </a:r>
-          </a:p>
-          <a:p>
-            <a:r>
-              <a:rPr lang="en-US" dirty="0"/>
-              <a:t>Reflect on performance​</a:t>
-            </a:r>
-          </a:p>
-          <a:p>
-            <a:r>
-              <a:rPr lang="en-US" dirty="0"/>
-              <a:t>Explore new techniques​</a:t>
-            </a:r>
-          </a:p>
-          <a:p>
-            <a:r>
-              <a:rPr lang="en-US" dirty="0"/>
-              <a:t>Set personal goals​</a:t>
-            </a:r>
-          </a:p>
-          <a:p>
-            <a:r>
-              <a:rPr lang="en-US" dirty="0"/>
-              <a:t>Iterate and adapt</a:t>
+              <a:rPr lang="en-US"/>
+              <a:t>Yaaba –Event class, presentation</a:t>
             </a:r>
           </a:p>
         </p:txBody>
@@ -21754,9 +22435,9 @@
             <a:fld id="{B5CEABB6-07DC-46E8-9B57-56EC44A396E5}" type="slidenum">
               <a:rPr lang="en-US" smtClean="0"/>
               <a:pPr/>
-              <a:t>11</a:t>
+              <a:t>12</a:t>
             </a:fld>
-            <a:endParaRPr lang="en-US" dirty="0"/>
+            <a:endParaRPr lang="en-US"/>
           </a:p>
         </p:txBody>
       </p:sp>
@@ -21764,699 +22445,6 @@
     <p:extLst>
       <p:ext uri="{BB962C8B-B14F-4D97-AF65-F5344CB8AC3E}">
         <p14:creationId xmlns:p14="http://schemas.microsoft.com/office/powerpoint/2010/main" val="4252466045"/>
-      </p:ext>
-    </p:extLst>
-  </p:cSld>
-  <p:clrMapOvr>
-    <a:masterClrMapping/>
-  </p:clrMapOvr>
-</p:sld>
-</file>
-
-<file path=ppt/slides/slide12.xml><?xml version="1.0" encoding="utf-8"?>
-<p:sld xmlns:a="http://schemas.openxmlformats.org/drawingml/2006/main" xmlns:r="http://schemas.openxmlformats.org/officeDocument/2006/relationships" xmlns:p="http://schemas.openxmlformats.org/presentationml/2006/main">
-  <p:cSld>
-    <p:spTree>
-      <p:nvGrpSpPr>
-        <p:cNvPr id="1" name=""/>
-        <p:cNvGrpSpPr/>
-        <p:nvPr/>
-      </p:nvGrpSpPr>
-      <p:grpSpPr>
-        <a:xfrm>
-          <a:off x="0" y="0"/>
-          <a:ext cx="0" cy="0"/>
-          <a:chOff x="0" y="0"/>
-          <a:chExt cx="0" cy="0"/>
-        </a:xfrm>
-      </p:grpSpPr>
-      <p:sp>
-        <p:nvSpPr>
-          <p:cNvPr id="11" name="Title 10">
-            <a:extLst>
-              <a:ext uri="{FF2B5EF4-FFF2-40B4-BE49-F238E27FC236}">
-                <a16:creationId xmlns:a16="http://schemas.microsoft.com/office/drawing/2014/main" id="{B1B29E87-9C2C-400B-834D-4E4BD6E944D0}"/>
-              </a:ext>
-            </a:extLst>
-          </p:cNvPr>
-          <p:cNvSpPr>
-            <a:spLocks noGrp="1"/>
-          </p:cNvSpPr>
-          <p:nvPr>
-            <p:ph type="title"/>
-          </p:nvPr>
-        </p:nvSpPr>
-        <p:spPr>
-          <a:xfrm>
-            <a:off x="764155" y="896112"/>
-            <a:ext cx="10665845" cy="1325563"/>
-          </a:xfrm>
-        </p:spPr>
-        <p:txBody>
-          <a:bodyPr/>
-          <a:lstStyle/>
-          <a:p>
-            <a:r>
-              <a:rPr lang="en-US" dirty="0"/>
-              <a:t>Speaking engagement metrics​</a:t>
-            </a:r>
-          </a:p>
-        </p:txBody>
-      </p:sp>
-      <p:graphicFrame>
-        <p:nvGraphicFramePr>
-          <p:cNvPr id="14" name="Table Placeholder 13">
-            <a:extLst>
-              <a:ext uri="{FF2B5EF4-FFF2-40B4-BE49-F238E27FC236}">
-                <a16:creationId xmlns:a16="http://schemas.microsoft.com/office/drawing/2014/main" id="{597B3320-3330-1F17-5E4B-B24CAB0A4487}"/>
-              </a:ext>
-            </a:extLst>
-          </p:cNvPr>
-          <p:cNvGraphicFramePr>
-            <a:graphicFrameLocks noGrp="1"/>
-          </p:cNvGraphicFramePr>
-          <p:nvPr>
-            <p:ph type="tbl" sz="quarter" idx="13"/>
-            <p:extLst>
-              <p:ext uri="{D42A27DB-BD31-4B8C-83A1-F6EECF244321}">
-                <p14:modId xmlns:p14="http://schemas.microsoft.com/office/powerpoint/2010/main" val="3734130339"/>
-              </p:ext>
-            </p:extLst>
-          </p:nvPr>
-        </p:nvGraphicFramePr>
-        <p:xfrm>
-          <a:off x="762000" y="2417763"/>
-          <a:ext cx="10666412" cy="3678235"/>
-        </p:xfrm>
-        <a:graphic>
-          <a:graphicData uri="http://schemas.openxmlformats.org/drawingml/2006/table">
-            <a:tbl>
-              <a:tblPr firstRow="1" bandRow="1">
-                <a:tableStyleId>{C4B1156A-380E-4F78-BDF5-A606A8083BF9}</a:tableStyleId>
-              </a:tblPr>
-              <a:tblGrid>
-                <a:gridCol w="3444221">
-                  <a:extLst>
-                    <a:ext uri="{9D8B030D-6E8A-4147-A177-3AD203B41FA5}">
-                      <a16:colId xmlns:a16="http://schemas.microsoft.com/office/drawing/2014/main" val="4239035621"/>
-                    </a:ext>
-                  </a:extLst>
-                </a:gridCol>
-                <a:gridCol w="3253189">
-                  <a:extLst>
-                    <a:ext uri="{9D8B030D-6E8A-4147-A177-3AD203B41FA5}">
-                      <a16:colId xmlns:a16="http://schemas.microsoft.com/office/drawing/2014/main" val="1645754944"/>
-                    </a:ext>
-                  </a:extLst>
-                </a:gridCol>
-                <a:gridCol w="2005852">
-                  <a:extLst>
-                    <a:ext uri="{9D8B030D-6E8A-4147-A177-3AD203B41FA5}">
-                      <a16:colId xmlns:a16="http://schemas.microsoft.com/office/drawing/2014/main" val="4278473568"/>
-                    </a:ext>
-                  </a:extLst>
-                </a:gridCol>
-                <a:gridCol w="1963150">
-                  <a:extLst>
-                    <a:ext uri="{9D8B030D-6E8A-4147-A177-3AD203B41FA5}">
-                      <a16:colId xmlns:a16="http://schemas.microsoft.com/office/drawing/2014/main" val="760742182"/>
-                    </a:ext>
-                  </a:extLst>
-                </a:gridCol>
-              </a:tblGrid>
-              <a:tr h="735647">
-                <a:tc>
-                  <a:txBody>
-                    <a:bodyPr/>
-                    <a:lstStyle/>
-                    <a:p>
-                      <a:pPr algn="l" rtl="0" fontAlgn="base"/>
-                      <a:r>
-                        <a:rPr lang="en-US" sz="1800" b="1" dirty="0">
-                          <a:solidFill>
-                            <a:schemeClr val="tx1"/>
-                          </a:solidFill>
-                          <a:effectLst/>
-                        </a:rPr>
-                        <a:t>Impact factor​</a:t>
-                      </a:r>
-                      <a:endParaRPr lang="en-US" b="1" i="0" dirty="0">
-                        <a:solidFill>
-                          <a:schemeClr val="tx1"/>
-                        </a:solidFill>
-                        <a:effectLst/>
-                      </a:endParaRPr>
-                    </a:p>
-                  </a:txBody>
-                  <a:tcPr anchor="ctr"/>
-                </a:tc>
-                <a:tc>
-                  <a:txBody>
-                    <a:bodyPr/>
-                    <a:lstStyle/>
-                    <a:p>
-                      <a:pPr algn="l" rtl="0" fontAlgn="base"/>
-                      <a:r>
-                        <a:rPr lang="en-US" sz="1800" b="1" dirty="0">
-                          <a:solidFill>
-                            <a:schemeClr val="tx1"/>
-                          </a:solidFill>
-                          <a:effectLst/>
-                        </a:rPr>
-                        <a:t>Measurement​</a:t>
-                      </a:r>
-                      <a:endParaRPr lang="en-US" b="1" i="0" dirty="0">
-                        <a:solidFill>
-                          <a:schemeClr val="tx1"/>
-                        </a:solidFill>
-                        <a:effectLst/>
-                      </a:endParaRPr>
-                    </a:p>
-                  </a:txBody>
-                  <a:tcPr anchor="ctr"/>
-                </a:tc>
-                <a:tc>
-                  <a:txBody>
-                    <a:bodyPr/>
-                    <a:lstStyle/>
-                    <a:p>
-                      <a:pPr algn="l" rtl="0" fontAlgn="base"/>
-                      <a:r>
-                        <a:rPr lang="en-US" sz="1800" b="1" dirty="0">
-                          <a:solidFill>
-                            <a:schemeClr val="tx1"/>
-                          </a:solidFill>
-                          <a:effectLst/>
-                        </a:rPr>
-                        <a:t>Target​</a:t>
-                      </a:r>
-                      <a:endParaRPr lang="en-US" b="1" i="0" dirty="0">
-                        <a:solidFill>
-                          <a:schemeClr val="tx1"/>
-                        </a:solidFill>
-                        <a:effectLst/>
-                      </a:endParaRPr>
-                    </a:p>
-                  </a:txBody>
-                  <a:tcPr anchor="ctr"/>
-                </a:tc>
-                <a:tc>
-                  <a:txBody>
-                    <a:bodyPr/>
-                    <a:lstStyle/>
-                    <a:p>
-                      <a:pPr algn="l" rtl="0" fontAlgn="base"/>
-                      <a:r>
-                        <a:rPr lang="en-US" sz="1800" b="1" dirty="0">
-                          <a:solidFill>
-                            <a:schemeClr val="tx1"/>
-                          </a:solidFill>
-                          <a:effectLst/>
-                        </a:rPr>
-                        <a:t>Achieved​</a:t>
-                      </a:r>
-                      <a:endParaRPr lang="en-US" b="1" i="0" dirty="0">
-                        <a:solidFill>
-                          <a:schemeClr val="tx1"/>
-                        </a:solidFill>
-                        <a:effectLst/>
-                      </a:endParaRPr>
-                    </a:p>
-                  </a:txBody>
-                  <a:tcPr anchor="ctr"/>
-                </a:tc>
-                <a:extLst>
-                  <a:ext uri="{0D108BD9-81ED-4DB2-BD59-A6C34878D82A}">
-                    <a16:rowId xmlns:a16="http://schemas.microsoft.com/office/drawing/2014/main" val="1648889321"/>
-                  </a:ext>
-                </a:extLst>
-              </a:tr>
-              <a:tr h="735647">
-                <a:tc>
-                  <a:txBody>
-                    <a:bodyPr/>
-                    <a:lstStyle/>
-                    <a:p>
-                      <a:pPr algn="l" rtl="0" fontAlgn="base"/>
-                      <a:r>
-                        <a:rPr lang="en-US" sz="1800" b="0" dirty="0">
-                          <a:solidFill>
-                            <a:schemeClr val="tx1"/>
-                          </a:solidFill>
-                          <a:effectLst/>
-                        </a:rPr>
-                        <a:t>Audience interaction​</a:t>
-                      </a:r>
-                      <a:endParaRPr lang="en-US" b="0" i="0" dirty="0">
-                        <a:solidFill>
-                          <a:schemeClr val="tx1"/>
-                        </a:solidFill>
-                        <a:effectLst/>
-                      </a:endParaRPr>
-                    </a:p>
-                  </a:txBody>
-                  <a:tcPr anchor="ctr"/>
-                </a:tc>
-                <a:tc>
-                  <a:txBody>
-                    <a:bodyPr/>
-                    <a:lstStyle/>
-                    <a:p>
-                      <a:pPr algn="l" rtl="0" fontAlgn="base"/>
-                      <a:r>
-                        <a:rPr lang="en-US" sz="1800" b="0" dirty="0">
-                          <a:solidFill>
-                            <a:schemeClr val="tx1"/>
-                          </a:solidFill>
-                          <a:effectLst/>
-                        </a:rPr>
-                        <a:t>Percentage (%)​</a:t>
-                      </a:r>
-                      <a:endParaRPr lang="en-US" b="0" i="0" dirty="0">
-                        <a:solidFill>
-                          <a:schemeClr val="tx1"/>
-                        </a:solidFill>
-                        <a:effectLst/>
-                      </a:endParaRPr>
-                    </a:p>
-                  </a:txBody>
-                  <a:tcPr anchor="ctr"/>
-                </a:tc>
-                <a:tc>
-                  <a:txBody>
-                    <a:bodyPr/>
-                    <a:lstStyle/>
-                    <a:p>
-                      <a:pPr algn="l" rtl="0" fontAlgn="base"/>
-                      <a:r>
-                        <a:rPr lang="en-US" sz="1800" b="0" dirty="0">
-                          <a:solidFill>
-                            <a:schemeClr val="tx1"/>
-                          </a:solidFill>
-                          <a:effectLst/>
-                        </a:rPr>
-                        <a:t>85​</a:t>
-                      </a:r>
-                      <a:endParaRPr lang="en-US" b="0" i="0" dirty="0">
-                        <a:solidFill>
-                          <a:schemeClr val="tx1"/>
-                        </a:solidFill>
-                        <a:effectLst/>
-                      </a:endParaRPr>
-                    </a:p>
-                  </a:txBody>
-                  <a:tcPr anchor="ctr"/>
-                </a:tc>
-                <a:tc>
-                  <a:txBody>
-                    <a:bodyPr/>
-                    <a:lstStyle/>
-                    <a:p>
-                      <a:pPr algn="l" rtl="0" fontAlgn="base"/>
-                      <a:r>
-                        <a:rPr lang="en-US" sz="1800" b="0" dirty="0">
-                          <a:solidFill>
-                            <a:schemeClr val="tx1"/>
-                          </a:solidFill>
-                          <a:effectLst/>
-                        </a:rPr>
-                        <a:t>88​</a:t>
-                      </a:r>
-                      <a:endParaRPr lang="en-US" b="0" i="0" dirty="0">
-                        <a:solidFill>
-                          <a:schemeClr val="tx1"/>
-                        </a:solidFill>
-                        <a:effectLst/>
-                      </a:endParaRPr>
-                    </a:p>
-                  </a:txBody>
-                  <a:tcPr anchor="ctr"/>
-                </a:tc>
-                <a:extLst>
-                  <a:ext uri="{0D108BD9-81ED-4DB2-BD59-A6C34878D82A}">
-                    <a16:rowId xmlns:a16="http://schemas.microsoft.com/office/drawing/2014/main" val="3712437685"/>
-                  </a:ext>
-                </a:extLst>
-              </a:tr>
-              <a:tr h="735647">
-                <a:tc>
-                  <a:txBody>
-                    <a:bodyPr/>
-                    <a:lstStyle/>
-                    <a:p>
-                      <a:pPr algn="l" rtl="0" fontAlgn="base"/>
-                      <a:r>
-                        <a:rPr lang="en-US" sz="1800" b="0" dirty="0">
-                          <a:solidFill>
-                            <a:srgbClr val="000000"/>
-                          </a:solidFill>
-                          <a:effectLst/>
-                        </a:rPr>
-                        <a:t>Knowledge retention​</a:t>
-                      </a:r>
-                      <a:endParaRPr lang="en-US" b="0" i="0" dirty="0">
-                        <a:solidFill>
-                          <a:srgbClr val="000000"/>
-                        </a:solidFill>
-                        <a:effectLst/>
-                      </a:endParaRPr>
-                    </a:p>
-                  </a:txBody>
-                  <a:tcPr anchor="ctr"/>
-                </a:tc>
-                <a:tc>
-                  <a:txBody>
-                    <a:bodyPr/>
-                    <a:lstStyle/>
-                    <a:p>
-                      <a:pPr algn="l" rtl="0" fontAlgn="base"/>
-                      <a:r>
-                        <a:rPr lang="en-US" sz="1800" b="0" dirty="0">
-                          <a:solidFill>
-                            <a:srgbClr val="000000"/>
-                          </a:solidFill>
-                          <a:effectLst/>
-                        </a:rPr>
-                        <a:t>Percentage (%)​</a:t>
-                      </a:r>
-                      <a:endParaRPr lang="en-US" b="0" i="0" dirty="0">
-                        <a:solidFill>
-                          <a:srgbClr val="000000"/>
-                        </a:solidFill>
-                        <a:effectLst/>
-                      </a:endParaRPr>
-                    </a:p>
-                  </a:txBody>
-                  <a:tcPr anchor="ctr"/>
-                </a:tc>
-                <a:tc>
-                  <a:txBody>
-                    <a:bodyPr/>
-                    <a:lstStyle/>
-                    <a:p>
-                      <a:pPr algn="l" rtl="0" fontAlgn="base"/>
-                      <a:r>
-                        <a:rPr lang="en-US" sz="1800" b="0" dirty="0">
-                          <a:solidFill>
-                            <a:srgbClr val="000000"/>
-                          </a:solidFill>
-                          <a:effectLst/>
-                        </a:rPr>
-                        <a:t>75​</a:t>
-                      </a:r>
-                      <a:endParaRPr lang="en-US" b="0" i="0" dirty="0">
-                        <a:solidFill>
-                          <a:srgbClr val="000000"/>
-                        </a:solidFill>
-                        <a:effectLst/>
-                      </a:endParaRPr>
-                    </a:p>
-                  </a:txBody>
-                  <a:tcPr anchor="ctr"/>
-                </a:tc>
-                <a:tc>
-                  <a:txBody>
-                    <a:bodyPr/>
-                    <a:lstStyle/>
-                    <a:p>
-                      <a:pPr algn="l" rtl="0" fontAlgn="base"/>
-                      <a:r>
-                        <a:rPr lang="en-US" sz="1800" b="0" dirty="0">
-                          <a:solidFill>
-                            <a:srgbClr val="000000"/>
-                          </a:solidFill>
-                          <a:effectLst/>
-                        </a:rPr>
-                        <a:t>80​</a:t>
-                      </a:r>
-                      <a:endParaRPr lang="en-US" b="0" i="0" dirty="0">
-                        <a:solidFill>
-                          <a:srgbClr val="000000"/>
-                        </a:solidFill>
-                        <a:effectLst/>
-                      </a:endParaRPr>
-                    </a:p>
-                  </a:txBody>
-                  <a:tcPr anchor="ctr"/>
-                </a:tc>
-                <a:extLst>
-                  <a:ext uri="{0D108BD9-81ED-4DB2-BD59-A6C34878D82A}">
-                    <a16:rowId xmlns:a16="http://schemas.microsoft.com/office/drawing/2014/main" val="3973294875"/>
-                  </a:ext>
-                </a:extLst>
-              </a:tr>
-              <a:tr h="735647">
-                <a:tc>
-                  <a:txBody>
-                    <a:bodyPr/>
-                    <a:lstStyle/>
-                    <a:p>
-                      <a:pPr algn="l" rtl="0" fontAlgn="base"/>
-                      <a:r>
-                        <a:rPr lang="en-US" sz="1800" b="0" dirty="0">
-                          <a:solidFill>
-                            <a:srgbClr val="000000"/>
-                          </a:solidFill>
-                          <a:effectLst/>
-                        </a:rPr>
-                        <a:t>Post-presentation surveys​</a:t>
-                      </a:r>
-                      <a:endParaRPr lang="en-US" b="0" i="0" dirty="0">
-                        <a:solidFill>
-                          <a:srgbClr val="000000"/>
-                        </a:solidFill>
-                        <a:effectLst/>
-                      </a:endParaRPr>
-                    </a:p>
-                  </a:txBody>
-                  <a:tcPr anchor="ctr"/>
-                </a:tc>
-                <a:tc>
-                  <a:txBody>
-                    <a:bodyPr/>
-                    <a:lstStyle/>
-                    <a:p>
-                      <a:pPr algn="l" rtl="0" fontAlgn="base"/>
-                      <a:r>
-                        <a:rPr lang="en-US" sz="1800" b="0" dirty="0">
-                          <a:solidFill>
-                            <a:srgbClr val="000000"/>
-                          </a:solidFill>
-                          <a:effectLst/>
-                        </a:rPr>
-                        <a:t>Average rating​</a:t>
-                      </a:r>
-                      <a:endParaRPr lang="en-US" b="0" i="0" dirty="0">
-                        <a:solidFill>
-                          <a:srgbClr val="000000"/>
-                        </a:solidFill>
-                        <a:effectLst/>
-                      </a:endParaRPr>
-                    </a:p>
-                  </a:txBody>
-                  <a:tcPr anchor="ctr"/>
-                </a:tc>
-                <a:tc>
-                  <a:txBody>
-                    <a:bodyPr/>
-                    <a:lstStyle/>
-                    <a:p>
-                      <a:pPr algn="l" rtl="0" fontAlgn="base"/>
-                      <a:r>
-                        <a:rPr lang="en-US" sz="1800" b="0" dirty="0">
-                          <a:solidFill>
-                            <a:srgbClr val="000000"/>
-                          </a:solidFill>
-                          <a:effectLst/>
-                        </a:rPr>
-                        <a:t>4.2​</a:t>
-                      </a:r>
-                      <a:endParaRPr lang="en-US" b="0" i="0" dirty="0">
-                        <a:solidFill>
-                          <a:srgbClr val="000000"/>
-                        </a:solidFill>
-                        <a:effectLst/>
-                      </a:endParaRPr>
-                    </a:p>
-                  </a:txBody>
-                  <a:tcPr anchor="ctr"/>
-                </a:tc>
-                <a:tc>
-                  <a:txBody>
-                    <a:bodyPr/>
-                    <a:lstStyle/>
-                    <a:p>
-                      <a:pPr algn="l" rtl="0" fontAlgn="base"/>
-                      <a:r>
-                        <a:rPr lang="en-US" sz="1800" b="0" dirty="0">
-                          <a:solidFill>
-                            <a:srgbClr val="000000"/>
-                          </a:solidFill>
-                          <a:effectLst/>
-                        </a:rPr>
-                        <a:t>4.5​</a:t>
-                      </a:r>
-                      <a:endParaRPr lang="en-US" b="0" i="0" dirty="0">
-                        <a:solidFill>
-                          <a:srgbClr val="000000"/>
-                        </a:solidFill>
-                        <a:effectLst/>
-                      </a:endParaRPr>
-                    </a:p>
-                  </a:txBody>
-                  <a:tcPr anchor="ctr"/>
-                </a:tc>
-                <a:extLst>
-                  <a:ext uri="{0D108BD9-81ED-4DB2-BD59-A6C34878D82A}">
-                    <a16:rowId xmlns:a16="http://schemas.microsoft.com/office/drawing/2014/main" val="496715685"/>
-                  </a:ext>
-                </a:extLst>
-              </a:tr>
-              <a:tr h="735647">
-                <a:tc>
-                  <a:txBody>
-                    <a:bodyPr/>
-                    <a:lstStyle/>
-                    <a:p>
-                      <a:pPr algn="l" rtl="0" fontAlgn="base"/>
-                      <a:r>
-                        <a:rPr lang="en-US" sz="1800" b="0" dirty="0">
-                          <a:solidFill>
-                            <a:srgbClr val="000000"/>
-                          </a:solidFill>
-                          <a:effectLst/>
-                        </a:rPr>
-                        <a:t>Referral rate​</a:t>
-                      </a:r>
-                      <a:endParaRPr lang="en-US" b="0" i="0" dirty="0">
-                        <a:solidFill>
-                          <a:srgbClr val="000000"/>
-                        </a:solidFill>
-                        <a:effectLst/>
-                      </a:endParaRPr>
-                    </a:p>
-                  </a:txBody>
-                  <a:tcPr anchor="ctr"/>
-                </a:tc>
-                <a:tc>
-                  <a:txBody>
-                    <a:bodyPr/>
-                    <a:lstStyle/>
-                    <a:p>
-                      <a:pPr algn="l" rtl="0" fontAlgn="base"/>
-                      <a:r>
-                        <a:rPr lang="en-US" sz="1800" b="0" dirty="0">
-                          <a:solidFill>
-                            <a:srgbClr val="000000"/>
-                          </a:solidFill>
-                          <a:effectLst/>
-                        </a:rPr>
-                        <a:t>Percentage (%)​</a:t>
-                      </a:r>
-                      <a:endParaRPr lang="en-US" b="0" i="0" dirty="0">
-                        <a:solidFill>
-                          <a:srgbClr val="000000"/>
-                        </a:solidFill>
-                        <a:effectLst/>
-                      </a:endParaRPr>
-                    </a:p>
-                  </a:txBody>
-                  <a:tcPr anchor="ctr"/>
-                </a:tc>
-                <a:tc>
-                  <a:txBody>
-                    <a:bodyPr/>
-                    <a:lstStyle/>
-                    <a:p>
-                      <a:pPr algn="l" rtl="0" fontAlgn="base"/>
-                      <a:r>
-                        <a:rPr lang="en-US" sz="1800" b="0" dirty="0">
-                          <a:solidFill>
-                            <a:srgbClr val="000000"/>
-                          </a:solidFill>
-                          <a:effectLst/>
-                        </a:rPr>
-                        <a:t>10​</a:t>
-                      </a:r>
-                      <a:endParaRPr lang="en-US" b="0" i="0" dirty="0">
-                        <a:solidFill>
-                          <a:srgbClr val="000000"/>
-                        </a:solidFill>
-                        <a:effectLst/>
-                      </a:endParaRPr>
-                    </a:p>
-                  </a:txBody>
-                  <a:tcPr anchor="ctr"/>
-                </a:tc>
-                <a:tc>
-                  <a:txBody>
-                    <a:bodyPr/>
-                    <a:lstStyle/>
-                    <a:p>
-                      <a:pPr algn="l" rtl="0" fontAlgn="base"/>
-                      <a:r>
-                        <a:rPr lang="en-US" sz="1800" b="0" dirty="0">
-                          <a:solidFill>
-                            <a:srgbClr val="000000"/>
-                          </a:solidFill>
-                          <a:effectLst/>
-                        </a:rPr>
-                        <a:t>12​</a:t>
-                      </a:r>
-                      <a:endParaRPr lang="en-US" b="0" i="0" dirty="0">
-                        <a:solidFill>
-                          <a:srgbClr val="000000"/>
-                        </a:solidFill>
-                        <a:effectLst/>
-                      </a:endParaRPr>
-                    </a:p>
-                  </a:txBody>
-                  <a:tcPr anchor="ctr"/>
-                </a:tc>
-                <a:extLst>
-                  <a:ext uri="{0D108BD9-81ED-4DB2-BD59-A6C34878D82A}">
-                    <a16:rowId xmlns:a16="http://schemas.microsoft.com/office/drawing/2014/main" val="3683074674"/>
-                  </a:ext>
-                </a:extLst>
-              </a:tr>
-            </a:tbl>
-          </a:graphicData>
-        </a:graphic>
-      </p:graphicFrame>
-      <p:sp>
-        <p:nvSpPr>
-          <p:cNvPr id="2" name="Slide Number Placeholder 1">
-            <a:extLst>
-              <a:ext uri="{FF2B5EF4-FFF2-40B4-BE49-F238E27FC236}">
-                <a16:creationId xmlns:a16="http://schemas.microsoft.com/office/drawing/2014/main" id="{660EB401-2F91-2D90-C859-96484861E564}"/>
-              </a:ext>
-            </a:extLst>
-          </p:cNvPr>
-          <p:cNvSpPr>
-            <a:spLocks noGrp="1"/>
-          </p:cNvSpPr>
-          <p:nvPr>
-            <p:ph type="sldNum" sz="quarter" idx="12"/>
-          </p:nvPr>
-        </p:nvSpPr>
-        <p:spPr/>
-        <p:txBody>
-          <a:bodyPr/>
-          <a:lstStyle/>
-          <a:p>
-            <a:fld id="{B5CEABB6-07DC-46E8-9B57-56EC44A396E5}" type="slidenum">
-              <a:rPr lang="en-US" smtClean="0"/>
-              <a:pPr/>
-              <a:t>12</a:t>
-            </a:fld>
-            <a:endParaRPr lang="en-US" dirty="0"/>
-          </a:p>
-        </p:txBody>
-      </p:sp>
-    </p:spTree>
-    <p:extLst>
-      <p:ext uri="{BB962C8B-B14F-4D97-AF65-F5344CB8AC3E}">
-        <p14:creationId xmlns:p14="http://schemas.microsoft.com/office/powerpoint/2010/main" val="566997565"/>
       </p:ext>
     </p:extLst>
   </p:cSld>
@@ -22510,61 +22498,8 @@
           <a:lstStyle/>
           <a:p>
             <a:r>
-              <a:rPr lang="en-US" dirty="0"/>
+              <a:rPr lang="en-US"/>
               <a:t>THANK YOU</a:t>
-            </a:r>
-          </a:p>
-        </p:txBody>
-      </p:sp>
-      <p:sp>
-        <p:nvSpPr>
-          <p:cNvPr id="3" name="Content Placeholder 2">
-            <a:extLst>
-              <a:ext uri="{FF2B5EF4-FFF2-40B4-BE49-F238E27FC236}">
-                <a16:creationId xmlns:a16="http://schemas.microsoft.com/office/drawing/2014/main" id="{24AFFC60-19C3-4901-93F7-7AAF4C09F8C6}"/>
-              </a:ext>
-            </a:extLst>
-          </p:cNvPr>
-          <p:cNvSpPr>
-            <a:spLocks noGrp="1"/>
-          </p:cNvSpPr>
-          <p:nvPr>
-            <p:ph type="subTitle" idx="1"/>
-          </p:nvPr>
-        </p:nvSpPr>
-        <p:spPr>
-          <a:xfrm>
-            <a:off x="5896340" y="3423773"/>
-            <a:ext cx="5528217" cy="2029969"/>
-          </a:xfrm>
-        </p:spPr>
-        <p:txBody>
-          <a:bodyPr bIns="0">
-            <a:normAutofit lnSpcReduction="10000"/>
-          </a:bodyPr>
-          <a:lstStyle/>
-          <a:p>
-            <a:r>
-              <a:rPr lang="en-US" dirty="0"/>
-              <a:t>Brita Tamm​</a:t>
-            </a:r>
-          </a:p>
-          <a:p>
-            <a:r>
-              <a:rPr lang="en-US" dirty="0"/>
-              <a:t>502-555-0152​</a:t>
-            </a:r>
-          </a:p>
-          <a:p>
-            <a:r>
-              <a:rPr lang="en-US" dirty="0"/>
-              <a:t>brita@firstupconsultants.com​</a:t>
-            </a:r>
-          </a:p>
-          <a:p>
-            <a:r>
-              <a:rPr lang="en-US" dirty="0"/>
-              <a:t>www.firstupconsultants.com</a:t>
             </a:r>
           </a:p>
         </p:txBody>
@@ -22628,10 +22563,10 @@
           <a:lstStyle/>
           <a:p>
             <a:r>
-              <a:rPr lang="en-US" dirty="0"/>
+              <a:rPr lang="en-US"/>
               <a:t>Agenda</a:t>
             </a:r>
-            <a:endParaRPr lang="en-ZA" dirty="0"/>
+            <a:endParaRPr lang="en-ZA"/>
           </a:p>
         </p:txBody>
       </p:sp>
@@ -22664,37 +22599,37 @@
           <a:lstStyle/>
           <a:p>
             <a:r>
-              <a:rPr lang="en-US" dirty="0"/>
+              <a:rPr lang="en-US"/>
               <a:t>Introduction</a:t>
             </a:r>
           </a:p>
           <a:p>
             <a:r>
-              <a:rPr lang="en-US" dirty="0"/>
+              <a:rPr lang="en-US"/>
               <a:t>Project Objectives</a:t>
             </a:r>
           </a:p>
           <a:p>
             <a:r>
-              <a:rPr lang="en-US" dirty="0"/>
+              <a:rPr lang="en-US"/>
               <a:t>Application Scenarios</a:t>
             </a:r>
           </a:p>
           <a:p>
             <a:r>
-              <a:rPr lang="en-US" dirty="0"/>
+              <a:rPr lang="en-US"/>
               <a:t>Key features &amp; functionalities</a:t>
             </a:r>
           </a:p>
           <a:p>
             <a:r>
-              <a:rPr lang="en-US" dirty="0"/>
+              <a:rPr lang="en-US"/>
               <a:t>Demonstration</a:t>
             </a:r>
           </a:p>
           <a:p>
             <a:r>
-              <a:rPr lang="en-US" dirty="0"/>
+              <a:rPr lang="en-US"/>
               <a:t>Team contributions &amp; Roles</a:t>
             </a:r>
           </a:p>
@@ -22726,7 +22661,7 @@
               <a:pPr/>
               <a:t>2</a:t>
             </a:fld>
-            <a:endParaRPr lang="en-US" dirty="0"/>
+            <a:endParaRPr lang="en-US"/>
           </a:p>
         </p:txBody>
       </p:sp>
@@ -22778,8 +22713,8 @@
         </p:nvSpPr>
         <p:spPr>
           <a:xfrm>
-            <a:off x="762001" y="896112"/>
-            <a:ext cx="6589150" cy="1988706"/>
+            <a:off x="762001" y="318840"/>
+            <a:ext cx="6589150" cy="2565978"/>
           </a:xfrm>
         </p:spPr>
         <p:txBody>
@@ -22787,7 +22722,7 @@
           <a:lstStyle/>
           <a:p>
             <a:r>
-              <a:rPr lang="en-US" dirty="0"/>
+              <a:rPr lang="en-US"/>
               <a:t>Introduction</a:t>
             </a:r>
           </a:p>
@@ -22811,37 +22746,112 @@
         </p:nvSpPr>
         <p:spPr>
           <a:xfrm>
-            <a:off x="667109" y="2015317"/>
-            <a:ext cx="6597650" cy="3295650"/>
+            <a:off x="199584" y="1162914"/>
+            <a:ext cx="7873422" cy="3630468"/>
           </a:xfrm>
         </p:spPr>
         <p:txBody>
           <a:bodyPr vert="horz" lIns="91440" tIns="45720" rIns="91440" bIns="45720" rtlCol="0" anchor="t">
-            <a:normAutofit/>
+            <a:noAutofit/>
           </a:bodyPr>
           <a:lstStyle/>
           <a:p>
             <a:r>
-              <a:rPr lang="en-US" dirty="0"/>
-              <a:t>The Event Scheduler and Calendar for Students is a command-line application designed to help students manage their academic and personal schedules efficiently. This in-memory application allows users to create, modify, delete, and view events within a virtual calendar. </a:t>
-            </a:r>
-          </a:p>
-          <a:p>
-            <a:r>
-              <a:rPr lang="en-US" dirty="0"/>
-              <a:t>Key features include event management, searching and sorting capabilities, and generating event summaries. The application targets students who need a straightforward, fast, and flexible tool to </a:t>
+              <a:rPr lang="en-US" sz="2400"/>
+              <a:t>-</a:t>
             </a:r>
             <a:r>
-              <a:rPr lang="en-US" dirty="0" err="1"/>
-              <a:t>organise</a:t>
+              <a:rPr lang="en-US" sz="2400" b="1"/>
+              <a:t> </a:t>
             </a:r>
             <a:r>
-              <a:rPr lang="en-US" dirty="0"/>
-              <a:t> their time without requiring persistent storage.</a:t>
+              <a:rPr lang="en-US" sz="2000" b="1"/>
+              <a:t>Command-line application</a:t>
             </a:r>
           </a:p>
           <a:p>
-            <a:endParaRPr lang="en-US" dirty="0"/>
+            <a:r>
+              <a:rPr lang="en-US" sz="2000"/>
+              <a:t>    - Helps manage academic and personal schedules</a:t>
+            </a:r>
+          </a:p>
+          <a:p>
+            <a:r>
+              <a:rPr lang="en-US" sz="2000"/>
+              <a:t>    - In-memory application</a:t>
+            </a:r>
+          </a:p>
+          <a:p>
+            <a:r>
+              <a:rPr lang="en-US" sz="2000"/>
+              <a:t>    - Allows creation, modification, deletion, and viewing of events</a:t>
+            </a:r>
+          </a:p>
+          <a:p>
+            <a:endParaRPr lang="en-US" sz="2000"/>
+          </a:p>
+          <a:p>
+            <a:r>
+              <a:rPr lang="en-US" sz="2000"/>
+              <a:t>  -</a:t>
+            </a:r>
+            <a:r>
+              <a:rPr lang="en-US" sz="2000" b="1"/>
+              <a:t> Features</a:t>
+            </a:r>
+            <a:r>
+              <a:rPr lang="en-US" sz="2000"/>
+              <a:t>:</a:t>
+            </a:r>
+          </a:p>
+          <a:p>
+            <a:r>
+              <a:rPr lang="en-US" sz="2000"/>
+              <a:t>     - Event management</a:t>
+            </a:r>
+          </a:p>
+          <a:p>
+            <a:r>
+              <a:rPr lang="en-US" sz="2000"/>
+              <a:t>     - Searching and sorting capabilities</a:t>
+            </a:r>
+          </a:p>
+          <a:p>
+            <a:r>
+              <a:rPr lang="en-US" sz="2000"/>
+              <a:t>     - Generating event summaries</a:t>
+            </a:r>
+          </a:p>
+          <a:p>
+            <a:endParaRPr lang="en-US" sz="2000"/>
+          </a:p>
+          <a:p>
+            <a:r>
+              <a:rPr lang="en-US" sz="2000"/>
+              <a:t>  - </a:t>
+            </a:r>
+            <a:r>
+              <a:rPr lang="en-US" sz="2000" b="1"/>
+              <a:t>Target audience</a:t>
+            </a:r>
+            <a:r>
+              <a:rPr lang="en-US" sz="2000"/>
+              <a:t>:</a:t>
+            </a:r>
+          </a:p>
+          <a:p>
+            <a:r>
+              <a:rPr lang="en-US" sz="2000"/>
+              <a:t>   - Students needing a straightforward, fast, and </a:t>
+            </a:r>
+            <a:r>
+              <a:rPr lang="en-US" sz="2000">
+                <a:ea typeface="+mn-lt"/>
+                <a:cs typeface="+mn-lt"/>
+              </a:rPr>
+              <a:t> flexible scheduling tool </a:t>
+            </a:r>
+            <a:endParaRPr lang="en-US"/>
           </a:p>
         </p:txBody>
       </p:sp>
@@ -22871,7 +22881,7 @@
               <a:pPr/>
               <a:t>3</a:t>
             </a:fld>
-            <a:endParaRPr lang="en-US" dirty="0"/>
+            <a:endParaRPr lang="en-US"/>
           </a:p>
         </p:txBody>
       </p:sp>
@@ -22923,8 +22933,8 @@
         </p:nvSpPr>
         <p:spPr>
           <a:xfrm>
-            <a:off x="771736" y="896112"/>
-            <a:ext cx="9389288" cy="1362456"/>
+            <a:off x="771736" y="295749"/>
+            <a:ext cx="9389288" cy="1962819"/>
           </a:xfrm>
         </p:spPr>
         <p:txBody>
@@ -22932,7 +22942,7 @@
           <a:lstStyle/>
           <a:p>
             <a:r>
-              <a:rPr lang="en-US" dirty="0"/>
+              <a:rPr lang="en-US"/>
               <a:t>Project objectives</a:t>
             </a:r>
           </a:p>
@@ -22956,8 +22966,8 @@
         </p:nvSpPr>
         <p:spPr>
           <a:xfrm>
-            <a:off x="771525" y="2590800"/>
-            <a:ext cx="9019456" cy="3505200"/>
+            <a:off x="771525" y="1563256"/>
+            <a:ext cx="9019456" cy="4532744"/>
           </a:xfrm>
         </p:spPr>
         <p:txBody>
@@ -22967,32 +22977,60 @@
           <a:lstStyle/>
           <a:p>
             <a:r>
-              <a:rPr lang="en-US" dirty="0"/>
+              <a:rPr lang="en-US" sz="2800" b="1"/>
               <a:t>Objectives</a:t>
             </a:r>
           </a:p>
           <a:p>
+            <a:endParaRPr lang="en-US" sz="2000" b="1"/>
+          </a:p>
+          <a:p>
             <a:r>
-              <a:rPr lang="en-US" dirty="0"/>
-              <a:t>User-Friendly: Provide an intuitive CLI for managing events.</a:t>
+              <a:rPr lang="en-US" b="1"/>
+              <a:t>User-Friendly</a:t>
             </a:r>
-          </a:p>
-          <a:p>
             <a:r>
-              <a:rPr lang="en-US" dirty="0"/>
-              <a:t>Efficient In-Memory Management: Utilize efficient data structures for storing and retrieving event data.</a:t>
+              <a:rPr lang="en-US"/>
+              <a:t>: Provide an intuitive CLI for managing events.</a:t>
             </a:r>
           </a:p>
           <a:p>
+            <a:endParaRPr lang="en-US"/>
+          </a:p>
+          <a:p>
             <a:r>
-              <a:rPr lang="en-US" dirty="0"/>
-              <a:t>Comprehensive Filtering: Enable users to filter, search, and sort events based on various attributes.</a:t>
+              <a:rPr lang="en-US" b="1"/>
+              <a:t>Efficient In-Memory Management</a:t>
             </a:r>
-          </a:p>
-          <a:p>
             <a:r>
-              <a:rPr lang="en-US" dirty="0"/>
-              <a:t>Event Summarization: Generate summaries of events for specified date ranges</a:t>
+              <a:rPr lang="en-US"/>
+              <a:t>: Utilize efficient data structures for storing and retrieving event data.</a:t>
+            </a:r>
+          </a:p>
+          <a:p>
+            <a:endParaRPr lang="en-US"/>
+          </a:p>
+          <a:p>
+            <a:r>
+              <a:rPr lang="en-US" b="1"/>
+              <a:t>Comprehensive Filtering</a:t>
+            </a:r>
+            <a:r>
+              <a:rPr lang="en-US"/>
+              <a:t>: Enable users to filter, search, and sort events based on various attributes.</a:t>
+            </a:r>
+          </a:p>
+          <a:p>
+            <a:endParaRPr lang="en-US"/>
+          </a:p>
+          <a:p>
+            <a:r>
+              <a:rPr lang="en-US" b="1"/>
+              <a:t>Event Summarization</a:t>
+            </a:r>
+            <a:r>
+              <a:rPr lang="en-US"/>
+              <a:t>: Generate summaries of events for specified date ranges</a:t>
             </a:r>
           </a:p>
         </p:txBody>
@@ -23023,7 +23061,7 @@
               <a:pPr/>
               <a:t>4</a:t>
             </a:fld>
-            <a:endParaRPr lang="en-US" dirty="0"/>
+            <a:endParaRPr lang="en-US"/>
           </a:p>
         </p:txBody>
       </p:sp>
@@ -23073,13 +23111,18 @@
             <p:ph type="title"/>
           </p:nvPr>
         </p:nvSpPr>
-        <p:spPr/>
+        <p:spPr>
+          <a:xfrm>
+            <a:off x="771736" y="261112"/>
+            <a:ext cx="9389288" cy="1997456"/>
+          </a:xfrm>
+        </p:spPr>
         <p:txBody>
           <a:bodyPr/>
           <a:lstStyle/>
           <a:p>
             <a:r>
-              <a:rPr lang="en-US" dirty="0"/>
+              <a:rPr lang="en-US"/>
               <a:t>Application scenarios</a:t>
             </a:r>
           </a:p>
@@ -23111,7 +23154,7 @@
               <a:pPr/>
               <a:t>5</a:t>
             </a:fld>
-            <a:endParaRPr lang="en-US" dirty="0"/>
+            <a:endParaRPr lang="en-US"/>
           </a:p>
         </p:txBody>
       </p:sp>
@@ -23138,7 +23181,9 @@
           </a:xfrm>
         </p:spPr>
         <p:txBody>
-          <a:bodyPr/>
+          <a:bodyPr vert="horz" lIns="91440" tIns="45720" rIns="91440" bIns="45720" rtlCol="0" anchor="t">
+            <a:normAutofit/>
+          </a:bodyPr>
           <a:lstStyle/>
           <a:p>
             <a:pPr marL="285750" indent="-285750">
@@ -23146,9 +23191,16 @@
               <a:buChar char="•"/>
             </a:pPr>
             <a:r>
-              <a:rPr lang="en-US" dirty="0"/>
+              <a:rPr lang="en-US" sz="2400"/>
               <a:t>Student Event Management</a:t>
             </a:r>
+          </a:p>
+          <a:p>
+            <a:pPr marL="285750" indent="-285750">
+              <a:buFont typeface="Arial" panose="020B0604020202020204" pitchFamily="34" charset="0"/>
+              <a:buChar char="•"/>
+            </a:pPr>
+            <a:endParaRPr lang="en-US" sz="2400"/>
           </a:p>
           <a:p>
             <a:pPr marL="285750" indent="-285750">
@@ -23156,9 +23208,16 @@
               <a:buChar char="•"/>
             </a:pPr>
             <a:r>
-              <a:rPr lang="en-US" dirty="0"/>
+              <a:rPr lang="en-US" sz="2400"/>
               <a:t>Academic Calendar Organization</a:t>
             </a:r>
+          </a:p>
+          <a:p>
+            <a:pPr marL="285750" indent="-285750">
+              <a:buFont typeface="Arial" panose="020B0604020202020204" pitchFamily="34" charset="0"/>
+              <a:buChar char="•"/>
+            </a:pPr>
+            <a:endParaRPr lang="en-US" sz="2400"/>
           </a:p>
           <a:p>
             <a:pPr marL="285750" indent="-285750">
@@ -23166,9 +23225,16 @@
               <a:buChar char="•"/>
             </a:pPr>
             <a:r>
-              <a:rPr lang="en-US" dirty="0"/>
+              <a:rPr lang="en-US" sz="2400"/>
               <a:t>Club and Organization Event Planning</a:t>
             </a:r>
+          </a:p>
+          <a:p>
+            <a:pPr marL="285750" indent="-285750">
+              <a:buFont typeface="Arial" panose="020B0604020202020204" pitchFamily="34" charset="0"/>
+              <a:buChar char="•"/>
+            </a:pPr>
+            <a:endParaRPr lang="en-US" sz="2400"/>
           </a:p>
           <a:p>
             <a:pPr marL="285750" indent="-285750">
@@ -23176,7 +23242,7 @@
               <a:buChar char="•"/>
             </a:pPr>
             <a:r>
-              <a:rPr lang="en-US" dirty="0"/>
+              <a:rPr lang="en-US" sz="2400"/>
               <a:t>Personal Time Management and Planning</a:t>
             </a:r>
           </a:p>
@@ -23239,7 +23305,7 @@
           <a:lstStyle/>
           <a:p>
             <a:r>
-              <a:rPr lang="en-US" dirty="0"/>
+              <a:rPr lang="en-US"/>
               <a:t>Key features</a:t>
             </a:r>
           </a:p>
@@ -23271,7 +23337,7 @@
               <a:pPr/>
               <a:t>6</a:t>
             </a:fld>
-            <a:endParaRPr lang="en-US" dirty="0"/>
+            <a:endParaRPr lang="en-US"/>
           </a:p>
         </p:txBody>
       </p:sp>
@@ -23293,8 +23359,8 @@
         </p:nvSpPr>
         <p:spPr bwMode="auto">
           <a:xfrm>
-            <a:off x="2984515" y="1157008"/>
-            <a:ext cx="8687025" cy="5355312"/>
+            <a:off x="3036468" y="914600"/>
+            <a:ext cx="8635072" cy="5632311"/>
           </a:xfrm>
           <a:prstGeom prst="rect">
             <a:avLst/>
@@ -23358,7 +23424,7 @@
               <a:buNone/>
               <a:tabLst/>
             </a:pPr>
-            <a:endParaRPr kumimoji="0" lang="en-US" altLang="en-US" sz="1800" b="0" i="0" u="none" strike="noStrike" cap="none" normalizeH="0" baseline="0" dirty="0">
+            <a:endParaRPr kumimoji="0" lang="en-US" altLang="en-US" sz="2400" b="0" i="0" u="none" strike="noStrike" cap="none" normalizeH="0" baseline="0">
               <a:ln>
                 <a:noFill/>
               </a:ln>
@@ -23387,18 +23453,24 @@
               <a:tabLst/>
             </a:pPr>
             <a:r>
-              <a:rPr kumimoji="0" lang="en-US" altLang="en-US" sz="1800" b="0" i="0" u="none" strike="noStrike" cap="none" normalizeH="0" baseline="0" dirty="0">
+              <a:rPr kumimoji="0" lang="en-US" altLang="en-US" sz="2800" b="1" i="0" u="none" strike="noStrike" cap="none" normalizeH="0" baseline="0">
                 <a:ln>
                   <a:noFill/>
                 </a:ln>
-                <a:solidFill>
-                  <a:schemeClr val="tx1"/>
-                </a:solidFill>
                 <a:effectLst/>
-                <a:latin typeface="Arial" panose="020B0604020202020204" pitchFamily="34" charset="0"/>
+                <a:latin typeface="Arial"/>
+                <a:cs typeface="Arial"/>
               </a:rPr>
               <a:t>Event Management </a:t>
             </a:r>
+            <a:endParaRPr lang="en-US" altLang="en-US" sz="2800" b="1" i="0" u="none" strike="noStrike" cap="none" normalizeH="0" baseline="0">
+              <a:ln>
+                <a:noFill/>
+              </a:ln>
+              <a:effectLst/>
+              <a:latin typeface="Arial"/>
+              <a:cs typeface="Arial"/>
+            </a:endParaRPr>
           </a:p>
           <a:p>
             <a:pPr marL="400050" lvl="1" indent="0" eaLnBrk="0" fontAlgn="base" hangingPunct="0">
@@ -23415,18 +23487,24 @@
               <a:buChar char="•"/>
             </a:pPr>
             <a:r>
-              <a:rPr kumimoji="0" lang="en-US" altLang="en-US" b="0" i="0" u="none" strike="noStrike" cap="none" normalizeH="0" baseline="0" dirty="0">
+              <a:rPr kumimoji="0" lang="en-US" altLang="en-US" sz="2800" b="0" i="0" u="none" strike="noStrike" cap="none" normalizeH="0" baseline="0">
                 <a:ln>
                   <a:noFill/>
                 </a:ln>
-                <a:solidFill>
-                  <a:schemeClr val="tx1"/>
-                </a:solidFill>
                 <a:effectLst/>
-                <a:latin typeface="Arial" panose="020B0604020202020204" pitchFamily="34" charset="0"/>
+                <a:latin typeface="Arial"/>
+                <a:cs typeface="Arial"/>
               </a:rPr>
               <a:t> Create, modify, delete, and retrieve events </a:t>
             </a:r>
+            <a:endParaRPr lang="en-US" altLang="en-US" sz="2800" b="0" i="0" u="none" strike="noStrike" cap="none" normalizeH="0" baseline="0">
+              <a:ln>
+                <a:noFill/>
+              </a:ln>
+              <a:effectLst/>
+              <a:latin typeface="Arial"/>
+              <a:cs typeface="Arial"/>
+            </a:endParaRPr>
           </a:p>
           <a:p>
             <a:pPr marL="400050" lvl="1" indent="0" eaLnBrk="0" fontAlgn="base" hangingPunct="0">
@@ -23443,18 +23521,43 @@
               <a:buChar char="•"/>
             </a:pPr>
             <a:r>
-              <a:rPr kumimoji="0" lang="en-US" altLang="en-US" b="0" i="0" u="none" strike="noStrike" cap="none" normalizeH="0" baseline="0" dirty="0">
+              <a:rPr kumimoji="0" lang="en-US" altLang="en-US" sz="2800" b="0" i="0" u="none" strike="noStrike" cap="none" normalizeH="0" baseline="0">
                 <a:ln>
                   <a:noFill/>
                 </a:ln>
-                <a:solidFill>
-                  <a:schemeClr val="tx1"/>
-                </a:solidFill>
                 <a:effectLst/>
-                <a:latin typeface="Arial" panose="020B0604020202020204" pitchFamily="34" charset="0"/>
+                <a:latin typeface="Arial"/>
+                <a:cs typeface="Arial"/>
               </a:rPr>
               <a:t>Detailed event information (title, date, time, location, etc.) </a:t>
             </a:r>
+            <a:endParaRPr lang="en-US" altLang="en-US" sz="2800" b="0" i="0" u="none" strike="noStrike" cap="none" normalizeH="0" baseline="0">
+              <a:ln>
+                <a:noFill/>
+              </a:ln>
+              <a:effectLst/>
+              <a:latin typeface="Arial"/>
+              <a:cs typeface="Arial"/>
+            </a:endParaRPr>
+          </a:p>
+          <a:p>
+            <a:pPr marL="400050" lvl="1" indent="0">
+              <a:lnSpc>
+                <a:spcPct val="100000"/>
+              </a:lnSpc>
+              <a:spcBef>
+                <a:spcPct val="0"/>
+              </a:spcBef>
+              <a:spcAft>
+                <a:spcPct val="0"/>
+              </a:spcAft>
+              <a:buFontTx/>
+              <a:buChar char="•"/>
+            </a:pPr>
+            <a:endParaRPr lang="en-US" altLang="en-US" sz="2800">
+              <a:latin typeface="Arial"/>
+              <a:cs typeface="Arial"/>
+            </a:endParaRPr>
           </a:p>
           <a:p>
             <a:pPr marL="0" marR="0" lvl="0" indent="0" algn="l" defTabSz="914400" rtl="0" eaLnBrk="0" fontAlgn="base" latinLnBrk="0" hangingPunct="0">
@@ -23474,18 +23577,24 @@
               <a:tabLst/>
             </a:pPr>
             <a:r>
-              <a:rPr kumimoji="0" lang="en-US" altLang="en-US" sz="1800" b="0" i="0" u="none" strike="noStrike" cap="none" normalizeH="0" baseline="0" dirty="0">
+              <a:rPr kumimoji="0" lang="en-US" altLang="en-US" sz="2800" b="1" i="0" u="none" strike="noStrike" cap="none" normalizeH="0" baseline="0">
                 <a:ln>
                   <a:noFill/>
                 </a:ln>
-                <a:solidFill>
-                  <a:schemeClr val="tx1"/>
-                </a:solidFill>
                 <a:effectLst/>
-                <a:latin typeface="Arial" panose="020B0604020202020204" pitchFamily="34" charset="0"/>
+                <a:latin typeface="Arial"/>
+                <a:cs typeface="Arial"/>
               </a:rPr>
               <a:t>Collection Management </a:t>
             </a:r>
+            <a:endParaRPr lang="en-US" altLang="en-US" sz="2800" b="1" i="0" u="none" strike="noStrike" cap="none" normalizeH="0" baseline="0">
+              <a:ln>
+                <a:noFill/>
+              </a:ln>
+              <a:effectLst/>
+              <a:latin typeface="Arial"/>
+              <a:cs typeface="Arial"/>
+            </a:endParaRPr>
           </a:p>
           <a:p>
             <a:pPr marL="400050" lvl="1" indent="0" eaLnBrk="0" fontAlgn="base" hangingPunct="0">
@@ -23502,18 +23611,24 @@
               <a:buChar char="•"/>
             </a:pPr>
             <a:r>
-              <a:rPr kumimoji="0" lang="en-US" altLang="en-US" b="0" i="0" u="none" strike="noStrike" cap="none" normalizeH="0" baseline="0" dirty="0">
+              <a:rPr kumimoji="0" lang="en-US" altLang="en-US" sz="2800" b="0" i="0" u="none" strike="noStrike" cap="none" normalizeH="0" baseline="0">
                 <a:ln>
                   <a:noFill/>
                 </a:ln>
-                <a:solidFill>
-                  <a:schemeClr val="tx1"/>
-                </a:solidFill>
                 <a:effectLst/>
-                <a:latin typeface="Arial" panose="020B0604020202020204" pitchFamily="34" charset="0"/>
+                <a:latin typeface="Arial"/>
+                <a:cs typeface="Arial"/>
               </a:rPr>
               <a:t>Add/remove events from collection </a:t>
             </a:r>
+            <a:endParaRPr lang="en-US" altLang="en-US" sz="2800" b="0" i="0" u="none" strike="noStrike" cap="none" normalizeH="0" baseline="0">
+              <a:ln>
+                <a:noFill/>
+              </a:ln>
+              <a:effectLst/>
+              <a:latin typeface="Arial"/>
+              <a:cs typeface="Arial"/>
+            </a:endParaRPr>
           </a:p>
           <a:p>
             <a:pPr marL="400050" lvl="1" indent="0" eaLnBrk="0" fontAlgn="base" hangingPunct="0">
@@ -23530,18 +23645,43 @@
               <a:buChar char="•"/>
             </a:pPr>
             <a:r>
-              <a:rPr kumimoji="0" lang="en-US" altLang="en-US" b="0" i="0" u="none" strike="noStrike" cap="none" normalizeH="0" baseline="0" dirty="0">
+              <a:rPr kumimoji="0" lang="en-US" altLang="en-US" sz="2800" b="0" i="0" u="none" strike="noStrike" cap="none" normalizeH="0" baseline="0">
                 <a:ln>
                   <a:noFill/>
                 </a:ln>
-                <a:solidFill>
-                  <a:schemeClr val="tx1"/>
-                </a:solidFill>
                 <a:effectLst/>
-                <a:latin typeface="Arial" panose="020B0604020202020204" pitchFamily="34" charset="0"/>
+                <a:latin typeface="Arial"/>
+                <a:cs typeface="Arial"/>
               </a:rPr>
               <a:t>Efficient storage using HashSet </a:t>
             </a:r>
+            <a:endParaRPr lang="en-US" altLang="en-US" sz="2800" b="0" i="0" u="none" strike="noStrike" cap="none" normalizeH="0" baseline="0">
+              <a:ln>
+                <a:noFill/>
+              </a:ln>
+              <a:effectLst/>
+              <a:latin typeface="Arial"/>
+              <a:cs typeface="Arial"/>
+            </a:endParaRPr>
+          </a:p>
+          <a:p>
+            <a:pPr marL="400050" lvl="1" indent="0">
+              <a:lnSpc>
+                <a:spcPct val="100000"/>
+              </a:lnSpc>
+              <a:spcBef>
+                <a:spcPct val="0"/>
+              </a:spcBef>
+              <a:spcAft>
+                <a:spcPct val="0"/>
+              </a:spcAft>
+              <a:buFontTx/>
+              <a:buChar char="•"/>
+            </a:pPr>
+            <a:endParaRPr lang="en-US" altLang="en-US" sz="2800">
+              <a:latin typeface="Arial"/>
+              <a:cs typeface="Arial"/>
+            </a:endParaRPr>
           </a:p>
           <a:p>
             <a:pPr marL="0" marR="0" lvl="0" indent="0" algn="l" defTabSz="914400" rtl="0" eaLnBrk="0" fontAlgn="base" latinLnBrk="0" hangingPunct="0">
@@ -23561,18 +23701,24 @@
               <a:tabLst/>
             </a:pPr>
             <a:r>
-              <a:rPr kumimoji="0" lang="en-US" altLang="en-US" sz="1800" b="0" i="0" u="none" strike="noStrike" cap="none" normalizeH="0" baseline="0" dirty="0">
+              <a:rPr kumimoji="0" lang="en-US" altLang="en-US" sz="2800" b="1" i="0" u="none" strike="noStrike" cap="none" normalizeH="0" baseline="0">
                 <a:ln>
                   <a:noFill/>
                 </a:ln>
-                <a:solidFill>
-                  <a:schemeClr val="tx1"/>
-                </a:solidFill>
                 <a:effectLst/>
-                <a:latin typeface="Arial" panose="020B0604020202020204" pitchFamily="34" charset="0"/>
+                <a:latin typeface="Arial"/>
+                <a:cs typeface="Arial"/>
               </a:rPr>
               <a:t>Search and Filter </a:t>
             </a:r>
+            <a:endParaRPr lang="en-US" altLang="en-US" sz="2800" b="1" i="0" u="none" strike="noStrike" cap="none" normalizeH="0" baseline="0">
+              <a:ln>
+                <a:noFill/>
+              </a:ln>
+              <a:effectLst/>
+              <a:latin typeface="Arial"/>
+              <a:cs typeface="Arial"/>
+            </a:endParaRPr>
           </a:p>
           <a:p>
             <a:pPr marL="400050" lvl="1" indent="0" eaLnBrk="0" fontAlgn="base" hangingPunct="0">
@@ -23589,18 +23735,24 @@
               <a:buChar char="•"/>
             </a:pPr>
             <a:r>
-              <a:rPr kumimoji="0" lang="en-US" altLang="en-US" b="0" i="0" u="none" strike="noStrike" cap="none" normalizeH="0" baseline="0" dirty="0">
+              <a:rPr kumimoji="0" lang="en-US" altLang="en-US" sz="2800" b="0" i="0" u="none" strike="noStrike" cap="none" normalizeH="0" baseline="0">
                 <a:ln>
                   <a:noFill/>
                 </a:ln>
-                <a:solidFill>
-                  <a:schemeClr val="tx1"/>
-                </a:solidFill>
                 <a:effectLst/>
-                <a:latin typeface="Arial" panose="020B0604020202020204" pitchFamily="34" charset="0"/>
+                <a:latin typeface="Arial"/>
+                <a:cs typeface="Arial"/>
               </a:rPr>
               <a:t> Search by various attributes </a:t>
             </a:r>
+            <a:endParaRPr lang="en-US" altLang="en-US" sz="2800" b="0" i="0" u="none" strike="noStrike" cap="none" normalizeH="0" baseline="0">
+              <a:ln>
+                <a:noFill/>
+              </a:ln>
+              <a:effectLst/>
+              <a:latin typeface="Arial"/>
+              <a:cs typeface="Arial"/>
+            </a:endParaRPr>
           </a:p>
           <a:p>
             <a:pPr marL="400050" lvl="1" indent="0" eaLnBrk="0" fontAlgn="base" hangingPunct="0">
@@ -23617,275 +23769,23 @@
               <a:buChar char="•"/>
             </a:pPr>
             <a:r>
-              <a:rPr kumimoji="0" lang="en-US" altLang="en-US" b="0" i="0" u="none" strike="noStrike" cap="none" normalizeH="0" baseline="0" dirty="0">
+              <a:rPr kumimoji="0" lang="en-US" altLang="en-US" sz="2800" b="0" i="0" u="none" strike="noStrike" cap="none" normalizeH="0" baseline="0">
                 <a:ln>
                   <a:noFill/>
                 </a:ln>
-                <a:solidFill>
-                  <a:schemeClr val="tx1"/>
-                </a:solidFill>
                 <a:effectLst/>
-                <a:latin typeface="Arial" panose="020B0604020202020204" pitchFamily="34" charset="0"/>
+                <a:latin typeface="Arial"/>
+                <a:cs typeface="Arial"/>
               </a:rPr>
               <a:t>Filter events by date range </a:t>
             </a:r>
-          </a:p>
-          <a:p>
-            <a:pPr marL="0" marR="0" lvl="0" indent="0" algn="l" defTabSz="914400" rtl="0" eaLnBrk="0" fontAlgn="base" latinLnBrk="0" hangingPunct="0">
-              <a:lnSpc>
-                <a:spcPct val="100000"/>
-              </a:lnSpc>
-              <a:spcBef>
-                <a:spcPct val="0"/>
-              </a:spcBef>
-              <a:spcAft>
-                <a:spcPct val="0"/>
-              </a:spcAft>
-              <a:buClrTx/>
-              <a:buSzTx/>
-              <a:buFontTx/>
-              <a:buChar char="•"/>
-              <a:tabLst/>
-            </a:pPr>
-            <a:r>
-              <a:rPr kumimoji="0" lang="en-US" altLang="en-US" sz="1800" b="0" i="0" u="none" strike="noStrike" cap="none" normalizeH="0" baseline="0" dirty="0">
-                <a:ln>
-                  <a:noFill/>
-                </a:ln>
-                <a:solidFill>
-                  <a:schemeClr val="tx1"/>
-                </a:solidFill>
-                <a:effectLst/>
-                <a:latin typeface="Arial" panose="020B0604020202020204" pitchFamily="34" charset="0"/>
-              </a:rPr>
-              <a:t>Sorting </a:t>
-            </a:r>
-          </a:p>
-          <a:p>
-            <a:pPr marL="400050" lvl="1" indent="0" eaLnBrk="0" fontAlgn="base" hangingPunct="0">
-              <a:lnSpc>
-                <a:spcPct val="100000"/>
-              </a:lnSpc>
-              <a:spcBef>
-                <a:spcPct val="0"/>
-              </a:spcBef>
-              <a:spcAft>
-                <a:spcPct val="0"/>
-              </a:spcAft>
-              <a:buFontTx/>
-              <a:buChar char="•"/>
-            </a:pPr>
-            <a:r>
-              <a:rPr kumimoji="0" lang="en-US" altLang="en-US" b="0" i="0" u="none" strike="noStrike" cap="none" normalizeH="0" baseline="0" dirty="0">
-                <a:ln>
-                  <a:noFill/>
-                </a:ln>
-                <a:solidFill>
-                  <a:schemeClr val="tx1"/>
-                </a:solidFill>
-                <a:effectLst/>
-                <a:latin typeface="Arial" panose="020B0604020202020204" pitchFamily="34" charset="0"/>
-              </a:rPr>
-              <a:t> Sort events by different attributes </a:t>
-            </a:r>
-          </a:p>
-          <a:p>
-            <a:pPr marL="0" marR="0" lvl="0" indent="0" algn="l" defTabSz="914400" rtl="0" eaLnBrk="0" fontAlgn="base" latinLnBrk="0" hangingPunct="0">
-              <a:lnSpc>
-                <a:spcPct val="100000"/>
-              </a:lnSpc>
-              <a:spcBef>
-                <a:spcPct val="0"/>
-              </a:spcBef>
-              <a:spcAft>
-                <a:spcPct val="0"/>
-              </a:spcAft>
-              <a:buClrTx/>
-              <a:buSzTx/>
-              <a:buFontTx/>
-              <a:buChar char="•"/>
-              <a:tabLst/>
-            </a:pPr>
-            <a:r>
-              <a:rPr kumimoji="0" lang="en-US" altLang="en-US" sz="1800" b="0" i="0" u="none" strike="noStrike" cap="none" normalizeH="0" baseline="0" dirty="0">
-                <a:ln>
-                  <a:noFill/>
-                </a:ln>
-                <a:solidFill>
-                  <a:schemeClr val="tx1"/>
-                </a:solidFill>
-                <a:effectLst/>
-                <a:latin typeface="Arial" panose="020B0604020202020204" pitchFamily="34" charset="0"/>
-              </a:rPr>
-              <a:t>Viewing and Display </a:t>
-            </a:r>
-          </a:p>
-          <a:p>
-            <a:pPr marL="400050" lvl="1" indent="0" eaLnBrk="0" fontAlgn="base" hangingPunct="0">
-              <a:lnSpc>
-                <a:spcPct val="100000"/>
-              </a:lnSpc>
-              <a:spcBef>
-                <a:spcPct val="0"/>
-              </a:spcBef>
-              <a:spcAft>
-                <a:spcPct val="0"/>
-              </a:spcAft>
-              <a:buFontTx/>
-              <a:buChar char="•"/>
-            </a:pPr>
-            <a:r>
-              <a:rPr kumimoji="0" lang="en-US" altLang="en-US" b="0" i="0" u="none" strike="noStrike" cap="none" normalizeH="0" baseline="0" dirty="0">
-                <a:ln>
-                  <a:noFill/>
-                </a:ln>
-                <a:solidFill>
-                  <a:schemeClr val="tx1"/>
-                </a:solidFill>
-                <a:effectLst/>
-                <a:latin typeface="Arial" panose="020B0604020202020204" pitchFamily="34" charset="0"/>
-              </a:rPr>
-              <a:t> View filtered events 	</a:t>
-            </a:r>
-          </a:p>
-          <a:p>
-            <a:pPr marL="400050" lvl="1" indent="0" eaLnBrk="0" fontAlgn="base" hangingPunct="0">
-              <a:lnSpc>
-                <a:spcPct val="100000"/>
-              </a:lnSpc>
-              <a:spcBef>
-                <a:spcPct val="0"/>
-              </a:spcBef>
-              <a:spcAft>
-                <a:spcPct val="0"/>
-              </a:spcAft>
-              <a:buFontTx/>
-              <a:buChar char="•"/>
-            </a:pPr>
-            <a:r>
-              <a:rPr kumimoji="0" lang="en-US" altLang="en-US" b="0" i="0" u="none" strike="noStrike" cap="none" normalizeH="0" baseline="0" dirty="0">
-                <a:ln>
-                  <a:noFill/>
-                </a:ln>
-                <a:solidFill>
-                  <a:schemeClr val="tx1"/>
-                </a:solidFill>
-                <a:effectLst/>
-                <a:latin typeface="Arial" panose="020B0604020202020204" pitchFamily="34" charset="0"/>
-              </a:rPr>
-              <a:t>Comprehensive event details </a:t>
-            </a:r>
-          </a:p>
-          <a:p>
-            <a:pPr marL="0" marR="0" lvl="0" indent="0" algn="l" defTabSz="914400" rtl="0" eaLnBrk="0" fontAlgn="base" latinLnBrk="0" hangingPunct="0">
-              <a:lnSpc>
-                <a:spcPct val="100000"/>
-              </a:lnSpc>
-              <a:spcBef>
-                <a:spcPct val="0"/>
-              </a:spcBef>
-              <a:spcAft>
-                <a:spcPct val="0"/>
-              </a:spcAft>
-              <a:buClrTx/>
-              <a:buSzTx/>
-              <a:buFontTx/>
-              <a:buChar char="•"/>
-              <a:tabLst/>
-            </a:pPr>
-            <a:r>
-              <a:rPr kumimoji="0" lang="en-US" altLang="en-US" sz="1800" b="0" i="0" u="none" strike="noStrike" cap="none" normalizeH="0" baseline="0" dirty="0">
-                <a:ln>
-                  <a:noFill/>
-                </a:ln>
-                <a:solidFill>
-                  <a:schemeClr val="tx1"/>
-                </a:solidFill>
-                <a:effectLst/>
-                <a:latin typeface="Arial" panose="020B0604020202020204" pitchFamily="34" charset="0"/>
-              </a:rPr>
-              <a:t>Event Summaries </a:t>
-            </a:r>
-          </a:p>
-          <a:p>
-            <a:pPr marL="400050" lvl="1" indent="0" eaLnBrk="0" fontAlgn="base" hangingPunct="0">
-              <a:lnSpc>
-                <a:spcPct val="100000"/>
-              </a:lnSpc>
-              <a:spcBef>
-                <a:spcPct val="0"/>
-              </a:spcBef>
-              <a:spcAft>
-                <a:spcPct val="0"/>
-              </a:spcAft>
-              <a:buFontTx/>
-              <a:buChar char="•"/>
-            </a:pPr>
-            <a:r>
-              <a:rPr kumimoji="0" lang="en-US" altLang="en-US" b="0" i="0" u="none" strike="noStrike" cap="none" normalizeH="0" baseline="0" dirty="0">
-                <a:ln>
-                  <a:noFill/>
-                </a:ln>
-                <a:solidFill>
-                  <a:schemeClr val="tx1"/>
-                </a:solidFill>
-                <a:effectLst/>
-                <a:latin typeface="Arial" panose="020B0604020202020204" pitchFamily="34" charset="0"/>
-              </a:rPr>
-              <a:t> Generate event statistics </a:t>
-            </a:r>
-          </a:p>
-          <a:p>
-            <a:pPr marL="400050" lvl="1" indent="0" eaLnBrk="0" fontAlgn="base" hangingPunct="0">
-              <a:lnSpc>
-                <a:spcPct val="100000"/>
-              </a:lnSpc>
-              <a:spcBef>
-                <a:spcPct val="0"/>
-              </a:spcBef>
-              <a:spcAft>
-                <a:spcPct val="0"/>
-              </a:spcAft>
-              <a:buFontTx/>
-              <a:buChar char="•"/>
-            </a:pPr>
-            <a:r>
-              <a:rPr kumimoji="0" lang="en-US" altLang="en-US" b="0" i="0" u="none" strike="noStrike" cap="none" normalizeH="0" baseline="0" dirty="0">
-                <a:ln>
-                  <a:noFill/>
-                </a:ln>
-                <a:solidFill>
-                  <a:schemeClr val="tx1"/>
-                </a:solidFill>
-                <a:effectLst/>
-                <a:latin typeface="Arial" panose="020B0604020202020204" pitchFamily="34" charset="0"/>
-              </a:rPr>
-              <a:t> Summaries for all events or date range </a:t>
-            </a:r>
-          </a:p>
-          <a:p>
-            <a:pPr marL="400050" lvl="1" indent="0" eaLnBrk="0" fontAlgn="base" hangingPunct="0">
-              <a:lnSpc>
-                <a:spcPct val="100000"/>
-              </a:lnSpc>
-              <a:spcBef>
-                <a:spcPct val="0"/>
-              </a:spcBef>
-              <a:spcAft>
-                <a:spcPct val="0"/>
-              </a:spcAft>
-              <a:buFontTx/>
-              <a:buChar char="•"/>
-            </a:pPr>
-            <a:endParaRPr kumimoji="0" lang="en-US" altLang="en-US" b="0" i="0" u="none" strike="noStrike" cap="none" normalizeH="0" baseline="0" dirty="0">
+            <a:endParaRPr lang="en-US" altLang="en-US" sz="2800" b="0" i="0" u="none" strike="noStrike" cap="none" normalizeH="0" baseline="0">
               <a:ln>
                 <a:noFill/>
               </a:ln>
-              <a:solidFill>
-                <a:schemeClr val="tx1"/>
-              </a:solidFill>
               <a:effectLst/>
-              <a:latin typeface="Arial" panose="020B0604020202020204" pitchFamily="34" charset="0"/>
+              <a:latin typeface="Arial"/>
+              <a:cs typeface="Arial"/>
             </a:endParaRPr>
           </a:p>
         </p:txBody>
@@ -23947,7 +23847,7 @@
           <a:lstStyle/>
           <a:p>
             <a:r>
-              <a:rPr lang="en-US" dirty="0"/>
+              <a:rPr lang="en-US"/>
               <a:t>Key features</a:t>
             </a:r>
           </a:p>
@@ -23979,7 +23879,7 @@
               <a:pPr/>
               <a:t>7</a:t>
             </a:fld>
-            <a:endParaRPr lang="en-US" dirty="0"/>
+            <a:endParaRPr lang="en-US"/>
           </a:p>
         </p:txBody>
       </p:sp>
@@ -24001,8 +23901,8 @@
         </p:nvSpPr>
         <p:spPr bwMode="auto">
           <a:xfrm>
-            <a:off x="2984515" y="2265005"/>
-            <a:ext cx="8687025" cy="3139321"/>
+            <a:off x="3114136" y="1093371"/>
+            <a:ext cx="8997351" cy="5262979"/>
           </a:xfrm>
           <a:prstGeom prst="rect">
             <a:avLst/>
@@ -24067,18 +23967,24 @@
               <a:tabLst/>
             </a:pPr>
             <a:r>
-              <a:rPr kumimoji="0" lang="en-US" altLang="en-US" sz="1800" b="0" i="0" u="none" strike="noStrike" cap="none" normalizeH="0" baseline="0" dirty="0">
+              <a:rPr kumimoji="0" lang="en-US" altLang="en-US" sz="2400" b="1" i="0" u="none" strike="noStrike" cap="none" normalizeH="0" baseline="0">
                 <a:ln>
                   <a:noFill/>
                 </a:ln>
-                <a:solidFill>
-                  <a:schemeClr val="tx1"/>
-                </a:solidFill>
                 <a:effectLst/>
-                <a:latin typeface="Arial" panose="020B0604020202020204" pitchFamily="34" charset="0"/>
+                <a:latin typeface="Arial"/>
+                <a:cs typeface="Arial"/>
               </a:rPr>
-              <a:t>Priority Management </a:t>
+              <a:t>Sorting </a:t>
             </a:r>
+            <a:endParaRPr lang="en-US" altLang="en-US" sz="2400" b="1" i="0" u="none" strike="noStrike" cap="none" normalizeH="0" baseline="0">
+              <a:ln>
+                <a:noFill/>
+              </a:ln>
+              <a:effectLst/>
+              <a:latin typeface="Arial"/>
+              <a:cs typeface="Arial"/>
+            </a:endParaRPr>
           </a:p>
           <a:p>
             <a:pPr marL="400050" lvl="1" indent="0" eaLnBrk="0" fontAlgn="base" hangingPunct="0">
@@ -24095,18 +24001,24 @@
               <a:buChar char="•"/>
             </a:pPr>
             <a:r>
-              <a:rPr kumimoji="0" lang="en-US" altLang="en-US" b="0" i="0" u="none" strike="noStrike" cap="none" normalizeH="0" baseline="0" dirty="0">
+              <a:rPr kumimoji="0" lang="en-US" altLang="en-US" sz="2400" b="0" i="0" u="none" strike="noStrike" cap="none" normalizeH="0" baseline="0">
                 <a:ln>
                   <a:noFill/>
                 </a:ln>
-                <a:solidFill>
-                  <a:schemeClr val="tx1"/>
-                </a:solidFill>
                 <a:effectLst/>
-                <a:latin typeface="Arial" panose="020B0604020202020204" pitchFamily="34" charset="0"/>
+                <a:latin typeface="Arial"/>
+                <a:cs typeface="Arial"/>
               </a:rPr>
-              <a:t>Set/toggle event priorities </a:t>
+              <a:t> Sort events by different attributes </a:t>
             </a:r>
+            <a:endParaRPr lang="en-US" altLang="en-US" sz="2400" b="0" i="0" u="none" strike="noStrike" cap="none" normalizeH="0" baseline="0">
+              <a:ln>
+                <a:noFill/>
+              </a:ln>
+              <a:effectLst/>
+              <a:latin typeface="Arial"/>
+              <a:cs typeface="Arial"/>
+            </a:endParaRPr>
           </a:p>
           <a:p>
             <a:pPr marL="400050" lvl="1" indent="0" eaLnBrk="0" fontAlgn="base" hangingPunct="0">
@@ -24122,19 +24034,32 @@
               <a:buFontTx/>
               <a:buChar char="•"/>
             </a:pPr>
-            <a:r>
-              <a:rPr kumimoji="0" lang="en-US" altLang="en-US" b="0" i="0" u="none" strike="noStrike" cap="none" normalizeH="0" baseline="0" dirty="0">
-                <a:ln>
-                  <a:noFill/>
-                </a:ln>
-                <a:solidFill>
-                  <a:schemeClr val="tx1"/>
-                </a:solidFill>
-                <a:effectLst/>
-                <a:latin typeface="Arial" panose="020B0604020202020204" pitchFamily="34" charset="0"/>
-              </a:rPr>
-              <a:t>Track high-priority events </a:t>
-            </a:r>
+            <a:endParaRPr lang="en-US" altLang="en-US" sz="2400">
+              <a:latin typeface="Arial"/>
+              <a:cs typeface="Arial"/>
+            </a:endParaRPr>
+          </a:p>
+          <a:p>
+            <a:pPr marL="400050" lvl="1" indent="0" eaLnBrk="0" fontAlgn="base" hangingPunct="0">
+              <a:lnSpc>
+                <a:spcPct val="100000"/>
+              </a:lnSpc>
+              <a:spcBef>
+                <a:spcPct val="0"/>
+              </a:spcBef>
+              <a:spcAft>
+                <a:spcPct val="0"/>
+              </a:spcAft>
+              <a:buNone/>
+            </a:pPr>
+            <a:endParaRPr lang="en-US" altLang="en-US" sz="2400" b="0" i="0" u="none" strike="noStrike" cap="none" normalizeH="0" baseline="0">
+              <a:ln>
+                <a:noFill/>
+              </a:ln>
+              <a:effectLst/>
+              <a:latin typeface="Arial"/>
+              <a:cs typeface="Arial"/>
+            </a:endParaRPr>
           </a:p>
           <a:p>
             <a:pPr marL="0" marR="0" lvl="0" indent="0" algn="l" defTabSz="914400" rtl="0" eaLnBrk="0" fontAlgn="base" latinLnBrk="0" hangingPunct="0">
@@ -24154,18 +24079,24 @@
               <a:tabLst/>
             </a:pPr>
             <a:r>
-              <a:rPr kumimoji="0" lang="en-US" altLang="en-US" sz="1800" b="0" i="0" u="none" strike="noStrike" cap="none" normalizeH="0" baseline="0" dirty="0">
+              <a:rPr kumimoji="0" lang="en-US" altLang="en-US" sz="2400" b="1" i="0" u="none" strike="noStrike" cap="none" normalizeH="0" baseline="0">
                 <a:ln>
                   <a:noFill/>
                 </a:ln>
-                <a:solidFill>
-                  <a:schemeClr val="tx1"/>
-                </a:solidFill>
                 <a:effectLst/>
-                <a:latin typeface="Arial" panose="020B0604020202020204" pitchFamily="34" charset="0"/>
+                <a:latin typeface="Arial"/>
+                <a:cs typeface="Arial"/>
               </a:rPr>
-              <a:t>Flexible Data Handling </a:t>
+              <a:t>Viewing and Display </a:t>
             </a:r>
+            <a:endParaRPr lang="en-US" altLang="en-US" sz="2400" b="1" i="0" u="none" strike="noStrike" cap="none" normalizeH="0" baseline="0">
+              <a:ln>
+                <a:noFill/>
+              </a:ln>
+              <a:effectLst/>
+              <a:latin typeface="Arial"/>
+              <a:cs typeface="Arial"/>
+            </a:endParaRPr>
           </a:p>
           <a:p>
             <a:pPr marL="400050" lvl="1" indent="0" eaLnBrk="0" fontAlgn="base" hangingPunct="0">
@@ -24182,18 +24113,24 @@
               <a:buChar char="•"/>
             </a:pPr>
             <a:r>
-              <a:rPr kumimoji="0" lang="en-US" altLang="en-US" b="0" i="0" u="none" strike="noStrike" cap="none" normalizeH="0" baseline="0" dirty="0">
+              <a:rPr kumimoji="0" lang="en-US" altLang="en-US" sz="2400" b="0" i="0" u="none" strike="noStrike" cap="none" normalizeH="0" baseline="0">
                 <a:ln>
                   <a:noFill/>
                 </a:ln>
-                <a:solidFill>
-                  <a:schemeClr val="tx1"/>
-                </a:solidFill>
                 <a:effectLst/>
-                <a:latin typeface="Arial" panose="020B0604020202020204" pitchFamily="34" charset="0"/>
+                <a:latin typeface="Arial"/>
+                <a:cs typeface="Arial"/>
               </a:rPr>
-              <a:t> Precise date/time management </a:t>
+              <a:t> View filtered events 	</a:t>
             </a:r>
+            <a:endParaRPr lang="en-US" altLang="en-US" sz="2400" b="0" i="0" u="none" strike="noStrike" cap="none" normalizeH="0" baseline="0">
+              <a:ln>
+                <a:noFill/>
+              </a:ln>
+              <a:effectLst/>
+              <a:latin typeface="Arial"/>
+              <a:cs typeface="Arial"/>
+            </a:endParaRPr>
           </a:p>
           <a:p>
             <a:pPr marL="400050" lvl="1" indent="0" eaLnBrk="0" fontAlgn="base" hangingPunct="0">
@@ -24210,18 +24147,88 @@
               <a:buChar char="•"/>
             </a:pPr>
             <a:r>
-              <a:rPr kumimoji="0" lang="en-US" altLang="en-US" b="0" i="0" u="none" strike="noStrike" cap="none" normalizeH="0" baseline="0" dirty="0">
+              <a:rPr kumimoji="0" lang="en-US" altLang="en-US" sz="2400" b="0" i="0" u="none" strike="noStrike" cap="none" normalizeH="0" baseline="0">
                 <a:ln>
                   <a:noFill/>
                 </a:ln>
-                <a:solidFill>
-                  <a:schemeClr val="tx1"/>
-                </a:solidFill>
                 <a:effectLst/>
-                <a:latin typeface="Arial" panose="020B0604020202020204" pitchFamily="34" charset="0"/>
+                <a:latin typeface="Arial"/>
+                <a:cs typeface="Arial"/>
               </a:rPr>
-              <a:t> Support various event attributes </a:t>
+              <a:t>Comprehensive event details </a:t>
             </a:r>
+            <a:endParaRPr lang="en-US" altLang="en-US" sz="2400" b="0" i="0" u="none" strike="noStrike" cap="none" normalizeH="0" baseline="0">
+              <a:ln>
+                <a:noFill/>
+              </a:ln>
+              <a:effectLst/>
+              <a:latin typeface="Arial"/>
+              <a:cs typeface="Arial"/>
+            </a:endParaRPr>
+          </a:p>
+          <a:p>
+            <a:pPr marL="400050" lvl="1" indent="0" eaLnBrk="0" fontAlgn="base" hangingPunct="0">
+              <a:lnSpc>
+                <a:spcPct val="100000"/>
+              </a:lnSpc>
+              <a:spcBef>
+                <a:spcPct val="0"/>
+              </a:spcBef>
+              <a:spcAft>
+                <a:spcPct val="0"/>
+              </a:spcAft>
+              <a:buFontTx/>
+              <a:buChar char="•"/>
+            </a:pPr>
+            <a:endParaRPr lang="en-US" altLang="en-US" sz="2400">
+              <a:latin typeface="Arial"/>
+              <a:cs typeface="Arial"/>
+            </a:endParaRPr>
+          </a:p>
+          <a:p>
+            <a:pPr marL="400050" lvl="1" indent="0" eaLnBrk="0" fontAlgn="base" hangingPunct="0">
+              <a:lnSpc>
+                <a:spcPct val="100000"/>
+              </a:lnSpc>
+              <a:spcBef>
+                <a:spcPct val="0"/>
+              </a:spcBef>
+              <a:spcAft>
+                <a:spcPct val="0"/>
+              </a:spcAft>
+              <a:buFontTx/>
+              <a:buChar char="•"/>
+            </a:pPr>
+            <a:endParaRPr lang="en-US" altLang="en-US" sz="2400" b="0" i="0" u="none" strike="noStrike" cap="none" normalizeH="0" baseline="0">
+              <a:ln>
+                <a:noFill/>
+              </a:ln>
+              <a:effectLst/>
+              <a:latin typeface="Arial"/>
+              <a:cs typeface="Arial"/>
+            </a:endParaRPr>
+          </a:p>
+          <a:p>
+            <a:pPr marL="400050" lvl="1" indent="0" eaLnBrk="0" fontAlgn="base" hangingPunct="0">
+              <a:lnSpc>
+                <a:spcPct val="100000"/>
+              </a:lnSpc>
+              <a:spcBef>
+                <a:spcPct val="0"/>
+              </a:spcBef>
+              <a:spcAft>
+                <a:spcPct val="0"/>
+              </a:spcAft>
+              <a:buNone/>
+            </a:pPr>
+            <a:endParaRPr lang="en-US" altLang="en-US" sz="2400" b="0" i="0" u="none" strike="noStrike" cap="none" normalizeH="0" baseline="0">
+              <a:ln>
+                <a:noFill/>
+              </a:ln>
+              <a:effectLst/>
+              <a:latin typeface="Arial"/>
+              <a:cs typeface="Arial"/>
+            </a:endParaRPr>
           </a:p>
           <a:p>
             <a:pPr marL="0" marR="0" lvl="0" indent="0" algn="l" defTabSz="914400" rtl="0" eaLnBrk="0" fontAlgn="base" latinLnBrk="0" hangingPunct="0">
@@ -24241,18 +24248,24 @@
               <a:tabLst/>
             </a:pPr>
             <a:r>
-              <a:rPr kumimoji="0" lang="en-US" altLang="en-US" sz="1800" b="0" i="0" u="none" strike="noStrike" cap="none" normalizeH="0" baseline="0" dirty="0">
+              <a:rPr kumimoji="0" lang="en-US" altLang="en-US" sz="2400" b="1" i="0" u="none" strike="noStrike" cap="none" normalizeH="0" baseline="0">
                 <a:ln>
                   <a:noFill/>
                 </a:ln>
-                <a:solidFill>
-                  <a:schemeClr val="tx1"/>
-                </a:solidFill>
                 <a:effectLst/>
-                <a:latin typeface="Arial" panose="020B0604020202020204" pitchFamily="34" charset="0"/>
+                <a:latin typeface="Arial"/>
+                <a:cs typeface="Arial"/>
               </a:rPr>
-              <a:t>Efficient Data Structures </a:t>
+              <a:t>Event Summaries </a:t>
             </a:r>
+            <a:endParaRPr lang="en-US" altLang="en-US" sz="2400" b="1" i="0" u="none" strike="noStrike" cap="none" normalizeH="0" baseline="0">
+              <a:ln>
+                <a:noFill/>
+              </a:ln>
+              <a:effectLst/>
+              <a:latin typeface="Arial"/>
+              <a:cs typeface="Arial"/>
+            </a:endParaRPr>
           </a:p>
           <a:p>
             <a:pPr marL="400050" lvl="1" indent="0" eaLnBrk="0" fontAlgn="base" hangingPunct="0">
@@ -24269,18 +24282,24 @@
               <a:buChar char="•"/>
             </a:pPr>
             <a:r>
-              <a:rPr kumimoji="0" lang="en-US" altLang="en-US" b="0" i="0" u="none" strike="noStrike" cap="none" normalizeH="0" baseline="0" dirty="0">
+              <a:rPr kumimoji="0" lang="en-US" altLang="en-US" sz="2400" b="0" i="0" u="none" strike="noStrike" cap="none" normalizeH="0" baseline="0">
                 <a:ln>
                   <a:noFill/>
                 </a:ln>
-                <a:solidFill>
-                  <a:schemeClr val="tx1"/>
-                </a:solidFill>
                 <a:effectLst/>
-                <a:latin typeface="Arial" panose="020B0604020202020204" pitchFamily="34" charset="0"/>
+                <a:latin typeface="Arial"/>
+                <a:cs typeface="Arial"/>
               </a:rPr>
-              <a:t>HashSet for fast storage/retrieval </a:t>
+              <a:t> Generate event statistics </a:t>
             </a:r>
+            <a:endParaRPr lang="en-US" altLang="en-US" sz="2400" b="0" i="0" u="none" strike="noStrike" cap="none" normalizeH="0" baseline="0">
+              <a:ln>
+                <a:noFill/>
+              </a:ln>
+              <a:effectLst/>
+              <a:latin typeface="Arial"/>
+              <a:cs typeface="Arial"/>
+            </a:endParaRPr>
           </a:p>
           <a:p>
             <a:pPr marL="400050" lvl="1" indent="0" eaLnBrk="0" fontAlgn="base" hangingPunct="0">
@@ -24297,49 +24316,24 @@
               <a:buChar char="•"/>
             </a:pPr>
             <a:r>
-              <a:rPr kumimoji="0" lang="en-US" altLang="en-US" b="0" i="0" u="none" strike="noStrike" cap="none" normalizeH="0" baseline="0" dirty="0">
+              <a:rPr kumimoji="0" lang="en-US" altLang="en-US" sz="2400" b="0" i="0" u="none" strike="noStrike" cap="none" normalizeH="0" baseline="0">
                 <a:ln>
                   <a:noFill/>
                 </a:ln>
-                <a:solidFill>
-                  <a:schemeClr val="tx1"/>
-                </a:solidFill>
                 <a:effectLst/>
-                <a:latin typeface="Arial" panose="020B0604020202020204" pitchFamily="34" charset="0"/>
+                <a:latin typeface="Arial"/>
+                <a:cs typeface="Arial"/>
               </a:rPr>
-              <a:t>Streams for efficient filtering </a:t>
+              <a:t> Summaries for all events or date range </a:t>
             </a:r>
-          </a:p>
-          <a:p>
-            <a:pPr marL="0" marR="0" lvl="0" indent="0" algn="l" defTabSz="914400" rtl="0" eaLnBrk="0" fontAlgn="base" latinLnBrk="0" hangingPunct="0">
-              <a:lnSpc>
-                <a:spcPct val="100000"/>
-              </a:lnSpc>
-              <a:spcBef>
-                <a:spcPct val="0"/>
-              </a:spcBef>
-              <a:spcAft>
-                <a:spcPct val="0"/>
-              </a:spcAft>
-              <a:buClrTx/>
-              <a:buSzTx/>
-              <a:buFontTx/>
-              <a:buChar char="•"/>
-              <a:tabLst/>
-            </a:pPr>
-            <a:r>
-              <a:rPr kumimoji="0" lang="en-US" altLang="en-US" sz="1800" b="0" i="0" u="none" strike="noStrike" cap="none" normalizeH="0" baseline="0" dirty="0">
-                <a:ln>
-                  <a:noFill/>
-                </a:ln>
-                <a:solidFill>
-                  <a:schemeClr val="tx1"/>
-                </a:solidFill>
-                <a:effectLst/>
-                <a:latin typeface="Arial" panose="020B0604020202020204" pitchFamily="34" charset="0"/>
-              </a:rPr>
-              <a:t>Command-Line Interface </a:t>
-            </a:r>
+            <a:endParaRPr lang="en-US" altLang="en-US" sz="2400" b="0" i="0" u="none" strike="noStrike" cap="none" normalizeH="0" baseline="0">
+              <a:ln>
+                <a:noFill/>
+              </a:ln>
+              <a:effectLst/>
+              <a:latin typeface="Arial"/>
+              <a:cs typeface="Arial"/>
+            </a:endParaRPr>
           </a:p>
           <a:p>
             <a:pPr marL="400050" lvl="1" indent="0" eaLnBrk="0" fontAlgn="base" hangingPunct="0">
@@ -24352,29 +24346,23 @@
               <a:spcAft>
                 <a:spcPct val="0"/>
               </a:spcAft>
-              <a:buFontTx/>
-              <a:buChar char="•"/>
+              <a:buNone/>
             </a:pPr>
-            <a:r>
-              <a:rPr kumimoji="0" lang="en-US" altLang="en-US" b="0" i="0" u="none" strike="noStrike" cap="none" normalizeH="0" baseline="0" dirty="0">
-                <a:ln>
-                  <a:noFill/>
-                </a:ln>
-                <a:solidFill>
-                  <a:schemeClr val="tx1"/>
-                </a:solidFill>
-                <a:effectLst/>
-                <a:latin typeface="Arial" panose="020B0604020202020204" pitchFamily="34" charset="0"/>
-              </a:rPr>
-              <a:t> Text-based system interaction </a:t>
-            </a:r>
+            <a:endParaRPr lang="en-US" altLang="en-US" sz="2400" b="0" i="0" u="none" strike="noStrike" cap="none" normalizeH="0" baseline="0">
+              <a:ln>
+                <a:noFill/>
+              </a:ln>
+              <a:effectLst/>
+              <a:latin typeface="Arial" panose="020B0604020202020204" pitchFamily="34" charset="0"/>
+              <a:cs typeface="Arial"/>
+            </a:endParaRPr>
           </a:p>
         </p:txBody>
       </p:sp>
     </p:spTree>
     <p:extLst>
       <p:ext uri="{BB962C8B-B14F-4D97-AF65-F5344CB8AC3E}">
-        <p14:creationId xmlns:p14="http://schemas.microsoft.com/office/powerpoint/2010/main" val="229570784"/>
+        <p14:creationId xmlns:p14="http://schemas.microsoft.com/office/powerpoint/2010/main" val="3065395102"/>
       </p:ext>
     </p:extLst>
   </p:cSld>
@@ -24406,7 +24394,7 @@
           <p:cNvPr id="2" name="Title 1">
             <a:extLst>
               <a:ext uri="{FF2B5EF4-FFF2-40B4-BE49-F238E27FC236}">
-                <a16:creationId xmlns:a16="http://schemas.microsoft.com/office/drawing/2014/main" id="{CC80C883-7528-F9C5-D6FA-15EC059A3021}"/>
+                <a16:creationId xmlns:a16="http://schemas.microsoft.com/office/drawing/2014/main" id="{67708C79-A4AC-4B5D-92DF-600737E4D11A}"/>
               </a:ext>
             </a:extLst>
           </p:cNvPr>
@@ -24419,8 +24407,8 @@
         </p:nvSpPr>
         <p:spPr>
           <a:xfrm>
-            <a:off x="762000" y="896112"/>
-            <a:ext cx="10668000" cy="1325563"/>
+            <a:off x="3516752" y="223250"/>
+            <a:ext cx="7889768" cy="2039341"/>
           </a:xfrm>
         </p:spPr>
         <p:txBody>
@@ -24428,127 +24416,18 @@
           <a:lstStyle/>
           <a:p>
             <a:r>
-              <a:rPr lang="en-US" dirty="0"/>
-              <a:t>Key functionalities</a:t>
+              <a:rPr lang="en-US"/>
+              <a:t>Key features</a:t>
             </a:r>
           </a:p>
         </p:txBody>
       </p:sp>
       <p:sp>
         <p:nvSpPr>
-          <p:cNvPr id="6" name="Text Placeholder 5">
+          <p:cNvPr id="14" name="Slide Number Placeholder 13">
             <a:extLst>
               <a:ext uri="{FF2B5EF4-FFF2-40B4-BE49-F238E27FC236}">
-                <a16:creationId xmlns:a16="http://schemas.microsoft.com/office/drawing/2014/main" id="{3A7E69BA-FC91-08A5-671F-B53E6E989C6F}"/>
-              </a:ext>
-            </a:extLst>
-          </p:cNvPr>
-          <p:cNvSpPr>
-            <a:spLocks noGrp="1"/>
-          </p:cNvSpPr>
-          <p:nvPr>
-            <p:ph type="body" sz="quarter" idx="13"/>
-          </p:nvPr>
-        </p:nvSpPr>
-        <p:spPr>
-          <a:xfrm>
-            <a:off x="362310" y="1708031"/>
-            <a:ext cx="10605866" cy="4446708"/>
-          </a:xfrm>
-        </p:spPr>
-        <p:txBody>
-          <a:bodyPr>
-            <a:normAutofit/>
-          </a:bodyPr>
-          <a:lstStyle/>
-          <a:p>
-            <a:r>
-              <a:rPr lang="en-US" sz="1400" dirty="0"/>
-              <a:t>Event Creation and Management</a:t>
-            </a:r>
-          </a:p>
-          <a:p>
-            <a:pPr lvl="1"/>
-            <a:r>
-              <a:rPr lang="en-US" sz="1400" dirty="0"/>
-              <a:t> Add, modify, delete, and retrieve events</a:t>
-            </a:r>
-          </a:p>
-          <a:p>
-            <a:pPr lvl="1"/>
-            <a:r>
-              <a:rPr lang="en-US" sz="1400" dirty="0"/>
-              <a:t> Unique ID for each event</a:t>
-            </a:r>
-          </a:p>
-          <a:p>
-            <a:r>
-              <a:rPr lang="en-US" sz="1400" dirty="0"/>
-              <a:t>Querying and Filtering</a:t>
-            </a:r>
-          </a:p>
-          <a:p>
-            <a:pPr lvl="1"/>
-            <a:r>
-              <a:rPr lang="en-US" sz="1400" dirty="0"/>
-              <a:t> Search by various attributes</a:t>
-            </a:r>
-          </a:p>
-          <a:p>
-            <a:pPr lvl="1"/>
-            <a:r>
-              <a:rPr lang="en-US" sz="1400" dirty="0"/>
-              <a:t> View events matching specific criteria</a:t>
-            </a:r>
-          </a:p>
-          <a:p>
-            <a:pPr lvl="1"/>
-            <a:r>
-              <a:rPr lang="en-US" sz="1400" dirty="0"/>
-              <a:t>Filter by date range</a:t>
-            </a:r>
-          </a:p>
-          <a:p>
-            <a:r>
-              <a:rPr lang="en-US" sz="1400" dirty="0"/>
-              <a:t>Event Sorting</a:t>
-            </a:r>
-          </a:p>
-          <a:p>
-            <a:pPr lvl="1"/>
-            <a:r>
-              <a:rPr lang="en-US" sz="1400" dirty="0"/>
-              <a:t>Sort by multiple attributes</a:t>
-            </a:r>
-          </a:p>
-          <a:p>
-            <a:r>
-              <a:rPr lang="en-US" sz="1400" dirty="0"/>
-              <a:t>Priority Handling</a:t>
-            </a:r>
-          </a:p>
-          <a:p>
-            <a:pPr lvl="1"/>
-            <a:r>
-              <a:rPr lang="en-US" sz="1400" dirty="0"/>
-              <a:t> Set/toggle priorities</a:t>
-            </a:r>
-          </a:p>
-          <a:p>
-            <a:pPr lvl="1"/>
-            <a:r>
-              <a:rPr lang="en-US" sz="1400" dirty="0"/>
-              <a:t>Track high-priority</a:t>
-            </a:r>
-          </a:p>
-        </p:txBody>
-      </p:sp>
-      <p:sp>
-        <p:nvSpPr>
-          <p:cNvPr id="3" name="Slide Number Placeholder 2">
-            <a:extLst>
-              <a:ext uri="{FF2B5EF4-FFF2-40B4-BE49-F238E27FC236}">
-                <a16:creationId xmlns:a16="http://schemas.microsoft.com/office/drawing/2014/main" id="{8D3FE259-B742-148B-88EA-EAE84226FE5A}"/>
+                <a16:creationId xmlns:a16="http://schemas.microsoft.com/office/drawing/2014/main" id="{F3DE1AA4-0AE6-C6D5-E252-BBD5ED259E32}"/>
               </a:ext>
             </a:extLst>
           </p:cNvPr>
@@ -24569,14 +24448,526 @@
               <a:pPr/>
               <a:t>8</a:t>
             </a:fld>
-            <a:endParaRPr lang="en-US" dirty="0"/>
+            <a:endParaRPr lang="en-US"/>
+          </a:p>
+        </p:txBody>
+      </p:sp>
+      <p:sp>
+        <p:nvSpPr>
+          <p:cNvPr id="5" name="Rectangle 1">
+            <a:extLst>
+              <a:ext uri="{FF2B5EF4-FFF2-40B4-BE49-F238E27FC236}">
+                <a16:creationId xmlns:a16="http://schemas.microsoft.com/office/drawing/2014/main" id="{B8ECB8C2-A6EF-8066-983C-1C2B81B55337}"/>
+              </a:ext>
+            </a:extLst>
+          </p:cNvPr>
+          <p:cNvSpPr>
+            <a:spLocks noGrp="1" noChangeArrowheads="1"/>
+          </p:cNvSpPr>
+          <p:nvPr>
+            <p:ph sz="half" idx="14"/>
+          </p:nvPr>
+        </p:nvSpPr>
+        <p:spPr bwMode="auto">
+          <a:xfrm>
+            <a:off x="3030696" y="1142564"/>
+            <a:ext cx="8640844" cy="5262979"/>
+          </a:xfrm>
+          <a:prstGeom prst="rect">
+            <a:avLst/>
+          </a:prstGeom>
+          <a:noFill/>
+          <a:ln>
+            <a:noFill/>
+          </a:ln>
+          <a:effectLst/>
+          <a:extLst>
+            <a:ext uri="{909E8E84-426E-40DD-AFC4-6F175D3DCCD1}">
+              <a14:hiddenFill xmlns:a14="http://schemas.microsoft.com/office/drawing/2010/main">
+                <a:solidFill>
+                  <a:schemeClr val="accent1"/>
+                </a:solidFill>
+              </a14:hiddenFill>
+            </a:ext>
+            <a:ext uri="{91240B29-F687-4F45-9708-019B960494DF}">
+              <a14:hiddenLine xmlns:a14="http://schemas.microsoft.com/office/drawing/2010/main" w="9525">
+                <a:solidFill>
+                  <a:schemeClr val="tx1"/>
+                </a:solidFill>
+                <a:miter lim="800000"/>
+                <a:headEnd/>
+                <a:tailEnd/>
+              </a14:hiddenLine>
+            </a:ext>
+            <a:ext uri="{AF507438-7753-43E0-B8FC-AC1667EBCBE1}">
+              <a14:hiddenEffects xmlns:a14="http://schemas.microsoft.com/office/drawing/2010/main">
+                <a:effectLst>
+                  <a:outerShdw dist="35921" dir="2700000" algn="ctr" rotWithShape="0">
+                    <a:schemeClr val="bg2"/>
+                  </a:outerShdw>
+                </a:effectLst>
+              </a14:hiddenEffects>
+            </a:ext>
+          </a:extLst>
+        </p:spPr>
+        <p:txBody>
+          <a:bodyPr vert="horz" wrap="square" lIns="91440" tIns="45720" rIns="91440" bIns="45720" numCol="1" anchor="ctr" anchorCtr="0" compatLnSpc="1">
+            <a:prstTxWarp prst="textNoShape">
+              <a:avLst/>
+            </a:prstTxWarp>
+            <a:spAutoFit/>
+          </a:bodyPr>
+          <a:lstStyle/>
+          <a:p>
+            <a:pPr marL="0" marR="0" lvl="0" indent="0" algn="l" defTabSz="914400" rtl="0" eaLnBrk="0" fontAlgn="base" latinLnBrk="0" hangingPunct="0">
+              <a:lnSpc>
+                <a:spcPct val="100000"/>
+              </a:lnSpc>
+              <a:spcBef>
+                <a:spcPct val="0"/>
+              </a:spcBef>
+              <a:spcAft>
+                <a:spcPct val="0"/>
+              </a:spcAft>
+              <a:buClrTx/>
+              <a:buSzTx/>
+              <a:buFontTx/>
+              <a:buChar char="•"/>
+              <a:tabLst/>
+            </a:pPr>
+            <a:r>
+              <a:rPr kumimoji="0" lang="en-US" altLang="en-US" sz="2400" b="1" i="0" u="none" strike="noStrike" cap="none" normalizeH="0" baseline="0">
+                <a:ln>
+                  <a:noFill/>
+                </a:ln>
+                <a:effectLst/>
+                <a:latin typeface="Arial"/>
+                <a:cs typeface="Arial"/>
+              </a:rPr>
+              <a:t>Priority Management </a:t>
+            </a:r>
+            <a:endParaRPr lang="en-US" altLang="en-US" sz="2400" b="1" i="0" u="none" strike="noStrike" cap="none" normalizeH="0" baseline="0">
+              <a:ln>
+                <a:noFill/>
+              </a:ln>
+              <a:effectLst/>
+              <a:latin typeface="Arial"/>
+              <a:cs typeface="Arial"/>
+            </a:endParaRPr>
+          </a:p>
+          <a:p>
+            <a:pPr marL="400050" lvl="1" indent="0" eaLnBrk="0" fontAlgn="base" hangingPunct="0">
+              <a:lnSpc>
+                <a:spcPct val="100000"/>
+              </a:lnSpc>
+              <a:spcBef>
+                <a:spcPct val="0"/>
+              </a:spcBef>
+              <a:spcAft>
+                <a:spcPct val="0"/>
+              </a:spcAft>
+              <a:buFontTx/>
+              <a:buChar char="•"/>
+            </a:pPr>
+            <a:r>
+              <a:rPr kumimoji="0" lang="en-US" altLang="en-US" sz="2400" b="0" i="0" u="none" strike="noStrike" cap="none" normalizeH="0" baseline="0">
+                <a:ln>
+                  <a:noFill/>
+                </a:ln>
+                <a:effectLst/>
+                <a:latin typeface="Arial"/>
+                <a:cs typeface="Arial"/>
+              </a:rPr>
+              <a:t>Set/toggle event priorities </a:t>
+            </a:r>
+            <a:endParaRPr lang="en-US" altLang="en-US" sz="2400" b="0" i="0" u="none" strike="noStrike" cap="none" normalizeH="0" baseline="0">
+              <a:ln>
+                <a:noFill/>
+              </a:ln>
+              <a:effectLst/>
+              <a:latin typeface="Arial"/>
+              <a:cs typeface="Arial"/>
+            </a:endParaRPr>
+          </a:p>
+          <a:p>
+            <a:pPr marL="400050" lvl="1" indent="0" eaLnBrk="0" fontAlgn="base" hangingPunct="0">
+              <a:lnSpc>
+                <a:spcPct val="100000"/>
+              </a:lnSpc>
+              <a:spcBef>
+                <a:spcPct val="0"/>
+              </a:spcBef>
+              <a:spcAft>
+                <a:spcPct val="0"/>
+              </a:spcAft>
+              <a:buFontTx/>
+              <a:buChar char="•"/>
+            </a:pPr>
+            <a:r>
+              <a:rPr kumimoji="0" lang="en-US" altLang="en-US" sz="2400" b="0" i="0" u="none" strike="noStrike" cap="none" normalizeH="0" baseline="0">
+                <a:ln>
+                  <a:noFill/>
+                </a:ln>
+                <a:effectLst/>
+                <a:latin typeface="Arial"/>
+                <a:cs typeface="Arial"/>
+              </a:rPr>
+              <a:t>Track high-priority events </a:t>
+            </a:r>
+            <a:endParaRPr lang="en-US" altLang="en-US" sz="2400" b="0" i="0" u="none" strike="noStrike" cap="none" normalizeH="0" baseline="0">
+              <a:ln>
+                <a:noFill/>
+              </a:ln>
+              <a:effectLst/>
+              <a:latin typeface="Arial"/>
+              <a:cs typeface="Arial"/>
+            </a:endParaRPr>
+          </a:p>
+          <a:p>
+            <a:pPr marL="400050" lvl="1" indent="0">
+              <a:lnSpc>
+                <a:spcPct val="100000"/>
+              </a:lnSpc>
+              <a:spcBef>
+                <a:spcPct val="0"/>
+              </a:spcBef>
+              <a:spcAft>
+                <a:spcPct val="0"/>
+              </a:spcAft>
+              <a:buNone/>
+            </a:pPr>
+            <a:endParaRPr lang="en-US" altLang="en-US" sz="2400">
+              <a:latin typeface="Arial"/>
+              <a:cs typeface="Arial"/>
+            </a:endParaRPr>
+          </a:p>
+          <a:p>
+            <a:pPr marL="0" marR="0" lvl="0" indent="0" algn="l" defTabSz="914400" rtl="0" eaLnBrk="0" fontAlgn="base" latinLnBrk="0" hangingPunct="0">
+              <a:lnSpc>
+                <a:spcPct val="100000"/>
+              </a:lnSpc>
+              <a:spcBef>
+                <a:spcPct val="0"/>
+              </a:spcBef>
+              <a:spcAft>
+                <a:spcPct val="0"/>
+              </a:spcAft>
+              <a:buClrTx/>
+              <a:buSzTx/>
+              <a:buFontTx/>
+              <a:buChar char="•"/>
+              <a:tabLst/>
+            </a:pPr>
+            <a:r>
+              <a:rPr kumimoji="0" lang="en-US" altLang="en-US" sz="2400" b="1" i="0" u="none" strike="noStrike" cap="none" normalizeH="0" baseline="0">
+                <a:ln>
+                  <a:noFill/>
+                </a:ln>
+                <a:effectLst/>
+                <a:latin typeface="Arial"/>
+                <a:cs typeface="Arial"/>
+              </a:rPr>
+              <a:t>Flexible Data Handling </a:t>
+            </a:r>
+            <a:endParaRPr lang="en-US" altLang="en-US" sz="2400" b="1" i="0" u="none" strike="noStrike" cap="none" normalizeH="0" baseline="0">
+              <a:ln>
+                <a:noFill/>
+              </a:ln>
+              <a:effectLst/>
+              <a:latin typeface="Arial"/>
+              <a:cs typeface="Arial"/>
+            </a:endParaRPr>
+          </a:p>
+          <a:p>
+            <a:pPr marL="400050" lvl="1" indent="0" eaLnBrk="0" fontAlgn="base" hangingPunct="0">
+              <a:lnSpc>
+                <a:spcPct val="100000"/>
+              </a:lnSpc>
+              <a:spcBef>
+                <a:spcPct val="0"/>
+              </a:spcBef>
+              <a:spcAft>
+                <a:spcPct val="0"/>
+              </a:spcAft>
+              <a:buFontTx/>
+              <a:buChar char="•"/>
+            </a:pPr>
+            <a:r>
+              <a:rPr kumimoji="0" lang="en-US" altLang="en-US" sz="2400" b="0" i="0" u="none" strike="noStrike" cap="none" normalizeH="0" baseline="0">
+                <a:ln>
+                  <a:noFill/>
+                </a:ln>
+                <a:effectLst/>
+                <a:latin typeface="Arial"/>
+                <a:cs typeface="Arial"/>
+              </a:rPr>
+              <a:t> Precise date/time management </a:t>
+            </a:r>
+            <a:endParaRPr lang="en-US" altLang="en-US" sz="2400" b="0" i="0" u="none" strike="noStrike" cap="none" normalizeH="0" baseline="0">
+              <a:ln>
+                <a:noFill/>
+              </a:ln>
+              <a:effectLst/>
+              <a:latin typeface="Arial"/>
+              <a:cs typeface="Arial"/>
+            </a:endParaRPr>
+          </a:p>
+          <a:p>
+            <a:pPr marL="400050" lvl="1" indent="0" eaLnBrk="0" fontAlgn="base" hangingPunct="0">
+              <a:lnSpc>
+                <a:spcPct val="100000"/>
+              </a:lnSpc>
+              <a:spcBef>
+                <a:spcPct val="0"/>
+              </a:spcBef>
+              <a:spcAft>
+                <a:spcPct val="0"/>
+              </a:spcAft>
+              <a:buFontTx/>
+              <a:buChar char="•"/>
+            </a:pPr>
+            <a:r>
+              <a:rPr kumimoji="0" lang="en-US" altLang="en-US" sz="2400" b="0" i="0" u="none" strike="noStrike" cap="none" normalizeH="0" baseline="0">
+                <a:ln>
+                  <a:noFill/>
+                </a:ln>
+                <a:effectLst/>
+                <a:latin typeface="Arial"/>
+                <a:cs typeface="Arial"/>
+              </a:rPr>
+              <a:t> Support various event attributes </a:t>
+            </a:r>
+            <a:endParaRPr lang="en-US" altLang="en-US" sz="2400" b="0" i="0" u="none" strike="noStrike" cap="none" normalizeH="0" baseline="0">
+              <a:ln>
+                <a:noFill/>
+              </a:ln>
+              <a:effectLst/>
+              <a:latin typeface="Arial"/>
+              <a:cs typeface="Arial"/>
+            </a:endParaRPr>
+          </a:p>
+          <a:p>
+            <a:pPr marL="400050" lvl="1" indent="0">
+              <a:lnSpc>
+                <a:spcPct val="100000"/>
+              </a:lnSpc>
+              <a:spcBef>
+                <a:spcPct val="0"/>
+              </a:spcBef>
+              <a:spcAft>
+                <a:spcPct val="0"/>
+              </a:spcAft>
+              <a:buNone/>
+            </a:pPr>
+            <a:endParaRPr lang="en-US" altLang="en-US" sz="2400">
+              <a:latin typeface="Arial"/>
+              <a:cs typeface="Arial"/>
+            </a:endParaRPr>
+          </a:p>
+          <a:p>
+            <a:pPr marL="0" marR="0" lvl="0" indent="0" algn="l" defTabSz="914400" rtl="0" eaLnBrk="0" fontAlgn="base" latinLnBrk="0" hangingPunct="0">
+              <a:lnSpc>
+                <a:spcPct val="100000"/>
+              </a:lnSpc>
+              <a:spcBef>
+                <a:spcPct val="0"/>
+              </a:spcBef>
+              <a:spcAft>
+                <a:spcPct val="0"/>
+              </a:spcAft>
+              <a:buClrTx/>
+              <a:buSzTx/>
+              <a:buFontTx/>
+              <a:buChar char="•"/>
+              <a:tabLst/>
+            </a:pPr>
+            <a:r>
+              <a:rPr kumimoji="0" lang="en-US" altLang="en-US" sz="2400" b="1" i="0" u="none" strike="noStrike" cap="none" normalizeH="0" baseline="0">
+                <a:ln>
+                  <a:noFill/>
+                </a:ln>
+                <a:effectLst/>
+                <a:latin typeface="Arial"/>
+                <a:cs typeface="Arial"/>
+              </a:rPr>
+              <a:t>Efficient Data Structures</a:t>
+            </a:r>
+            <a:r>
+              <a:rPr kumimoji="0" lang="en-US" altLang="en-US" sz="2400" b="0" i="0" u="none" strike="noStrike" cap="none" normalizeH="0" baseline="0">
+                <a:ln>
+                  <a:noFill/>
+                </a:ln>
+                <a:effectLst/>
+                <a:latin typeface="Arial"/>
+                <a:cs typeface="Arial"/>
+              </a:rPr>
+              <a:t> </a:t>
+            </a:r>
+            <a:endParaRPr lang="en-US" altLang="en-US" sz="2400" b="0" i="0" u="none" strike="noStrike" cap="none" normalizeH="0" baseline="0">
+              <a:ln>
+                <a:noFill/>
+              </a:ln>
+              <a:effectLst/>
+              <a:latin typeface="Arial"/>
+              <a:cs typeface="Arial"/>
+            </a:endParaRPr>
+          </a:p>
+          <a:p>
+            <a:pPr marL="400050" lvl="1" indent="0" eaLnBrk="0" fontAlgn="base" hangingPunct="0">
+              <a:lnSpc>
+                <a:spcPct val="100000"/>
+              </a:lnSpc>
+              <a:spcBef>
+                <a:spcPct val="0"/>
+              </a:spcBef>
+              <a:spcAft>
+                <a:spcPct val="0"/>
+              </a:spcAft>
+              <a:buFontTx/>
+              <a:buChar char="•"/>
+            </a:pPr>
+            <a:r>
+              <a:rPr kumimoji="0" lang="en-US" altLang="en-US" sz="2400" b="0" i="0" u="none" strike="noStrike" cap="none" normalizeH="0" baseline="0">
+                <a:ln>
+                  <a:noFill/>
+                </a:ln>
+                <a:effectLst/>
+                <a:latin typeface="Arial"/>
+                <a:cs typeface="Arial"/>
+              </a:rPr>
+              <a:t>HashSet for fast storage/retrieval </a:t>
+            </a:r>
+            <a:endParaRPr lang="en-US" altLang="en-US" sz="2400" b="0" i="0" u="none" strike="noStrike" cap="none" normalizeH="0" baseline="0">
+              <a:ln>
+                <a:noFill/>
+              </a:ln>
+              <a:effectLst/>
+              <a:latin typeface="Arial"/>
+              <a:cs typeface="Arial"/>
+            </a:endParaRPr>
+          </a:p>
+          <a:p>
+            <a:pPr marL="400050" lvl="1" indent="0" eaLnBrk="0" fontAlgn="base" hangingPunct="0">
+              <a:lnSpc>
+                <a:spcPct val="100000"/>
+              </a:lnSpc>
+              <a:spcBef>
+                <a:spcPct val="0"/>
+              </a:spcBef>
+              <a:spcAft>
+                <a:spcPct val="0"/>
+              </a:spcAft>
+              <a:buFontTx/>
+              <a:buChar char="•"/>
+            </a:pPr>
+            <a:r>
+              <a:rPr kumimoji="0" lang="en-US" altLang="en-US" sz="2400" b="0" i="0" u="none" strike="noStrike" cap="none" normalizeH="0" baseline="0">
+                <a:ln>
+                  <a:noFill/>
+                </a:ln>
+                <a:effectLst/>
+                <a:latin typeface="Arial"/>
+                <a:cs typeface="Arial"/>
+              </a:rPr>
+              <a:t>Streams for efficient filtering</a:t>
+            </a:r>
+            <a:endParaRPr lang="en-US" altLang="en-US" sz="2400">
+              <a:latin typeface="Arial"/>
+              <a:cs typeface="Arial"/>
+            </a:endParaRPr>
+          </a:p>
+          <a:p>
+            <a:pPr marL="400050" lvl="1" indent="0">
+              <a:lnSpc>
+                <a:spcPct val="100000"/>
+              </a:lnSpc>
+              <a:spcBef>
+                <a:spcPct val="0"/>
+              </a:spcBef>
+              <a:spcAft>
+                <a:spcPct val="0"/>
+              </a:spcAft>
+              <a:buNone/>
+            </a:pPr>
+            <a:endParaRPr lang="en-US" sz="2400" b="1"/>
+          </a:p>
+          <a:p>
+            <a:pPr marL="0" marR="0" lvl="0" indent="0" algn="l" defTabSz="914400" rtl="0" eaLnBrk="0" fontAlgn="base" latinLnBrk="0" hangingPunct="0">
+              <a:lnSpc>
+                <a:spcPct val="100000"/>
+              </a:lnSpc>
+              <a:spcBef>
+                <a:spcPct val="0"/>
+              </a:spcBef>
+              <a:spcAft>
+                <a:spcPct val="0"/>
+              </a:spcAft>
+              <a:buClrTx/>
+              <a:buSzTx/>
+              <a:buFontTx/>
+              <a:buChar char="•"/>
+              <a:tabLst/>
+            </a:pPr>
+            <a:r>
+              <a:rPr kumimoji="0" lang="en-US" altLang="en-US" sz="2400" b="1" i="0" u="none" strike="noStrike" cap="none" normalizeH="0" baseline="0">
+                <a:ln>
+                  <a:noFill/>
+                </a:ln>
+                <a:effectLst/>
+                <a:latin typeface="Arial"/>
+                <a:cs typeface="Arial"/>
+              </a:rPr>
+              <a:t>Command-Line Interface </a:t>
+            </a:r>
+            <a:endParaRPr lang="en-US" altLang="en-US" sz="2400" b="1" i="0" u="none" strike="noStrike" cap="none" normalizeH="0" baseline="0">
+              <a:ln>
+                <a:noFill/>
+              </a:ln>
+              <a:effectLst/>
+              <a:latin typeface="Arial"/>
+              <a:cs typeface="Arial"/>
+            </a:endParaRPr>
+          </a:p>
+          <a:p>
+            <a:pPr marL="400050" lvl="1" indent="0" eaLnBrk="0" fontAlgn="base" hangingPunct="0">
+              <a:lnSpc>
+                <a:spcPct val="100000"/>
+              </a:lnSpc>
+              <a:spcBef>
+                <a:spcPct val="0"/>
+              </a:spcBef>
+              <a:spcAft>
+                <a:spcPct val="0"/>
+              </a:spcAft>
+              <a:buFontTx/>
+              <a:buChar char="•"/>
+            </a:pPr>
+            <a:r>
+              <a:rPr kumimoji="0" lang="en-US" altLang="en-US" sz="2400" b="0" i="0" u="none" strike="noStrike" cap="none" normalizeH="0" baseline="0">
+                <a:ln>
+                  <a:noFill/>
+                </a:ln>
+                <a:effectLst/>
+                <a:latin typeface="Arial"/>
+                <a:cs typeface="Arial"/>
+              </a:rPr>
+              <a:t> Text-based system interaction </a:t>
+            </a:r>
+            <a:endParaRPr lang="en-US" altLang="en-US" sz="2400" b="0" i="0" u="none" strike="noStrike" cap="none" normalizeH="0" baseline="0">
+              <a:ln>
+                <a:noFill/>
+              </a:ln>
+              <a:effectLst/>
+              <a:latin typeface="Arial"/>
+              <a:cs typeface="Arial"/>
+            </a:endParaRPr>
           </a:p>
         </p:txBody>
       </p:sp>
     </p:spTree>
     <p:extLst>
       <p:ext uri="{BB962C8B-B14F-4D97-AF65-F5344CB8AC3E}">
-        <p14:creationId xmlns:p14="http://schemas.microsoft.com/office/powerpoint/2010/main" val="2390678392"/>
+        <p14:creationId xmlns:p14="http://schemas.microsoft.com/office/powerpoint/2010/main" val="229570784"/>
       </p:ext>
     </p:extLst>
   </p:cSld>
@@ -24621,8 +25012,8 @@
         </p:nvSpPr>
         <p:spPr>
           <a:xfrm>
-            <a:off x="762000" y="896112"/>
-            <a:ext cx="10668000" cy="1325563"/>
+            <a:off x="762000" y="336158"/>
+            <a:ext cx="10668000" cy="1885517"/>
           </a:xfrm>
         </p:spPr>
         <p:txBody>
@@ -24630,7 +25021,7 @@
           <a:lstStyle/>
           <a:p>
             <a:r>
-              <a:rPr lang="en-US" dirty="0"/>
+              <a:rPr lang="en-US"/>
               <a:t>Key functionalities</a:t>
             </a:r>
           </a:p>
@@ -24654,93 +25045,93 @@
         </p:nvSpPr>
         <p:spPr>
           <a:xfrm>
-            <a:off x="414068" y="1658072"/>
-            <a:ext cx="11378241" cy="5063403"/>
+            <a:off x="362310" y="1407850"/>
+            <a:ext cx="10605866" cy="4746889"/>
           </a:xfrm>
         </p:spPr>
         <p:txBody>
-          <a:bodyPr>
+          <a:bodyPr vert="horz" lIns="91440" tIns="45720" rIns="91440" bIns="45720" rtlCol="0" anchor="t">
             <a:noAutofit/>
           </a:bodyPr>
           <a:lstStyle/>
           <a:p>
             <a:r>
-              <a:rPr lang="en-US" sz="1600" dirty="0"/>
-              <a:t>Collection Management</a:t>
+              <a:rPr lang="en-US" b="1"/>
+              <a:t>Event Creation and Management</a:t>
             </a:r>
           </a:p>
           <a:p>
             <a:pPr lvl="1"/>
             <a:r>
-              <a:rPr lang="en-US" sz="1600" dirty="0"/>
-              <a:t> Maintain unique event collection</a:t>
+              <a:rPr lang="en-US"/>
+              <a:t> Add, modify, delete, and retrieve events</a:t>
             </a:r>
           </a:p>
           <a:p>
             <a:pPr lvl="1"/>
             <a:r>
-              <a:rPr lang="en-US" sz="1600" dirty="0"/>
-              <a:t>Perform bulk operations</a:t>
+              <a:rPr lang="en-US"/>
+              <a:t> Unique ID for each event</a:t>
             </a:r>
           </a:p>
           <a:p>
             <a:r>
-              <a:rPr lang="en-US" sz="1600" dirty="0"/>
-              <a:t>Date and Time Handling</a:t>
+              <a:rPr lang="en-US" b="1"/>
+              <a:t>Querying and Filtering</a:t>
             </a:r>
           </a:p>
           <a:p>
             <a:pPr lvl="1"/>
             <a:r>
-              <a:rPr lang="en-US" sz="1600" dirty="0"/>
-              <a:t>Precise event timing</a:t>
+              <a:rPr lang="en-US"/>
+              <a:t> Search by various attributes</a:t>
             </a:r>
           </a:p>
           <a:p>
             <a:pPr lvl="1"/>
             <a:r>
-              <a:rPr lang="en-US" sz="1600" dirty="0"/>
-              <a:t>Date-based operations</a:t>
-            </a:r>
-          </a:p>
-          <a:p>
-            <a:r>
-              <a:rPr lang="en-US" sz="1600" dirty="0"/>
-              <a:t>Organizer Tracking◦</a:t>
+              <a:rPr lang="en-US"/>
+              <a:t> View events matching specific criteria</a:t>
             </a:r>
           </a:p>
           <a:p>
             <a:pPr lvl="1"/>
             <a:r>
-              <a:rPr lang="en-US" sz="1600" dirty="0"/>
-              <a:t> Track event organizers</a:t>
+              <a:rPr lang="en-US"/>
+              <a:t>Filter by date range</a:t>
+            </a:r>
+          </a:p>
+          <a:p>
+            <a:r>
+              <a:rPr lang="en-US" b="1"/>
+              <a:t>Event Sorting</a:t>
             </a:r>
           </a:p>
           <a:p>
             <a:pPr lvl="1"/>
             <a:r>
-              <a:rPr lang="en-US" sz="1600" dirty="0"/>
-              <a:t>Organizer statistics</a:t>
+              <a:rPr lang="en-US"/>
+              <a:t>Sort by multiple attributes</a:t>
             </a:r>
           </a:p>
           <a:p>
             <a:r>
-              <a:rPr lang="en-US" sz="1600" dirty="0"/>
-              <a:t>Flexible Attribute Manipulation</a:t>
+              <a:rPr lang="en-US" b="1"/>
+              <a:t>Priority Handling</a:t>
             </a:r>
           </a:p>
           <a:p>
             <a:pPr lvl="1"/>
             <a:r>
-              <a:rPr lang="en-US" sz="1600" dirty="0"/>
-              <a:t> Dynamic attribute modification</a:t>
+              <a:rPr lang="en-US"/>
+              <a:t> Set/toggle priorities</a:t>
             </a:r>
           </a:p>
           <a:p>
             <a:pPr lvl="1"/>
             <a:r>
-              <a:rPr lang="en-US" sz="1600" dirty="0"/>
-              <a:t>Support various data types</a:t>
+              <a:rPr lang="en-US"/>
+              <a:t>Track high-priority</a:t>
             </a:r>
           </a:p>
         </p:txBody>
@@ -24771,14 +25162,14 @@
               <a:pPr/>
               <a:t>9</a:t>
             </a:fld>
-            <a:endParaRPr lang="en-US" dirty="0"/>
+            <a:endParaRPr lang="en-US"/>
           </a:p>
         </p:txBody>
       </p:sp>
     </p:spTree>
     <p:extLst>
       <p:ext uri="{BB962C8B-B14F-4D97-AF65-F5344CB8AC3E}">
-        <p14:creationId xmlns:p14="http://schemas.microsoft.com/office/powerpoint/2010/main" val="1129914006"/>
+        <p14:creationId xmlns:p14="http://schemas.microsoft.com/office/powerpoint/2010/main" val="2390678392"/>
       </p:ext>
     </p:extLst>
   </p:cSld>
@@ -25580,26 +25971,6 @@
 </file>
 
 <file path=customXml/item1.xml><?xml version="1.0" encoding="utf-8"?>
-<p:properties xmlns:p="http://schemas.microsoft.com/office/2006/metadata/properties" xmlns:xsi="http://www.w3.org/2001/XMLSchema-instance" xmlns:pc="http://schemas.microsoft.com/office/infopath/2007/PartnerControls">
-  <documentManagement>
-    <Background xmlns="71af3243-3dd4-4a8d-8c0d-dd76da1f02a5">false</Background>
-    <Status xmlns="71af3243-3dd4-4a8d-8c0d-dd76da1f02a5">Not started</Status>
-    <_ip_UnifiedCompliancePolicyUIAction xmlns="http://schemas.microsoft.com/sharepoint/v3" xsi:nil="true"/>
-    <Image xmlns="71af3243-3dd4-4a8d-8c0d-dd76da1f02a5">
-      <Url xsi:nil="true"/>
-      <Description xsi:nil="true"/>
-    </Image>
-    <_ip_UnifiedCompliancePolicyProperties xmlns="http://schemas.microsoft.com/sharepoint/v3" xsi:nil="true"/>
-    <ImageTagsTaxHTField xmlns="71af3243-3dd4-4a8d-8c0d-dd76da1f02a5">
-      <Terms xmlns="http://schemas.microsoft.com/office/infopath/2007/PartnerControls"/>
-    </ImageTagsTaxHTField>
-    <TaxCatchAll xmlns="230e9df3-be65-4c73-a93b-d1236ebd677e" xsi:nil="true"/>
-    <MediaServiceKeyPoints xmlns="71af3243-3dd4-4a8d-8c0d-dd76da1f02a5" xsi:nil="true"/>
-  </documentManagement>
-</p:properties>
-</file>
-
-<file path=customXml/item2.xml><?xml version="1.0" encoding="utf-8"?>
 <ct:contentTypeSchema xmlns:ct="http://schemas.microsoft.com/office/2006/metadata/contentType" xmlns:ma="http://schemas.microsoft.com/office/2006/metadata/properties/metaAttributes" ct:_="" ma:_="" ma:contentTypeName="Document" ma:contentTypeID="0x01010079F111ED35F8CC479449609E8A0923A6" ma:contentTypeVersion="28" ma:contentTypeDescription="Create a new document." ma:contentTypeScope="" ma:versionID="60f5a4f2d2b0abadcf532d48ebf9cb71">
   <xsd:schema xmlns:xsd="http://www.w3.org/2001/XMLSchema" xmlns:xs="http://www.w3.org/2001/XMLSchema" xmlns:p="http://schemas.microsoft.com/office/2006/metadata/properties" xmlns:ns1="http://schemas.microsoft.com/sharepoint/v3" xmlns:ns2="71af3243-3dd4-4a8d-8c0d-dd76da1f02a5" xmlns:ns3="16c05727-aa75-4e4a-9b5f-8a80a1165891" xmlns:ns4="230e9df3-be65-4c73-a93b-d1236ebd677e" targetNamespace="http://schemas.microsoft.com/office/2006/metadata/properties" ma:root="true" ma:fieldsID="7dd78129e6a1811f84807ad11c651531" ns1:_="" ns2:_="" ns3:_="" ns4:_="">
     <xsd:import namespace="http://schemas.microsoft.com/sharepoint/v3"/>
@@ -25911,6 +26282,26 @@
 </ct:contentTypeSchema>
 </file>
 
+<file path=customXml/item2.xml><?xml version="1.0" encoding="utf-8"?>
+<p:properties xmlns:p="http://schemas.microsoft.com/office/2006/metadata/properties" xmlns:xsi="http://www.w3.org/2001/XMLSchema-instance" xmlns:pc="http://schemas.microsoft.com/office/infopath/2007/PartnerControls">
+  <documentManagement>
+    <Background xmlns="71af3243-3dd4-4a8d-8c0d-dd76da1f02a5">false</Background>
+    <Status xmlns="71af3243-3dd4-4a8d-8c0d-dd76da1f02a5">Not started</Status>
+    <_ip_UnifiedCompliancePolicyUIAction xmlns="http://schemas.microsoft.com/sharepoint/v3" xsi:nil="true"/>
+    <Image xmlns="71af3243-3dd4-4a8d-8c0d-dd76da1f02a5">
+      <Url xsi:nil="true"/>
+      <Description xsi:nil="true"/>
+    </Image>
+    <_ip_UnifiedCompliancePolicyProperties xmlns="http://schemas.microsoft.com/sharepoint/v3" xsi:nil="true"/>
+    <ImageTagsTaxHTField xmlns="71af3243-3dd4-4a8d-8c0d-dd76da1f02a5">
+      <Terms xmlns="http://schemas.microsoft.com/office/infopath/2007/PartnerControls"/>
+    </ImageTagsTaxHTField>
+    <TaxCatchAll xmlns="230e9df3-be65-4c73-a93b-d1236ebd677e" xsi:nil="true"/>
+    <MediaServiceKeyPoints xmlns="71af3243-3dd4-4a8d-8c0d-dd76da1f02a5" xsi:nil="true"/>
+  </documentManagement>
+</p:properties>
+</file>
+
 <file path=customXml/item3.xml><?xml version="1.0" encoding="utf-8"?>
 <?mso-contentType ?>
 <FormTemplates xmlns="http://schemas.microsoft.com/sharepoint/v3/contenttype/forms">
@@ -25921,34 +26312,34 @@
 </file>
 
 <file path=customXml/itemProps1.xml><?xml version="1.0" encoding="utf-8"?>
-<ds:datastoreItem xmlns:ds="http://schemas.openxmlformats.org/officeDocument/2006/customXml" ds:itemID="{0F65614A-92F9-4391-AC3D-F3F5B0704F99}">
+<ds:datastoreItem xmlns:ds="http://schemas.openxmlformats.org/officeDocument/2006/customXml" ds:itemID="{18903D25-5BE2-4D9E-B7D8-BE1DCAE2DC41}">
   <ds:schemaRefs>
+    <ds:schemaRef ds:uri="16c05727-aa75-4e4a-9b5f-8a80a1165891"/>
+    <ds:schemaRef ds:uri="230e9df3-be65-4c73-a93b-d1236ebd677e"/>
+    <ds:schemaRef ds:uri="71af3243-3dd4-4a8d-8c0d-dd76da1f02a5"/>
+    <ds:schemaRef ds:uri="http://purl.org/dc/elements/1.1/"/>
+    <ds:schemaRef ds:uri="http://purl.org/dc/terms/"/>
+    <ds:schemaRef ds:uri="http://schemas.microsoft.com/internal/obd"/>
+    <ds:schemaRef ds:uri="http://schemas.microsoft.com/office/2006/documentManagement/types"/>
+    <ds:schemaRef ds:uri="http://schemas.microsoft.com/office/2006/metadata/contentType"/>
     <ds:schemaRef ds:uri="http://schemas.microsoft.com/office/2006/metadata/properties"/>
+    <ds:schemaRef ds:uri="http://schemas.microsoft.com/office/2006/metadata/properties/metaAttributes"/>
     <ds:schemaRef ds:uri="http://schemas.microsoft.com/office/infopath/2007/PartnerControls"/>
-    <ds:schemaRef ds:uri="71af3243-3dd4-4a8d-8c0d-dd76da1f02a5"/>
     <ds:schemaRef ds:uri="http://schemas.microsoft.com/sharepoint/v3"/>
-    <ds:schemaRef ds:uri="230e9df3-be65-4c73-a93b-d1236ebd677e"/>
+    <ds:schemaRef ds:uri="http://schemas.openxmlformats.org/package/2006/metadata/core-properties"/>
+    <ds:schemaRef ds:uri="http://www.w3.org/2001/XMLSchema"/>
   </ds:schemaRefs>
 </ds:datastoreItem>
 </file>
 
 <file path=customXml/itemProps2.xml><?xml version="1.0" encoding="utf-8"?>
-<ds:datastoreItem xmlns:ds="http://schemas.openxmlformats.org/officeDocument/2006/customXml" ds:itemID="{18903D25-5BE2-4D9E-B7D8-BE1DCAE2DC41}">
+<ds:datastoreItem xmlns:ds="http://schemas.openxmlformats.org/officeDocument/2006/customXml" ds:itemID="{0F65614A-92F9-4391-AC3D-F3F5B0704F99}">
   <ds:schemaRefs>
-    <ds:schemaRef ds:uri="http://schemas.microsoft.com/office/2006/metadata/contentType"/>
-    <ds:schemaRef ds:uri="http://schemas.microsoft.com/office/2006/metadata/properties/metaAttributes"/>
-    <ds:schemaRef ds:uri="http://www.w3.org/2001/XMLSchema"/>
+    <ds:schemaRef ds:uri="230e9df3-be65-4c73-a93b-d1236ebd677e"/>
+    <ds:schemaRef ds:uri="71af3243-3dd4-4a8d-8c0d-dd76da1f02a5"/>
     <ds:schemaRef ds:uri="http://schemas.microsoft.com/office/2006/metadata/properties"/>
+    <ds:schemaRef ds:uri="http://schemas.microsoft.com/office/infopath/2007/PartnerControls"/>
     <ds:schemaRef ds:uri="http://schemas.microsoft.com/sharepoint/v3"/>
-    <ds:schemaRef ds:uri="71af3243-3dd4-4a8d-8c0d-dd76da1f02a5"/>
-    <ds:schemaRef ds:uri="16c05727-aa75-4e4a-9b5f-8a80a1165891"/>
-    <ds:schemaRef ds:uri="230e9df3-be65-4c73-a93b-d1236ebd677e"/>
-    <ds:schemaRef ds:uri="http://schemas.microsoft.com/office/2006/documentManagement/types"/>
-    <ds:schemaRef ds:uri="http://schemas.microsoft.com/office/infopath/2007/PartnerControls"/>
-    <ds:schemaRef ds:uri="http://schemas.openxmlformats.org/package/2006/metadata/core-properties"/>
-    <ds:schemaRef ds:uri="http://purl.org/dc/elements/1.1/"/>
-    <ds:schemaRef ds:uri="http://purl.org/dc/terms/"/>
-    <ds:schemaRef ds:uri="http://schemas.microsoft.com/internal/obd"/>
   </ds:schemaRefs>
 </ds:datastoreItem>
 </file>
@@ -25959,8 +26350,4 @@
     <ds:schemaRef ds:uri="http://schemas.microsoft.com/sharepoint/v3/contenttype/forms"/>
   </ds:schemaRefs>
 </ds:datastoreItem>
-</file>
-
-<file path=docMetadata/LabelInfo.xml><?xml version="1.0" encoding="utf-8"?>
-<clbl:labelList xmlns:clbl="http://schemas.microsoft.com/office/2020/mipLabelMetadata"/>
 </file>
--- a/Event Scheduler & Calendar presentation.pptx
+++ b/Event Scheduler & Calendar presentation.pptx
@@ -25971,6 +25971,15 @@
 </file>
 
 <file path=customXml/item1.xml><?xml version="1.0" encoding="utf-8"?>
+<?mso-contentType ?>
+<FormTemplates xmlns="http://schemas.microsoft.com/sharepoint/v3/contenttype/forms">
+  <Display>DocumentLibraryForm</Display>
+  <Edit>DocumentLibraryForm</Edit>
+  <New>DocumentLibraryForm</New>
+</FormTemplates>
+</file>
+
+<file path=customXml/item2.xml><?xml version="1.0" encoding="utf-8"?>
 <ct:contentTypeSchema xmlns:ct="http://schemas.microsoft.com/office/2006/metadata/contentType" xmlns:ma="http://schemas.microsoft.com/office/2006/metadata/properties/metaAttributes" ct:_="" ma:_="" ma:contentTypeName="Document" ma:contentTypeID="0x01010079F111ED35F8CC479449609E8A0923A6" ma:contentTypeVersion="28" ma:contentTypeDescription="Create a new document." ma:contentTypeScope="" ma:versionID="60f5a4f2d2b0abadcf532d48ebf9cb71">
   <xsd:schema xmlns:xsd="http://www.w3.org/2001/XMLSchema" xmlns:xs="http://www.w3.org/2001/XMLSchema" xmlns:p="http://schemas.microsoft.com/office/2006/metadata/properties" xmlns:ns1="http://schemas.microsoft.com/sharepoint/v3" xmlns:ns2="71af3243-3dd4-4a8d-8c0d-dd76da1f02a5" xmlns:ns3="16c05727-aa75-4e4a-9b5f-8a80a1165891" xmlns:ns4="230e9df3-be65-4c73-a93b-d1236ebd677e" targetNamespace="http://schemas.microsoft.com/office/2006/metadata/properties" ma:root="true" ma:fieldsID="7dd78129e6a1811f84807ad11c651531" ns1:_="" ns2:_="" ns3:_="" ns4:_="">
     <xsd:import namespace="http://schemas.microsoft.com/sharepoint/v3"/>
@@ -26282,7 +26291,7 @@
 </ct:contentTypeSchema>
 </file>
 
-<file path=customXml/item2.xml><?xml version="1.0" encoding="utf-8"?>
+<file path=customXml/item3.xml><?xml version="1.0" encoding="utf-8"?>
 <p:properties xmlns:p="http://schemas.microsoft.com/office/2006/metadata/properties" xmlns:xsi="http://www.w3.org/2001/XMLSchema-instance" xmlns:pc="http://schemas.microsoft.com/office/infopath/2007/PartnerControls">
   <documentManagement>
     <Background xmlns="71af3243-3dd4-4a8d-8c0d-dd76da1f02a5">false</Background>
@@ -26302,16 +26311,15 @@
 </p:properties>
 </file>
 
-<file path=customXml/item3.xml><?xml version="1.0" encoding="utf-8"?>
-<?mso-contentType ?>
-<FormTemplates xmlns="http://schemas.microsoft.com/sharepoint/v3/contenttype/forms">
-  <Display>DocumentLibraryForm</Display>
-  <Edit>DocumentLibraryForm</Edit>
-  <New>DocumentLibraryForm</New>
-</FormTemplates>
+<file path=customXml/itemProps1.xml><?xml version="1.0" encoding="utf-8"?>
+<ds:datastoreItem xmlns:ds="http://schemas.openxmlformats.org/officeDocument/2006/customXml" ds:itemID="{8451406B-581B-4C29-A833-E33D8A6AB075}">
+  <ds:schemaRefs>
+    <ds:schemaRef ds:uri="http://schemas.microsoft.com/sharepoint/v3/contenttype/forms"/>
+  </ds:schemaRefs>
+</ds:datastoreItem>
 </file>
 
-<file path=customXml/itemProps1.xml><?xml version="1.0" encoding="utf-8"?>
+<file path=customXml/itemProps2.xml><?xml version="1.0" encoding="utf-8"?>
 <ds:datastoreItem xmlns:ds="http://schemas.openxmlformats.org/officeDocument/2006/customXml" ds:itemID="{18903D25-5BE2-4D9E-B7D8-BE1DCAE2DC41}">
   <ds:schemaRefs>
     <ds:schemaRef ds:uri="16c05727-aa75-4e4a-9b5f-8a80a1165891"/>
@@ -26332,7 +26340,7 @@
 </ds:datastoreItem>
 </file>
 
-<file path=customXml/itemProps2.xml><?xml version="1.0" encoding="utf-8"?>
+<file path=customXml/itemProps3.xml><?xml version="1.0" encoding="utf-8"?>
 <ds:datastoreItem xmlns:ds="http://schemas.openxmlformats.org/officeDocument/2006/customXml" ds:itemID="{0F65614A-92F9-4391-AC3D-F3F5B0704F99}">
   <ds:schemaRefs>
     <ds:schemaRef ds:uri="230e9df3-be65-4c73-a93b-d1236ebd677e"/>
@@ -26344,10 +26352,6 @@
 </ds:datastoreItem>
 </file>
 
-<file path=customXml/itemProps3.xml><?xml version="1.0" encoding="utf-8"?>
-<ds:datastoreItem xmlns:ds="http://schemas.openxmlformats.org/officeDocument/2006/customXml" ds:itemID="{8451406B-581B-4C29-A833-E33D8A6AB075}">
-  <ds:schemaRefs>
-    <ds:schemaRef ds:uri="http://schemas.microsoft.com/sharepoint/v3/contenttype/forms"/>
-  </ds:schemaRefs>
-</ds:datastoreItem>
+<file path=docMetadata/LabelInfo.xml><?xml version="1.0" encoding="utf-8"?>
+<clbl:labelList xmlns:clbl="http://schemas.microsoft.com/office/2020/mipLabelMetadata"/>
 </file>